--- a/Presentations/2020/01 - Jan - 21st/21st January.pptx
+++ b/Presentations/2020/01 - Jan - 21st/21st January.pptx
@@ -143,7 +143,7 @@
 <file path=ppt/revisionInfo.xml><?xml version="1.0" encoding="utf-8"?>
 <p1510:revInfo xmlns:a="http://schemas.openxmlformats.org/drawingml/2006/main" xmlns:r="http://schemas.openxmlformats.org/officeDocument/2006/relationships" xmlns:p1510="http://schemas.microsoft.com/office/powerpoint/2015/10/main">
   <p1510:revLst>
-    <p1510:client id="{C551D85B-0AD3-48F4-B048-54D8EFEC16A2}" v="106" dt="2020-01-16T08:02:56.904"/>
+    <p1510:client id="{C551D85B-0AD3-48F4-B048-54D8EFEC16A2}" v="121" dt="2020-01-16T08:31:29.130"/>
   </p1510:revLst>
 </p1510:revInfo>
 </file>
@@ -177,7 +177,7 @@
   <pc:docChgLst>
     <pc:chgData name="Michael Zanatta" userId="fa57f52891cc4abc" providerId="LiveId" clId="{C551D85B-0AD3-48F4-B048-54D8EFEC16A2}"/>
     <pc:docChg chg="undo custSel addSld delSld modSld sldOrd">
-      <pc:chgData name="Michael Zanatta" userId="fa57f52891cc4abc" providerId="LiveId" clId="{C551D85B-0AD3-48F4-B048-54D8EFEC16A2}" dt="2020-01-16T08:00:42.161" v="1511" actId="20577"/>
+      <pc:chgData name="Michael Zanatta" userId="fa57f52891cc4abc" providerId="LiveId" clId="{C551D85B-0AD3-48F4-B048-54D8EFEC16A2}" dt="2020-01-16T08:31:56.699" v="1572" actId="1076"/>
       <pc:docMkLst>
         <pc:docMk/>
       </pc:docMkLst>
@@ -292,6 +292,29 @@
           <pc:docMk/>
           <pc:sldMk cId="4096584112" sldId="297"/>
         </pc:sldMkLst>
+      </pc:sldChg>
+      <pc:sldChg chg="addSp modSp">
+        <pc:chgData name="Michael Zanatta" userId="fa57f52891cc4abc" providerId="LiveId" clId="{C551D85B-0AD3-48F4-B048-54D8EFEC16A2}" dt="2020-01-16T08:31:56.699" v="1572" actId="1076"/>
+        <pc:sldMkLst>
+          <pc:docMk/>
+          <pc:sldMk cId="4202404379" sldId="320"/>
+        </pc:sldMkLst>
+        <pc:spChg chg="add mod">
+          <ac:chgData name="Michael Zanatta" userId="fa57f52891cc4abc" providerId="LiveId" clId="{C551D85B-0AD3-48F4-B048-54D8EFEC16A2}" dt="2020-01-16T08:31:56.699" v="1572" actId="1076"/>
+          <ac:spMkLst>
+            <pc:docMk/>
+            <pc:sldMk cId="4202404379" sldId="320"/>
+            <ac:spMk id="5" creationId="{106264D5-BE3B-4B18-A8B4-056018249D9E}"/>
+          </ac:spMkLst>
+        </pc:spChg>
+        <pc:spChg chg="add mod">
+          <ac:chgData name="Michael Zanatta" userId="fa57f52891cc4abc" providerId="LiveId" clId="{C551D85B-0AD3-48F4-B048-54D8EFEC16A2}" dt="2020-01-16T08:31:31.008" v="1566" actId="114"/>
+          <ac:spMkLst>
+            <pc:docMk/>
+            <pc:sldMk cId="4202404379" sldId="320"/>
+            <ac:spMk id="8" creationId="{03A8AB15-267C-4C20-B63B-E623BE84EB1D}"/>
+          </ac:spMkLst>
+        </pc:spChg>
       </pc:sldChg>
       <pc:sldChg chg="del">
         <pc:chgData name="Michael Zanatta" userId="fa57f52891cc4abc" providerId="LiveId" clId="{C551D85B-0AD3-48F4-B048-54D8EFEC16A2}" dt="2020-01-10T20:35:46.581" v="40" actId="2696"/>
@@ -315,8 +338,8 @@
           </ac:spMkLst>
         </pc:spChg>
       </pc:sldChg>
-      <pc:sldChg chg="modSp">
-        <pc:chgData name="Michael Zanatta" userId="fa57f52891cc4abc" providerId="LiveId" clId="{C551D85B-0AD3-48F4-B048-54D8EFEC16A2}" dt="2020-01-15T07:06:03.645" v="90" actId="20577"/>
+      <pc:sldChg chg="addSp modSp">
+        <pc:chgData name="Michael Zanatta" userId="fa57f52891cc4abc" providerId="LiveId" clId="{C551D85B-0AD3-48F4-B048-54D8EFEC16A2}" dt="2020-01-16T08:30:46.312" v="1558" actId="115"/>
         <pc:sldMkLst>
           <pc:docMk/>
           <pc:sldMk cId="444379534" sldId="376"/>
@@ -337,6 +360,30 @@
             <ac:spMk id="5" creationId="{E30C5A45-3460-6B4F-BC44-F5513C3BF261}"/>
           </ac:spMkLst>
         </pc:spChg>
+        <pc:spChg chg="add mod">
+          <ac:chgData name="Michael Zanatta" userId="fa57f52891cc4abc" providerId="LiveId" clId="{C551D85B-0AD3-48F4-B048-54D8EFEC16A2}" dt="2020-01-16T08:30:16.311" v="1541" actId="14100"/>
+          <ac:spMkLst>
+            <pc:docMk/>
+            <pc:sldMk cId="444379534" sldId="376"/>
+            <ac:spMk id="6" creationId="{30B583B3-9096-4920-8D95-DA401DC5F0BD}"/>
+          </ac:spMkLst>
+        </pc:spChg>
+        <pc:spChg chg="add mod">
+          <ac:chgData name="Michael Zanatta" userId="fa57f52891cc4abc" providerId="LiveId" clId="{C551D85B-0AD3-48F4-B048-54D8EFEC16A2}" dt="2020-01-16T08:30:46.312" v="1558" actId="115"/>
+          <ac:spMkLst>
+            <pc:docMk/>
+            <pc:sldMk cId="444379534" sldId="376"/>
+            <ac:spMk id="7" creationId="{D1BB7E4A-90FE-466D-982A-6CB6002965EC}"/>
+          </ac:spMkLst>
+        </pc:spChg>
+        <pc:picChg chg="mod">
+          <ac:chgData name="Michael Zanatta" userId="fa57f52891cc4abc" providerId="LiveId" clId="{C551D85B-0AD3-48F4-B048-54D8EFEC16A2}" dt="2020-01-16T08:30:19.754" v="1542" actId="1076"/>
+          <ac:picMkLst>
+            <pc:docMk/>
+            <pc:sldMk cId="444379534" sldId="376"/>
+            <ac:picMk id="2" creationId="{6DE93A9B-B3F0-254E-B3B0-9F508C54D001}"/>
+          </ac:picMkLst>
+        </pc:picChg>
       </pc:sldChg>
       <pc:sldChg chg="modSp">
         <pc:chgData name="Michael Zanatta" userId="fa57f52891cc4abc" providerId="LiveId" clId="{C551D85B-0AD3-48F4-B048-54D8EFEC16A2}" dt="2020-01-16T07:55:42.722" v="1374" actId="20577"/>
@@ -10358,6 +10405,77 @@
           </a:p>
         </p:txBody>
       </p:sp>
+      <p:sp>
+        <p:nvSpPr>
+          <p:cNvPr id="5" name="TextBox 4">
+            <a:extLst>
+              <a:ext uri="{FF2B5EF4-FFF2-40B4-BE49-F238E27FC236}">
+                <a16:creationId xmlns:a16="http://schemas.microsoft.com/office/drawing/2014/main" id="{106264D5-BE3B-4B18-A8B4-056018249D9E}"/>
+              </a:ext>
+            </a:extLst>
+          </p:cNvPr>
+          <p:cNvSpPr txBox="1"/>
+          <p:nvPr/>
+        </p:nvSpPr>
+        <p:spPr>
+          <a:xfrm>
+            <a:off x="4371583" y="5881501"/>
+            <a:ext cx="8085634" cy="523220"/>
+          </a:xfrm>
+          <a:prstGeom prst="rect">
+            <a:avLst/>
+          </a:prstGeom>
+          <a:noFill/>
+        </p:spPr>
+        <p:txBody>
+          <a:bodyPr wrap="square" rtlCol="0">
+            <a:spAutoFit/>
+          </a:bodyPr>
+          <a:lstStyle/>
+          <a:p>
+            <a:r>
+              <a:rPr lang="en-AU" sz="2800" b="1" dirty="0"/>
+              <a:t>Slides: https://github.com/ZanattaMichael/BrisPug </a:t>
+            </a:r>
+          </a:p>
+        </p:txBody>
+      </p:sp>
+      <p:sp>
+        <p:nvSpPr>
+          <p:cNvPr id="8" name="TextBox 7">
+            <a:extLst>
+              <a:ext uri="{FF2B5EF4-FFF2-40B4-BE49-F238E27FC236}">
+                <a16:creationId xmlns:a16="http://schemas.microsoft.com/office/drawing/2014/main" id="{03A8AB15-267C-4C20-B63B-E623BE84EB1D}"/>
+              </a:ext>
+            </a:extLst>
+          </p:cNvPr>
+          <p:cNvSpPr txBox="1"/>
+          <p:nvPr/>
+        </p:nvSpPr>
+        <p:spPr>
+          <a:xfrm>
+            <a:off x="10033348" y="6488668"/>
+            <a:ext cx="2087671" cy="369332"/>
+          </a:xfrm>
+          <a:prstGeom prst="rect">
+            <a:avLst/>
+          </a:prstGeom>
+          <a:noFill/>
+        </p:spPr>
+        <p:txBody>
+          <a:bodyPr wrap="square" rtlCol="0">
+            <a:spAutoFit/>
+          </a:bodyPr>
+          <a:lstStyle/>
+          <a:p>
+            <a:pPr algn="r"/>
+            <a:r>
+              <a:rPr lang="en-AU" b="1" i="1" dirty="0"/>
+              <a:t>@PowerShellMich1</a:t>
+            </a:r>
+          </a:p>
+        </p:txBody>
+      </p:sp>
     </p:spTree>
     <p:extLst>
       <p:ext uri="{BB962C8B-B14F-4D97-AF65-F5344CB8AC3E}">
@@ -14396,7 +14514,7 @@
         </p:blipFill>
         <p:spPr>
           <a:xfrm>
-            <a:off x="13447" y="0"/>
+            <a:off x="0" y="0"/>
             <a:ext cx="12180232" cy="6858000"/>
           </a:xfrm>
           <a:prstGeom prst="rect">
@@ -14520,6 +14638,86 @@
               </a:rPr>
               <a:t>Object’s Explained</a:t>
             </a:r>
+          </a:p>
+        </p:txBody>
+      </p:sp>
+      <p:sp>
+        <p:nvSpPr>
+          <p:cNvPr id="6" name="TextBox 5">
+            <a:extLst>
+              <a:ext uri="{FF2B5EF4-FFF2-40B4-BE49-F238E27FC236}">
+                <a16:creationId xmlns:a16="http://schemas.microsoft.com/office/drawing/2014/main" id="{30B583B3-9096-4920-8D95-DA401DC5F0BD}"/>
+              </a:ext>
+            </a:extLst>
+          </p:cNvPr>
+          <p:cNvSpPr txBox="1"/>
+          <p:nvPr/>
+        </p:nvSpPr>
+        <p:spPr>
+          <a:xfrm>
+            <a:off x="10033348" y="6488668"/>
+            <a:ext cx="2087671" cy="369332"/>
+          </a:xfrm>
+          <a:prstGeom prst="rect">
+            <a:avLst/>
+          </a:prstGeom>
+          <a:noFill/>
+        </p:spPr>
+        <p:txBody>
+          <a:bodyPr wrap="square" rtlCol="0">
+            <a:spAutoFit/>
+          </a:bodyPr>
+          <a:lstStyle/>
+          <a:p>
+            <a:pPr algn="r"/>
+            <a:r>
+              <a:rPr lang="en-AU" dirty="0">
+                <a:solidFill>
+                  <a:schemeClr val="bg1"/>
+                </a:solidFill>
+              </a:rPr>
+              <a:t>@PowerShellMich1</a:t>
+            </a:r>
+          </a:p>
+        </p:txBody>
+      </p:sp>
+      <p:sp>
+        <p:nvSpPr>
+          <p:cNvPr id="7" name="TextBox 6">
+            <a:extLst>
+              <a:ext uri="{FF2B5EF4-FFF2-40B4-BE49-F238E27FC236}">
+                <a16:creationId xmlns:a16="http://schemas.microsoft.com/office/drawing/2014/main" id="{D1BB7E4A-90FE-466D-982A-6CB6002965EC}"/>
+              </a:ext>
+            </a:extLst>
+          </p:cNvPr>
+          <p:cNvSpPr txBox="1"/>
+          <p:nvPr/>
+        </p:nvSpPr>
+        <p:spPr>
+          <a:xfrm>
+            <a:off x="70981" y="6468977"/>
+            <a:ext cx="5215003" cy="369332"/>
+          </a:xfrm>
+          <a:prstGeom prst="rect">
+            <a:avLst/>
+          </a:prstGeom>
+          <a:noFill/>
+        </p:spPr>
+        <p:txBody>
+          <a:bodyPr wrap="square" rtlCol="0">
+            <a:spAutoFit/>
+          </a:bodyPr>
+          <a:lstStyle/>
+          <a:p>
+            <a:r>
+              <a:rPr lang="en-AU" dirty="0">
+                <a:solidFill>
+                  <a:schemeClr val="bg1"/>
+                </a:solidFill>
+              </a:rPr>
+              <a:t>Slides: https://github.com/ZanattaMichael/BrisPug </a:t>
+            </a:r>
+            <a:endParaRPr lang="en-AU" dirty="0"/>
           </a:p>
         </p:txBody>
       </p:sp>

--- a/Presentations/2020/01 - Jan - 21st/21st January.pptx
+++ b/Presentations/2020/01 - Jan - 21st/21st January.pptx
@@ -5,7 +5,7 @@
     <p:sldMasterId id="2147483648" r:id="rId1"/>
   </p:sldMasterIdLst>
   <p:notesMasterIdLst>
-    <p:notesMasterId r:id="rId28"/>
+    <p:notesMasterId r:id="rId27"/>
   </p:notesMasterIdLst>
   <p:sldIdLst>
     <p:sldId id="256" r:id="rId2"/>
@@ -14,26 +14,25 @@
     <p:sldId id="371" r:id="rId5"/>
     <p:sldId id="375" r:id="rId6"/>
     <p:sldId id="377" r:id="rId7"/>
-    <p:sldId id="326" r:id="rId8"/>
-    <p:sldId id="376" r:id="rId9"/>
-    <p:sldId id="378" r:id="rId10"/>
-    <p:sldId id="379" r:id="rId11"/>
-    <p:sldId id="384" r:id="rId12"/>
-    <p:sldId id="382" r:id="rId13"/>
-    <p:sldId id="385" r:id="rId14"/>
-    <p:sldId id="386" r:id="rId15"/>
-    <p:sldId id="380" r:id="rId16"/>
-    <p:sldId id="381" r:id="rId17"/>
-    <p:sldId id="320" r:id="rId18"/>
-    <p:sldId id="257" r:id="rId19"/>
-    <p:sldId id="261" r:id="rId20"/>
-    <p:sldId id="262" r:id="rId21"/>
-    <p:sldId id="260" r:id="rId22"/>
-    <p:sldId id="264" r:id="rId23"/>
-    <p:sldId id="263" r:id="rId24"/>
-    <p:sldId id="259" r:id="rId25"/>
-    <p:sldId id="266" r:id="rId26"/>
-    <p:sldId id="265" r:id="rId27"/>
+    <p:sldId id="376" r:id="rId8"/>
+    <p:sldId id="378" r:id="rId9"/>
+    <p:sldId id="379" r:id="rId10"/>
+    <p:sldId id="384" r:id="rId11"/>
+    <p:sldId id="382" r:id="rId12"/>
+    <p:sldId id="385" r:id="rId13"/>
+    <p:sldId id="386" r:id="rId14"/>
+    <p:sldId id="380" r:id="rId15"/>
+    <p:sldId id="381" r:id="rId16"/>
+    <p:sldId id="320" r:id="rId17"/>
+    <p:sldId id="257" r:id="rId18"/>
+    <p:sldId id="261" r:id="rId19"/>
+    <p:sldId id="262" r:id="rId20"/>
+    <p:sldId id="260" r:id="rId21"/>
+    <p:sldId id="264" r:id="rId22"/>
+    <p:sldId id="263" r:id="rId23"/>
+    <p:sldId id="259" r:id="rId24"/>
+    <p:sldId id="266" r:id="rId25"/>
+    <p:sldId id="265" r:id="rId26"/>
   </p:sldIdLst>
   <p:sldSz cx="12192000" cy="6858000"/>
   <p:notesSz cx="6858000" cy="9144000"/>
@@ -177,7 +176,7 @@
   <pc:docChgLst>
     <pc:chgData name="Michael Zanatta" userId="fa57f52891cc4abc" providerId="LiveId" clId="{C551D85B-0AD3-48F4-B048-54D8EFEC16A2}"/>
     <pc:docChg chg="undo custSel addSld delSld modSld sldOrd">
-      <pc:chgData name="Michael Zanatta" userId="fa57f52891cc4abc" providerId="LiveId" clId="{C551D85B-0AD3-48F4-B048-54D8EFEC16A2}" dt="2020-01-16T08:31:56.699" v="1572" actId="1076"/>
+      <pc:chgData name="Michael Zanatta" userId="fa57f52891cc4abc" providerId="LiveId" clId="{C551D85B-0AD3-48F4-B048-54D8EFEC16A2}" dt="2020-01-21T08:01:28.526" v="2186" actId="6549"/>
       <pc:docMkLst>
         <pc:docMk/>
       </pc:docMkLst>
@@ -317,6 +316,13 @@
         </pc:spChg>
       </pc:sldChg>
       <pc:sldChg chg="del">
+        <pc:chgData name="Michael Zanatta" userId="fa57f52891cc4abc" providerId="LiveId" clId="{C551D85B-0AD3-48F4-B048-54D8EFEC16A2}" dt="2020-01-21T05:49:09.200" v="2111" actId="2696"/>
+        <pc:sldMkLst>
+          <pc:docMk/>
+          <pc:sldMk cId="374070016" sldId="326"/>
+        </pc:sldMkLst>
+      </pc:sldChg>
+      <pc:sldChg chg="del">
         <pc:chgData name="Michael Zanatta" userId="fa57f52891cc4abc" providerId="LiveId" clId="{C551D85B-0AD3-48F4-B048-54D8EFEC16A2}" dt="2020-01-10T20:35:46.581" v="40" actId="2696"/>
         <pc:sldMkLst>
           <pc:docMk/>
@@ -324,13 +330,13 @@
         </pc:sldMkLst>
       </pc:sldChg>
       <pc:sldChg chg="modSp modNotesTx">
-        <pc:chgData name="Michael Zanatta" userId="fa57f52891cc4abc" providerId="LiveId" clId="{C551D85B-0AD3-48F4-B048-54D8EFEC16A2}" dt="2020-01-15T07:05:33.849" v="64" actId="20577"/>
+        <pc:chgData name="Michael Zanatta" userId="fa57f52891cc4abc" providerId="LiveId" clId="{C551D85B-0AD3-48F4-B048-54D8EFEC16A2}" dt="2020-01-21T07:58:40.167" v="2185" actId="20577"/>
         <pc:sldMkLst>
           <pc:docMk/>
           <pc:sldMk cId="1087417806" sldId="371"/>
         </pc:sldMkLst>
         <pc:spChg chg="mod">
-          <ac:chgData name="Michael Zanatta" userId="fa57f52891cc4abc" providerId="LiveId" clId="{C551D85B-0AD3-48F4-B048-54D8EFEC16A2}" dt="2020-01-10T20:35:02.253" v="28" actId="20577"/>
+          <ac:chgData name="Michael Zanatta" userId="fa57f52891cc4abc" providerId="LiveId" clId="{C551D85B-0AD3-48F4-B048-54D8EFEC16A2}" dt="2020-01-21T07:58:40.167" v="2185" actId="20577"/>
           <ac:spMkLst>
             <pc:docMk/>
             <pc:sldMk cId="1087417806" sldId="371"/>
@@ -338,8 +344,8 @@
           </ac:spMkLst>
         </pc:spChg>
       </pc:sldChg>
-      <pc:sldChg chg="addSp modSp">
-        <pc:chgData name="Michael Zanatta" userId="fa57f52891cc4abc" providerId="LiveId" clId="{C551D85B-0AD3-48F4-B048-54D8EFEC16A2}" dt="2020-01-16T08:30:46.312" v="1558" actId="115"/>
+      <pc:sldChg chg="addSp modSp modNotesTx">
+        <pc:chgData name="Michael Zanatta" userId="fa57f52891cc4abc" providerId="LiveId" clId="{C551D85B-0AD3-48F4-B048-54D8EFEC16A2}" dt="2020-01-21T08:01:28.526" v="2186" actId="6549"/>
         <pc:sldMkLst>
           <pc:docMk/>
           <pc:sldMk cId="444379534" sldId="376"/>
@@ -353,7 +359,7 @@
           </ac:spMkLst>
         </pc:spChg>
         <pc:spChg chg="mod">
-          <ac:chgData name="Michael Zanatta" userId="fa57f52891cc4abc" providerId="LiveId" clId="{C551D85B-0AD3-48F4-B048-54D8EFEC16A2}" dt="2020-01-15T07:06:03.645" v="90" actId="20577"/>
+          <ac:chgData name="Michael Zanatta" userId="fa57f52891cc4abc" providerId="LiveId" clId="{C551D85B-0AD3-48F4-B048-54D8EFEC16A2}" dt="2020-01-21T08:01:28.526" v="2186" actId="6549"/>
           <ac:spMkLst>
             <pc:docMk/>
             <pc:sldMk cId="444379534" sldId="376"/>
@@ -386,7 +392,7 @@
         </pc:picChg>
       </pc:sldChg>
       <pc:sldChg chg="modSp">
-        <pc:chgData name="Michael Zanatta" userId="fa57f52891cc4abc" providerId="LiveId" clId="{C551D85B-0AD3-48F4-B048-54D8EFEC16A2}" dt="2020-01-16T07:55:42.722" v="1374" actId="20577"/>
+        <pc:chgData name="Michael Zanatta" userId="fa57f52891cc4abc" providerId="LiveId" clId="{C551D85B-0AD3-48F4-B048-54D8EFEC16A2}" dt="2020-01-21T05:46:08.687" v="2110" actId="20577"/>
         <pc:sldMkLst>
           <pc:docMk/>
           <pc:sldMk cId="2679671802" sldId="377"/>
@@ -400,7 +406,7 @@
           </ac:spMkLst>
         </pc:spChg>
         <pc:spChg chg="mod">
-          <ac:chgData name="Michael Zanatta" userId="fa57f52891cc4abc" providerId="LiveId" clId="{C551D85B-0AD3-48F4-B048-54D8EFEC16A2}" dt="2020-01-10T20:35:41.698" v="39" actId="6549"/>
+          <ac:chgData name="Michael Zanatta" userId="fa57f52891cc4abc" providerId="LiveId" clId="{C551D85B-0AD3-48F4-B048-54D8EFEC16A2}" dt="2020-01-21T05:46:08.687" v="2110" actId="20577"/>
           <ac:spMkLst>
             <pc:docMk/>
             <pc:sldMk cId="2679671802" sldId="377"/>
@@ -2774,7 +2780,7 @@
           <a:p>
             <a:fld id="{99E78F90-2B87-4311-BC51-F71740C7BF85}" type="datetimeFigureOut">
               <a:rPr lang="en-AU" smtClean="0"/>
-              <a:t>16/01/2020</a:t>
+              <a:t>21/01/2020</a:t>
             </a:fld>
             <a:endParaRPr lang="en-AU"/>
           </a:p>
@@ -3880,7 +3886,7 @@
           <a:p>
             <a:fld id="{6A461F32-A857-4C27-AEFB-80E8BEE4C548}" type="slidenum">
               <a:rPr lang="en-AU" smtClean="0"/>
-              <a:t>12</a:t>
+              <a:t>11</a:t>
             </a:fld>
             <a:endParaRPr lang="en-AU"/>
           </a:p>
@@ -4039,7 +4045,7 @@
           <a:p>
             <a:fld id="{6A461F32-A857-4C27-AEFB-80E8BEE4C548}" type="slidenum">
               <a:rPr lang="en-AU" smtClean="0"/>
-              <a:t>13</a:t>
+              <a:t>12</a:t>
             </a:fld>
             <a:endParaRPr lang="en-AU"/>
           </a:p>
@@ -4320,7 +4326,7 @@
           <a:p>
             <a:fld id="{6A461F32-A857-4C27-AEFB-80E8BEE4C548}" type="slidenum">
               <a:rPr lang="en-AU" smtClean="0"/>
-              <a:t>14</a:t>
+              <a:t>13</a:t>
             </a:fld>
             <a:endParaRPr lang="en-AU"/>
           </a:p>
@@ -4438,7 +4444,7 @@
           <a:p>
             <a:fld id="{6A461F32-A857-4C27-AEFB-80E8BEE4C548}" type="slidenum">
               <a:rPr lang="en-AU" smtClean="0"/>
-              <a:t>15</a:t>
+              <a:t>14</a:t>
             </a:fld>
             <a:endParaRPr lang="en-AU"/>
           </a:p>
@@ -4534,7 +4540,7 @@
           <a:p>
             <a:fld id="{6A461F32-A857-4C27-AEFB-80E8BEE4C548}" type="slidenum">
               <a:rPr lang="en-AU" smtClean="0"/>
-              <a:t>16</a:t>
+              <a:t>15</a:t>
             </a:fld>
             <a:endParaRPr lang="en-AU"/>
           </a:p>
@@ -5017,7 +5023,35 @@
           <a:bodyPr/>
           <a:lstStyle/>
           <a:p>
+            <a:r>
+              <a:rPr lang="en-AU" dirty="0"/>
+              <a:t>PowerShell Object’s Explained</a:t>
+            </a:r>
+          </a:p>
+          <a:p>
             <a:endParaRPr lang="en-AU" dirty="0"/>
+          </a:p>
+          <a:p>
+            <a:r>
+              <a:rPr lang="en-AU" dirty="0"/>
+              <a:t>Hi I’m Michael / </a:t>
+            </a:r>
+            <a:r>
+              <a:rPr lang="en-AU" dirty="0" err="1"/>
+              <a:t>PowerShellMichael</a:t>
+            </a:r>
+            <a:r>
+              <a:rPr lang="en-AU" dirty="0"/>
+              <a:t> you can find all the slides for this presentation on my </a:t>
+            </a:r>
+            <a:r>
+              <a:rPr lang="en-AU" dirty="0" err="1"/>
+              <a:t>github</a:t>
+            </a:r>
+            <a:r>
+              <a:rPr lang="en-AU"/>
+              <a:t> and the demo’s as well.</a:t>
+            </a:r>
           </a:p>
         </p:txBody>
       </p:sp>
@@ -5038,7 +5072,7 @@
           <a:p>
             <a:fld id="{D4F364C1-24E9-465A-B55D-B706D0819ADA}" type="slidenum">
               <a:rPr lang="en-AU" smtClean="0"/>
-              <a:t>8</a:t>
+              <a:t>7</a:t>
             </a:fld>
             <a:endParaRPr lang="en-AU"/>
           </a:p>
@@ -5122,7 +5156,7 @@
           <a:p>
             <a:fld id="{6A461F32-A857-4C27-AEFB-80E8BEE4C548}" type="slidenum">
               <a:rPr lang="en-AU" smtClean="0"/>
-              <a:t>10</a:t>
+              <a:t>9</a:t>
             </a:fld>
             <a:endParaRPr lang="en-AU"/>
           </a:p>
@@ -5350,7 +5384,7 @@
           <a:p>
             <a:fld id="{6A461F32-A857-4C27-AEFB-80E8BEE4C548}" type="slidenum">
               <a:rPr lang="en-AU" smtClean="0"/>
-              <a:t>11</a:t>
+              <a:t>10</a:t>
             </a:fld>
             <a:endParaRPr lang="en-AU"/>
           </a:p>
@@ -5516,7 +5550,7 @@
           <a:p>
             <a:fld id="{6FC4DCD2-EF02-1047-A7CC-68E698C490DF}" type="datetimeFigureOut">
               <a:rPr lang="en-US" smtClean="0"/>
-              <a:t>1/16/2020</a:t>
+              <a:t>1/21/2020</a:t>
             </a:fld>
             <a:endParaRPr lang="en-US"/>
           </a:p>
@@ -5714,7 +5748,7 @@
           <a:p>
             <a:fld id="{6FC4DCD2-EF02-1047-A7CC-68E698C490DF}" type="datetimeFigureOut">
               <a:rPr lang="en-US" smtClean="0"/>
-              <a:t>1/16/2020</a:t>
+              <a:t>1/21/2020</a:t>
             </a:fld>
             <a:endParaRPr lang="en-US"/>
           </a:p>
@@ -5922,7 +5956,7 @@
           <a:p>
             <a:fld id="{6FC4DCD2-EF02-1047-A7CC-68E698C490DF}" type="datetimeFigureOut">
               <a:rPr lang="en-US" smtClean="0"/>
-              <a:t>1/16/2020</a:t>
+              <a:t>1/21/2020</a:t>
             </a:fld>
             <a:endParaRPr lang="en-US"/>
           </a:p>
@@ -6120,7 +6154,7 @@
           <a:p>
             <a:fld id="{6FC4DCD2-EF02-1047-A7CC-68E698C490DF}" type="datetimeFigureOut">
               <a:rPr lang="en-US" smtClean="0"/>
-              <a:t>1/16/2020</a:t>
+              <a:t>1/21/2020</a:t>
             </a:fld>
             <a:endParaRPr lang="en-US"/>
           </a:p>
@@ -6395,7 +6429,7 @@
           <a:p>
             <a:fld id="{6FC4DCD2-EF02-1047-A7CC-68E698C490DF}" type="datetimeFigureOut">
               <a:rPr lang="en-US" smtClean="0"/>
-              <a:t>1/16/2020</a:t>
+              <a:t>1/21/2020</a:t>
             </a:fld>
             <a:endParaRPr lang="en-US"/>
           </a:p>
@@ -6660,7 +6694,7 @@
           <a:p>
             <a:fld id="{6FC4DCD2-EF02-1047-A7CC-68E698C490DF}" type="datetimeFigureOut">
               <a:rPr lang="en-US" smtClean="0"/>
-              <a:t>1/16/2020</a:t>
+              <a:t>1/21/2020</a:t>
             </a:fld>
             <a:endParaRPr lang="en-US"/>
           </a:p>
@@ -7072,7 +7106,7 @@
           <a:p>
             <a:fld id="{6FC4DCD2-EF02-1047-A7CC-68E698C490DF}" type="datetimeFigureOut">
               <a:rPr lang="en-US" smtClean="0"/>
-              <a:t>1/16/2020</a:t>
+              <a:t>1/21/2020</a:t>
             </a:fld>
             <a:endParaRPr lang="en-US"/>
           </a:p>
@@ -7213,7 +7247,7 @@
           <a:p>
             <a:fld id="{6FC4DCD2-EF02-1047-A7CC-68E698C490DF}" type="datetimeFigureOut">
               <a:rPr lang="en-US" smtClean="0"/>
-              <a:t>1/16/2020</a:t>
+              <a:t>1/21/2020</a:t>
             </a:fld>
             <a:endParaRPr lang="en-US"/>
           </a:p>
@@ -7326,7 +7360,7 @@
           <a:p>
             <a:fld id="{6FC4DCD2-EF02-1047-A7CC-68E698C490DF}" type="datetimeFigureOut">
               <a:rPr lang="en-US" smtClean="0"/>
-              <a:t>1/16/2020</a:t>
+              <a:t>1/21/2020</a:t>
             </a:fld>
             <a:endParaRPr lang="en-US"/>
           </a:p>
@@ -7637,7 +7671,7 @@
           <a:p>
             <a:fld id="{6FC4DCD2-EF02-1047-A7CC-68E698C490DF}" type="datetimeFigureOut">
               <a:rPr lang="en-US" smtClean="0"/>
-              <a:t>1/16/2020</a:t>
+              <a:t>1/21/2020</a:t>
             </a:fld>
             <a:endParaRPr lang="en-US"/>
           </a:p>
@@ -7925,7 +7959,7 @@
           <a:p>
             <a:fld id="{6FC4DCD2-EF02-1047-A7CC-68E698C490DF}" type="datetimeFigureOut">
               <a:rPr lang="en-US" smtClean="0"/>
-              <a:t>1/16/2020</a:t>
+              <a:t>1/21/2020</a:t>
             </a:fld>
             <a:endParaRPr lang="en-US"/>
           </a:p>
@@ -8166,7 +8200,7 @@
           <a:p>
             <a:fld id="{6FC4DCD2-EF02-1047-A7CC-68E698C490DF}" type="datetimeFigureOut">
               <a:rPr lang="en-US" smtClean="0"/>
-              <a:t>1/16/2020</a:t>
+              <a:t>1/21/2020</a:t>
             </a:fld>
             <a:endParaRPr lang="en-US"/>
           </a:p>
@@ -8736,10 +8770,10 @@
       </p:grpSpPr>
       <p:pic>
         <p:nvPicPr>
-          <p:cNvPr id="4" name="Picture 3">
+          <p:cNvPr id="3" name="Picture 2">
             <a:extLst>
               <a:ext uri="{FF2B5EF4-FFF2-40B4-BE49-F238E27FC236}">
-                <a16:creationId xmlns:a16="http://schemas.microsoft.com/office/drawing/2014/main" id="{2EEAB116-0DBF-A241-95B4-1844D615F3C4}"/>
+                <a16:creationId xmlns:a16="http://schemas.microsoft.com/office/drawing/2014/main" id="{0DEE1E8C-7F57-B340-8F84-A93FB317C544}"/>
               </a:ext>
             </a:extLst>
           </p:cNvPr>
@@ -8763,7 +8797,7 @@
         <p:spPr>
           <a:xfrm>
             <a:off x="0" y="0"/>
-            <a:ext cx="12192000" cy="6864626"/>
+            <a:ext cx="12180232" cy="6858000"/>
           </a:xfrm>
           <a:prstGeom prst="rect">
             <a:avLst/>
@@ -8786,8 +8820,8 @@
         </p:nvSpPr>
         <p:spPr>
           <a:xfrm>
-            <a:off x="2009320" y="2499443"/>
-            <a:ext cx="7665031" cy="1325563"/>
+            <a:off x="5162732" y="862667"/>
+            <a:ext cx="6414247" cy="1325563"/>
           </a:xfrm>
           <a:prstGeom prst="rect">
             <a:avLst/>
@@ -8815,16 +8849,15 @@
             </a:lvl1pPr>
           </a:lstStyle>
           <a:p>
-            <a:pPr algn="r"/>
-            <a:r>
-              <a:rPr lang="en-US" sz="8800" b="1" dirty="0">
+            <a:r>
+              <a:rPr lang="en-US" b="1" dirty="0">
                 <a:solidFill>
                   <a:srgbClr val="0070C0"/>
                 </a:solidFill>
                 <a:latin typeface="Arial" panose="020B0604020202020204" pitchFamily="34" charset="0"/>
                 <a:cs typeface="Arial" panose="020B0604020202020204" pitchFamily="34" charset="0"/>
               </a:rPr>
-              <a:t>What….</a:t>
+              <a:t>What… is an Object?</a:t>
             </a:r>
           </a:p>
         </p:txBody>
@@ -8845,8 +8878,8 @@
         </p:nvSpPr>
         <p:spPr>
           <a:xfrm>
-            <a:off x="5630564" y="1731960"/>
-            <a:ext cx="5746273" cy="4736075"/>
+            <a:off x="5162732" y="1731960"/>
+            <a:ext cx="6414247" cy="4736075"/>
           </a:xfrm>
           <a:prstGeom prst="rect">
             <a:avLst/>
@@ -8874,12 +8907,12 @@
             </a:lvl1pPr>
           </a:lstStyle>
           <a:p>
-            <a:pPr algn="r">
+            <a:pPr>
               <a:lnSpc>
                 <a:spcPct val="150000"/>
               </a:lnSpc>
             </a:pPr>
-            <a:endParaRPr lang="en-US" sz="3600">
+            <a:endParaRPr lang="en-US" sz="3600" dirty="0">
               <a:solidFill>
                 <a:srgbClr val="002060"/>
               </a:solidFill>
@@ -8887,12 +8920,97 @@
               <a:cs typeface="Arial" panose="020B0604020202020204" pitchFamily="34" charset="0"/>
             </a:endParaRPr>
           </a:p>
+          <a:p>
+            <a:pPr>
+              <a:lnSpc>
+                <a:spcPct val="150000"/>
+              </a:lnSpc>
+            </a:pPr>
+            <a:r>
+              <a:rPr lang="en-US" sz="3600" dirty="0">
+                <a:solidFill>
+                  <a:srgbClr val="002060"/>
+                </a:solidFill>
+                <a:latin typeface="Arial" panose="020B0604020202020204" pitchFamily="34" charset="0"/>
+                <a:cs typeface="Arial" panose="020B0604020202020204" pitchFamily="34" charset="0"/>
+              </a:rPr>
+              <a:t>• Group of Similar Items.</a:t>
+            </a:r>
+          </a:p>
+          <a:p>
+            <a:pPr>
+              <a:lnSpc>
+                <a:spcPct val="150000"/>
+              </a:lnSpc>
+            </a:pPr>
+            <a:r>
+              <a:rPr lang="en-US" sz="3600" dirty="0">
+                <a:solidFill>
+                  <a:srgbClr val="002060"/>
+                </a:solidFill>
+                <a:latin typeface="Arial" panose="020B0604020202020204" pitchFamily="34" charset="0"/>
+                <a:cs typeface="Arial" panose="020B0604020202020204" pitchFamily="34" charset="0"/>
+              </a:rPr>
+              <a:t>• </a:t>
+            </a:r>
+            <a:r>
+              <a:rPr lang="en-US" sz="3600" b="1" dirty="0">
+                <a:solidFill>
+                  <a:srgbClr val="002060"/>
+                </a:solidFill>
+                <a:latin typeface="Arial" panose="020B0604020202020204" pitchFamily="34" charset="0"/>
+                <a:cs typeface="Arial" panose="020B0604020202020204" pitchFamily="34" charset="0"/>
+              </a:rPr>
+              <a:t>Class</a:t>
+            </a:r>
+            <a:r>
+              <a:rPr lang="en-US" sz="3600" dirty="0">
+                <a:solidFill>
+                  <a:srgbClr val="002060"/>
+                </a:solidFill>
+                <a:latin typeface="Arial" panose="020B0604020202020204" pitchFamily="34" charset="0"/>
+                <a:cs typeface="Arial" panose="020B0604020202020204" pitchFamily="34" charset="0"/>
+              </a:rPr>
+              <a:t> = </a:t>
+            </a:r>
+            <a:r>
+              <a:rPr lang="en-US" sz="3600" i="1" dirty="0" err="1">
+                <a:solidFill>
+                  <a:srgbClr val="002060"/>
+                </a:solidFill>
+                <a:latin typeface="Arial" panose="020B0604020202020204" pitchFamily="34" charset="0"/>
+                <a:cs typeface="Arial" panose="020B0604020202020204" pitchFamily="34" charset="0"/>
+              </a:rPr>
+              <a:t>BluePrint</a:t>
+            </a:r>
+            <a:endParaRPr lang="en-US" sz="3600" i="1" dirty="0">
+              <a:solidFill>
+                <a:srgbClr val="002060"/>
+              </a:solidFill>
+              <a:latin typeface="Arial" panose="020B0604020202020204" pitchFamily="34" charset="0"/>
+              <a:cs typeface="Arial" panose="020B0604020202020204" pitchFamily="34" charset="0"/>
+            </a:endParaRPr>
+          </a:p>
+          <a:p>
+            <a:pPr>
+              <a:lnSpc>
+                <a:spcPct val="150000"/>
+              </a:lnSpc>
+            </a:pPr>
+            <a:endParaRPr lang="en-US" sz="3600" dirty="0">
+              <a:solidFill>
+                <a:srgbClr val="002060"/>
+              </a:solidFill>
+              <a:latin typeface="Arial" panose="020B0604020202020204" pitchFamily="34" charset="0"/>
+              <a:cs typeface="Arial" panose="020B0604020202020204" pitchFamily="34" charset="0"/>
+            </a:endParaRPr>
+          </a:p>
         </p:txBody>
       </p:sp>
     </p:spTree>
     <p:extLst>
       <p:ext uri="{BB962C8B-B14F-4D97-AF65-F5344CB8AC3E}">
-        <p14:creationId xmlns:p14="http://schemas.microsoft.com/office/powerpoint/2010/main" val="4052682566"/>
+        <p14:creationId xmlns:p14="http://schemas.microsoft.com/office/powerpoint/2010/main" val="192600958"/>
       </p:ext>
     </p:extLst>
   </p:cSld>
@@ -8919,48 +9037,12 @@
           <a:chExt cx="0" cy="0"/>
         </a:xfrm>
       </p:grpSpPr>
-      <p:pic>
-        <p:nvPicPr>
-          <p:cNvPr id="3" name="Picture 2">
+      <p:sp>
+        <p:nvSpPr>
+          <p:cNvPr id="7" name="Title 1">
             <a:extLst>
               <a:ext uri="{FF2B5EF4-FFF2-40B4-BE49-F238E27FC236}">
-                <a16:creationId xmlns:a16="http://schemas.microsoft.com/office/drawing/2014/main" id="{0DEE1E8C-7F57-B340-8F84-A93FB317C544}"/>
-              </a:ext>
-            </a:extLst>
-          </p:cNvPr>
-          <p:cNvPicPr>
-            <a:picLocks noChangeAspect="1"/>
-          </p:cNvPicPr>
-          <p:nvPr/>
-        </p:nvPicPr>
-        <p:blipFill>
-          <a:blip r:embed="rId3" cstate="email">
-            <a:extLst>
-              <a:ext uri="{28A0092B-C50C-407E-A947-70E740481C1C}">
-                <a14:useLocalDpi xmlns:a14="http://schemas.microsoft.com/office/drawing/2010/main"/>
-              </a:ext>
-            </a:extLst>
-          </a:blip>
-          <a:stretch>
-            <a:fillRect/>
-          </a:stretch>
-        </p:blipFill>
-        <p:spPr>
-          <a:xfrm>
-            <a:off x="0" y="0"/>
-            <a:ext cx="12180232" cy="6858000"/>
-          </a:xfrm>
-          <a:prstGeom prst="rect">
-            <a:avLst/>
-          </a:prstGeom>
-        </p:spPr>
-      </p:pic>
-      <p:sp>
-        <p:nvSpPr>
-          <p:cNvPr id="6" name="Title 1">
-            <a:extLst>
-              <a:ext uri="{FF2B5EF4-FFF2-40B4-BE49-F238E27FC236}">
-                <a16:creationId xmlns:a16="http://schemas.microsoft.com/office/drawing/2014/main" id="{EEFA8E91-7245-A04A-8978-722DA0C5AB70}"/>
+                <a16:creationId xmlns:a16="http://schemas.microsoft.com/office/drawing/2014/main" id="{ED5ADC38-5201-974D-A30A-DE8429F18478}"/>
               </a:ext>
             </a:extLst>
           </p:cNvPr>
@@ -8971,8 +9053,8 @@
         </p:nvSpPr>
         <p:spPr>
           <a:xfrm>
-            <a:off x="5162732" y="862667"/>
-            <a:ext cx="6414247" cy="1325563"/>
+            <a:off x="5630564" y="1731960"/>
+            <a:ext cx="5746273" cy="4736075"/>
           </a:xfrm>
           <a:prstGeom prst="rect">
             <a:avLst/>
@@ -9000,70 +9082,12 @@
             </a:lvl1pPr>
           </a:lstStyle>
           <a:p>
-            <a:r>
-              <a:rPr lang="en-US" b="1" dirty="0">
-                <a:solidFill>
-                  <a:srgbClr val="0070C0"/>
-                </a:solidFill>
-                <a:latin typeface="Arial" panose="020B0604020202020204" pitchFamily="34" charset="0"/>
-                <a:cs typeface="Arial" panose="020B0604020202020204" pitchFamily="34" charset="0"/>
-              </a:rPr>
-              <a:t>What… is an Object?</a:t>
-            </a:r>
-          </a:p>
-        </p:txBody>
-      </p:sp>
-      <p:sp>
-        <p:nvSpPr>
-          <p:cNvPr id="7" name="Title 1">
-            <a:extLst>
-              <a:ext uri="{FF2B5EF4-FFF2-40B4-BE49-F238E27FC236}">
-                <a16:creationId xmlns:a16="http://schemas.microsoft.com/office/drawing/2014/main" id="{ED5ADC38-5201-974D-A30A-DE8429F18478}"/>
-              </a:ext>
-            </a:extLst>
-          </p:cNvPr>
-          <p:cNvSpPr txBox="1">
-            <a:spLocks/>
-          </p:cNvSpPr>
-          <p:nvPr/>
-        </p:nvSpPr>
-        <p:spPr>
-          <a:xfrm>
-            <a:off x="5162732" y="1731960"/>
-            <a:ext cx="6414247" cy="4736075"/>
-          </a:xfrm>
-          <a:prstGeom prst="rect">
-            <a:avLst/>
-          </a:prstGeom>
-        </p:spPr>
-        <p:txBody>
-          <a:bodyPr/>
-          <a:lstStyle>
-            <a:lvl1pPr algn="l" defTabSz="914400" rtl="0" eaLnBrk="1" latinLnBrk="0" hangingPunct="1">
-              <a:lnSpc>
-                <a:spcPct val="90000"/>
-              </a:lnSpc>
-              <a:spcBef>
-                <a:spcPct val="0"/>
-              </a:spcBef>
-              <a:buNone/>
-              <a:defRPr sz="4400" kern="1200">
-                <a:solidFill>
-                  <a:schemeClr val="tx1"/>
-                </a:solidFill>
-                <a:latin typeface="+mj-lt"/>
-                <a:ea typeface="+mj-ea"/>
-                <a:cs typeface="+mj-cs"/>
-              </a:defRPr>
-            </a:lvl1pPr>
-          </a:lstStyle>
-          <a:p>
-            <a:pPr>
+            <a:pPr algn="r">
               <a:lnSpc>
                 <a:spcPct val="150000"/>
               </a:lnSpc>
             </a:pPr>
-            <a:endParaRPr lang="en-US" sz="3600" dirty="0">
+            <a:endParaRPr lang="en-US" sz="3600">
               <a:solidFill>
                 <a:srgbClr val="002060"/>
               </a:solidFill>
@@ -9071,97 +9095,48 @@
               <a:cs typeface="Arial" panose="020B0604020202020204" pitchFamily="34" charset="0"/>
             </a:endParaRPr>
           </a:p>
-          <a:p>
-            <a:pPr>
-              <a:lnSpc>
-                <a:spcPct val="150000"/>
-              </a:lnSpc>
-            </a:pPr>
-            <a:r>
-              <a:rPr lang="en-US" sz="3600" dirty="0">
-                <a:solidFill>
-                  <a:srgbClr val="002060"/>
-                </a:solidFill>
-                <a:latin typeface="Arial" panose="020B0604020202020204" pitchFamily="34" charset="0"/>
-                <a:cs typeface="Arial" panose="020B0604020202020204" pitchFamily="34" charset="0"/>
-              </a:rPr>
-              <a:t>• Group of Similar Items.</a:t>
-            </a:r>
-          </a:p>
-          <a:p>
-            <a:pPr>
-              <a:lnSpc>
-                <a:spcPct val="150000"/>
-              </a:lnSpc>
-            </a:pPr>
-            <a:r>
-              <a:rPr lang="en-US" sz="3600" dirty="0">
-                <a:solidFill>
-                  <a:srgbClr val="002060"/>
-                </a:solidFill>
-                <a:latin typeface="Arial" panose="020B0604020202020204" pitchFamily="34" charset="0"/>
-                <a:cs typeface="Arial" panose="020B0604020202020204" pitchFamily="34" charset="0"/>
-              </a:rPr>
-              <a:t>• </a:t>
-            </a:r>
-            <a:r>
-              <a:rPr lang="en-US" sz="3600" b="1" dirty="0">
-                <a:solidFill>
-                  <a:srgbClr val="002060"/>
-                </a:solidFill>
-                <a:latin typeface="Arial" panose="020B0604020202020204" pitchFamily="34" charset="0"/>
-                <a:cs typeface="Arial" panose="020B0604020202020204" pitchFamily="34" charset="0"/>
-              </a:rPr>
-              <a:t>Class</a:t>
-            </a:r>
-            <a:r>
-              <a:rPr lang="en-US" sz="3600" dirty="0">
-                <a:solidFill>
-                  <a:srgbClr val="002060"/>
-                </a:solidFill>
-                <a:latin typeface="Arial" panose="020B0604020202020204" pitchFamily="34" charset="0"/>
-                <a:cs typeface="Arial" panose="020B0604020202020204" pitchFamily="34" charset="0"/>
-              </a:rPr>
-              <a:t> = </a:t>
-            </a:r>
-            <a:r>
-              <a:rPr lang="en-US" sz="3600" i="1" dirty="0" err="1">
-                <a:solidFill>
-                  <a:srgbClr val="002060"/>
-                </a:solidFill>
-                <a:latin typeface="Arial" panose="020B0604020202020204" pitchFamily="34" charset="0"/>
-                <a:cs typeface="Arial" panose="020B0604020202020204" pitchFamily="34" charset="0"/>
-              </a:rPr>
-              <a:t>BluePrint</a:t>
-            </a:r>
-            <a:endParaRPr lang="en-US" sz="3600" i="1" dirty="0">
-              <a:solidFill>
-                <a:srgbClr val="002060"/>
-              </a:solidFill>
-              <a:latin typeface="Arial" panose="020B0604020202020204" pitchFamily="34" charset="0"/>
-              <a:cs typeface="Arial" panose="020B0604020202020204" pitchFamily="34" charset="0"/>
-            </a:endParaRPr>
-          </a:p>
-          <a:p>
-            <a:pPr>
-              <a:lnSpc>
-                <a:spcPct val="150000"/>
-              </a:lnSpc>
-            </a:pPr>
-            <a:endParaRPr lang="en-US" sz="3600" dirty="0">
-              <a:solidFill>
-                <a:srgbClr val="002060"/>
-              </a:solidFill>
-              <a:latin typeface="Arial" panose="020B0604020202020204" pitchFamily="34" charset="0"/>
-              <a:cs typeface="Arial" panose="020B0604020202020204" pitchFamily="34" charset="0"/>
-            </a:endParaRPr>
-          </a:p>
         </p:txBody>
       </p:sp>
+      <p:pic>
+        <p:nvPicPr>
+          <p:cNvPr id="5" name="Graphic 4" descr="Car">
+            <a:extLst>
+              <a:ext uri="{FF2B5EF4-FFF2-40B4-BE49-F238E27FC236}">
+                <a16:creationId xmlns:a16="http://schemas.microsoft.com/office/drawing/2014/main" id="{38776F19-C3DB-4218-9F28-783DA2614310}"/>
+              </a:ext>
+            </a:extLst>
+          </p:cNvPr>
+          <p:cNvPicPr>
+            <a:picLocks noChangeAspect="1"/>
+          </p:cNvPicPr>
+          <p:nvPr/>
+        </p:nvPicPr>
+        <p:blipFill>
+          <a:blip r:embed="rId3">
+            <a:extLst>
+              <a:ext uri="{96DAC541-7B7A-43D3-8B79-37D633B846F1}">
+                <asvg:svgBlip xmlns:asvg="http://schemas.microsoft.com/office/drawing/2016/SVG/main" r:embed="rId4"/>
+              </a:ext>
+            </a:extLst>
+          </a:blip>
+          <a:stretch>
+            <a:fillRect/>
+          </a:stretch>
+        </p:blipFill>
+        <p:spPr>
+          <a:xfrm>
+            <a:off x="1979634" y="-687366"/>
+            <a:ext cx="8232731" cy="8232731"/>
+          </a:xfrm>
+          <a:prstGeom prst="rect">
+            <a:avLst/>
+          </a:prstGeom>
+        </p:spPr>
+      </p:pic>
     </p:spTree>
     <p:extLst>
       <p:ext uri="{BB962C8B-B14F-4D97-AF65-F5344CB8AC3E}">
-        <p14:creationId xmlns:p14="http://schemas.microsoft.com/office/powerpoint/2010/main" val="192600958"/>
+        <p14:creationId xmlns:p14="http://schemas.microsoft.com/office/powerpoint/2010/main" val="1608777921"/>
       </p:ext>
     </p:extLst>
   </p:cSld>
@@ -9188,12 +9163,48 @@
           <a:chExt cx="0" cy="0"/>
         </a:xfrm>
       </p:grpSpPr>
-      <p:sp>
-        <p:nvSpPr>
-          <p:cNvPr id="7" name="Title 1">
+      <p:pic>
+        <p:nvPicPr>
+          <p:cNvPr id="3" name="Picture 2">
             <a:extLst>
               <a:ext uri="{FF2B5EF4-FFF2-40B4-BE49-F238E27FC236}">
-                <a16:creationId xmlns:a16="http://schemas.microsoft.com/office/drawing/2014/main" id="{ED5ADC38-5201-974D-A30A-DE8429F18478}"/>
+                <a16:creationId xmlns:a16="http://schemas.microsoft.com/office/drawing/2014/main" id="{0DEE1E8C-7F57-B340-8F84-A93FB317C544}"/>
+              </a:ext>
+            </a:extLst>
+          </p:cNvPr>
+          <p:cNvPicPr>
+            <a:picLocks noChangeAspect="1"/>
+          </p:cNvPicPr>
+          <p:nvPr/>
+        </p:nvPicPr>
+        <p:blipFill>
+          <a:blip r:embed="rId3" cstate="email">
+            <a:extLst>
+              <a:ext uri="{28A0092B-C50C-407E-A947-70E740481C1C}">
+                <a14:useLocalDpi xmlns:a14="http://schemas.microsoft.com/office/drawing/2010/main"/>
+              </a:ext>
+            </a:extLst>
+          </a:blip>
+          <a:stretch>
+            <a:fillRect/>
+          </a:stretch>
+        </p:blipFill>
+        <p:spPr>
+          <a:xfrm>
+            <a:off x="-2342367" y="0"/>
+            <a:ext cx="12180232" cy="6858000"/>
+          </a:xfrm>
+          <a:prstGeom prst="rect">
+            <a:avLst/>
+          </a:prstGeom>
+        </p:spPr>
+      </p:pic>
+      <p:sp>
+        <p:nvSpPr>
+          <p:cNvPr id="6" name="Title 1">
+            <a:extLst>
+              <a:ext uri="{FF2B5EF4-FFF2-40B4-BE49-F238E27FC236}">
+                <a16:creationId xmlns:a16="http://schemas.microsoft.com/office/drawing/2014/main" id="{EEFA8E91-7245-A04A-8978-722DA0C5AB70}"/>
               </a:ext>
             </a:extLst>
           </p:cNvPr>
@@ -9204,8 +9215,8 @@
         </p:nvSpPr>
         <p:spPr>
           <a:xfrm>
-            <a:off x="5630564" y="1731960"/>
-            <a:ext cx="5746273" cy="4736075"/>
+            <a:off x="2868460" y="900245"/>
+            <a:ext cx="6849728" cy="1325563"/>
           </a:xfrm>
           <a:prstGeom prst="rect">
             <a:avLst/>
@@ -9233,12 +9244,80 @@
             </a:lvl1pPr>
           </a:lstStyle>
           <a:p>
-            <a:pPr algn="r">
+            <a:r>
+              <a:rPr lang="en-US" b="1" dirty="0">
+                <a:solidFill>
+                  <a:srgbClr val="0070C0"/>
+                </a:solidFill>
+                <a:latin typeface="Arial" panose="020B0604020202020204" pitchFamily="34" charset="0"/>
+                <a:cs typeface="Arial" panose="020B0604020202020204" pitchFamily="34" charset="0"/>
+              </a:rPr>
+              <a:t>What… is an PS Object?</a:t>
+            </a:r>
+          </a:p>
+        </p:txBody>
+      </p:sp>
+      <p:sp>
+        <p:nvSpPr>
+          <p:cNvPr id="7" name="Title 1">
+            <a:extLst>
+              <a:ext uri="{FF2B5EF4-FFF2-40B4-BE49-F238E27FC236}">
+                <a16:creationId xmlns:a16="http://schemas.microsoft.com/office/drawing/2014/main" id="{ED5ADC38-5201-974D-A30A-DE8429F18478}"/>
+              </a:ext>
+            </a:extLst>
+          </p:cNvPr>
+          <p:cNvSpPr txBox="1">
+            <a:spLocks/>
+          </p:cNvSpPr>
+          <p:nvPr/>
+        </p:nvSpPr>
+        <p:spPr>
+          <a:xfrm>
+            <a:off x="2868460" y="1731960"/>
+            <a:ext cx="8708519" cy="4736075"/>
+          </a:xfrm>
+          <a:prstGeom prst="rect">
+            <a:avLst/>
+          </a:prstGeom>
+        </p:spPr>
+        <p:txBody>
+          <a:bodyPr/>
+          <a:lstStyle>
+            <a:lvl1pPr algn="l" defTabSz="914400" rtl="0" eaLnBrk="1" latinLnBrk="0" hangingPunct="1">
+              <a:lnSpc>
+                <a:spcPct val="90000"/>
+              </a:lnSpc>
+              <a:spcBef>
+                <a:spcPct val="0"/>
+              </a:spcBef>
+              <a:buNone/>
+              <a:defRPr sz="4400" kern="1200">
+                <a:solidFill>
+                  <a:schemeClr val="tx1"/>
+                </a:solidFill>
+                <a:latin typeface="+mj-lt"/>
+                <a:ea typeface="+mj-ea"/>
+                <a:cs typeface="+mj-cs"/>
+              </a:defRPr>
+            </a:lvl1pPr>
+          </a:lstStyle>
+          <a:p>
+            <a:pPr>
               <a:lnSpc>
                 <a:spcPct val="150000"/>
               </a:lnSpc>
             </a:pPr>
-            <a:endParaRPr lang="en-US" sz="3600">
+            <a:r>
+              <a:rPr lang="en-US" sz="3600" dirty="0">
+                <a:solidFill>
+                  <a:srgbClr val="002060"/>
+                </a:solidFill>
+                <a:latin typeface="Arial" panose="020B0604020202020204" pitchFamily="34" charset="0"/>
+                <a:cs typeface="Arial" panose="020B0604020202020204" pitchFamily="34" charset="0"/>
+              </a:rPr>
+              <a:t>• Generic Object in PowerShell</a:t>
+            </a:r>
+            <a:endParaRPr lang="en-US" sz="3600" i="1" dirty="0">
               <a:solidFill>
                 <a:srgbClr val="002060"/>
               </a:solidFill>
@@ -9246,14 +9325,28 @@
               <a:cs typeface="Arial" panose="020B0604020202020204" pitchFamily="34" charset="0"/>
             </a:endParaRPr>
           </a:p>
+          <a:p>
+            <a:pPr>
+              <a:lnSpc>
+                <a:spcPct val="150000"/>
+              </a:lnSpc>
+            </a:pPr>
+            <a:endParaRPr lang="en-US" sz="3600" dirty="0">
+              <a:solidFill>
+                <a:srgbClr val="002060"/>
+              </a:solidFill>
+              <a:latin typeface="Arial" panose="020B0604020202020204" pitchFamily="34" charset="0"/>
+              <a:cs typeface="Arial" panose="020B0604020202020204" pitchFamily="34" charset="0"/>
+            </a:endParaRPr>
+          </a:p>
         </p:txBody>
       </p:sp>
       <p:pic>
         <p:nvPicPr>
-          <p:cNvPr id="5" name="Graphic 4" descr="Car">
+          <p:cNvPr id="2" name="Picture 1">
             <a:extLst>
               <a:ext uri="{FF2B5EF4-FFF2-40B4-BE49-F238E27FC236}">
-                <a16:creationId xmlns:a16="http://schemas.microsoft.com/office/drawing/2014/main" id="{38776F19-C3DB-4218-9F28-783DA2614310}"/>
+                <a16:creationId xmlns:a16="http://schemas.microsoft.com/office/drawing/2014/main" id="{E17693D9-54BB-4DD7-A131-8A53474CF9CB}"/>
               </a:ext>
             </a:extLst>
           </p:cNvPr>
@@ -9263,10 +9356,10 @@
           <p:nvPr/>
         </p:nvPicPr>
         <p:blipFill>
-          <a:blip r:embed="rId3">
-            <a:extLst>
-              <a:ext uri="{96DAC541-7B7A-43D3-8B79-37D633B846F1}">
-                <asvg:svgBlip xmlns:asvg="http://schemas.microsoft.com/office/drawing/2016/SVG/main" r:embed="rId4"/>
+          <a:blip r:embed="rId4" cstate="email">
+            <a:extLst>
+              <a:ext uri="{28A0092B-C50C-407E-A947-70E740481C1C}">
+                <a14:useLocalDpi xmlns:a14="http://schemas.microsoft.com/office/drawing/2010/main"/>
               </a:ext>
             </a:extLst>
           </a:blip>
@@ -9276,8 +9369,8 @@
         </p:blipFill>
         <p:spPr>
           <a:xfrm>
-            <a:off x="1979634" y="-687366"/>
-            <a:ext cx="8232731" cy="8232731"/>
+            <a:off x="3525430" y="3126053"/>
+            <a:ext cx="5798110" cy="3142948"/>
           </a:xfrm>
           <a:prstGeom prst="rect">
             <a:avLst/>
@@ -9287,7 +9380,7 @@
     </p:spTree>
     <p:extLst>
       <p:ext uri="{BB962C8B-B14F-4D97-AF65-F5344CB8AC3E}">
-        <p14:creationId xmlns:p14="http://schemas.microsoft.com/office/powerpoint/2010/main" val="1608777921"/>
+        <p14:creationId xmlns:p14="http://schemas.microsoft.com/office/powerpoint/2010/main" val="4185917428"/>
       </p:ext>
     </p:extLst>
   </p:cSld>
@@ -9342,7 +9435,7 @@
         </p:blipFill>
         <p:spPr>
           <a:xfrm>
-            <a:off x="-2342367" y="0"/>
+            <a:off x="0" y="0"/>
             <a:ext cx="12180232" cy="6858000"/>
           </a:xfrm>
           <a:prstGeom prst="rect">
@@ -9366,7 +9459,7 @@
         </p:nvSpPr>
         <p:spPr>
           <a:xfrm>
-            <a:off x="2868460" y="900245"/>
+            <a:off x="4872624" y="644391"/>
             <a:ext cx="6849728" cy="1325563"/>
           </a:xfrm>
           <a:prstGeom prst="rect">
@@ -9396,14 +9489,24 @@
           </a:lstStyle>
           <a:p>
             <a:r>
-              <a:rPr lang="en-US" b="1" dirty="0">
+              <a:rPr lang="en-US" b="1" dirty="0" err="1">
                 <a:solidFill>
                   <a:srgbClr val="0070C0"/>
                 </a:solidFill>
                 <a:latin typeface="Arial" panose="020B0604020202020204" pitchFamily="34" charset="0"/>
                 <a:cs typeface="Arial" panose="020B0604020202020204" pitchFamily="34" charset="0"/>
               </a:rPr>
-              <a:t>What… is an PS Object?</a:t>
+              <a:t>PSObject</a:t>
+            </a:r>
+            <a:r>
+              <a:rPr lang="en-US" b="1" dirty="0">
+                <a:solidFill>
+                  <a:srgbClr val="0070C0"/>
+                </a:solidFill>
+                <a:latin typeface="Arial" panose="020B0604020202020204" pitchFamily="34" charset="0"/>
+                <a:cs typeface="Arial" panose="020B0604020202020204" pitchFamily="34" charset="0"/>
+              </a:rPr>
+              <a:t> Flavors:</a:t>
             </a:r>
           </a:p>
         </p:txBody>
@@ -9424,7 +9527,7 @@
         </p:nvSpPr>
         <p:spPr>
           <a:xfrm>
-            <a:off x="2868460" y="1731960"/>
+            <a:off x="3757807" y="1973322"/>
             <a:ext cx="8708519" cy="4736075"/>
           </a:xfrm>
           <a:prstGeom prst="rect">
@@ -9453,10 +9556,12 @@
             </a:lvl1pPr>
           </a:lstStyle>
           <a:p>
-            <a:pPr>
+            <a:pPr marL="571500" indent="-571500">
               <a:lnSpc>
                 <a:spcPct val="150000"/>
               </a:lnSpc>
+              <a:buFont typeface="Arial" panose="020B0604020202020204" pitchFamily="34" charset="0"/>
+              <a:buChar char="•"/>
             </a:pPr>
             <a:r>
               <a:rPr lang="en-US" sz="3600" dirty="0">
@@ -9466,15 +9571,117 @@
                 <a:latin typeface="Arial" panose="020B0604020202020204" pitchFamily="34" charset="0"/>
                 <a:cs typeface="Arial" panose="020B0604020202020204" pitchFamily="34" charset="0"/>
               </a:rPr>
-              <a:t>• Generic Object in PowerShell</a:t>
-            </a:r>
-            <a:endParaRPr lang="en-US" sz="3600" i="1" dirty="0">
-              <a:solidFill>
-                <a:srgbClr val="002060"/>
-              </a:solidFill>
-              <a:latin typeface="Arial" panose="020B0604020202020204" pitchFamily="34" charset="0"/>
-              <a:cs typeface="Arial" panose="020B0604020202020204" pitchFamily="34" charset="0"/>
-            </a:endParaRPr>
+              <a:t>[</a:t>
+            </a:r>
+            <a:r>
+              <a:rPr lang="en-US" sz="3600" dirty="0" err="1">
+                <a:solidFill>
+                  <a:srgbClr val="002060"/>
+                </a:solidFill>
+                <a:latin typeface="Arial" panose="020B0604020202020204" pitchFamily="34" charset="0"/>
+                <a:cs typeface="Arial" panose="020B0604020202020204" pitchFamily="34" charset="0"/>
+              </a:rPr>
+              <a:t>PSObject</a:t>
+            </a:r>
+            <a:r>
+              <a:rPr lang="en-US" sz="3600" dirty="0">
+                <a:solidFill>
+                  <a:srgbClr val="002060"/>
+                </a:solidFill>
+                <a:latin typeface="Arial" panose="020B0604020202020204" pitchFamily="34" charset="0"/>
+                <a:cs typeface="Arial" panose="020B0604020202020204" pitchFamily="34" charset="0"/>
+              </a:rPr>
+              <a:t>] </a:t>
+            </a:r>
+            <a:r>
+              <a:rPr lang="en-US" sz="3600" i="1" dirty="0">
+                <a:solidFill>
+                  <a:srgbClr val="002060"/>
+                </a:solidFill>
+                <a:latin typeface="Arial" panose="020B0604020202020204" pitchFamily="34" charset="0"/>
+                <a:cs typeface="Arial" panose="020B0604020202020204" pitchFamily="34" charset="0"/>
+              </a:rPr>
+              <a:t>(</a:t>
+            </a:r>
+            <a:r>
+              <a:rPr lang="en-US" sz="3600" i="1" dirty="0" err="1">
+                <a:solidFill>
+                  <a:srgbClr val="002060"/>
+                </a:solidFill>
+                <a:latin typeface="Arial" panose="020B0604020202020204" pitchFamily="34" charset="0"/>
+                <a:cs typeface="Arial" panose="020B0604020202020204" pitchFamily="34" charset="0"/>
+              </a:rPr>
+              <a:t>PSVersion</a:t>
+            </a:r>
+            <a:r>
+              <a:rPr lang="en-US" sz="3600" i="1" dirty="0">
+                <a:solidFill>
+                  <a:srgbClr val="002060"/>
+                </a:solidFill>
+                <a:latin typeface="Arial" panose="020B0604020202020204" pitchFamily="34" charset="0"/>
+                <a:cs typeface="Arial" panose="020B0604020202020204" pitchFamily="34" charset="0"/>
+              </a:rPr>
+              <a:t> 1 &amp; 2)</a:t>
+            </a:r>
+          </a:p>
+          <a:p>
+            <a:pPr marL="571500" indent="-571500">
+              <a:lnSpc>
+                <a:spcPct val="150000"/>
+              </a:lnSpc>
+              <a:buFont typeface="Arial" panose="020B0604020202020204" pitchFamily="34" charset="0"/>
+              <a:buChar char="•"/>
+            </a:pPr>
+            <a:r>
+              <a:rPr lang="en-US" sz="3600" dirty="0">
+                <a:solidFill>
+                  <a:srgbClr val="002060"/>
+                </a:solidFill>
+                <a:latin typeface="Arial" panose="020B0604020202020204" pitchFamily="34" charset="0"/>
+                <a:cs typeface="Arial" panose="020B0604020202020204" pitchFamily="34" charset="0"/>
+              </a:rPr>
+              <a:t>[</a:t>
+            </a:r>
+            <a:r>
+              <a:rPr lang="en-US" sz="3600" dirty="0" err="1">
+                <a:solidFill>
+                  <a:srgbClr val="002060"/>
+                </a:solidFill>
+                <a:latin typeface="Arial" panose="020B0604020202020204" pitchFamily="34" charset="0"/>
+                <a:cs typeface="Arial" panose="020B0604020202020204" pitchFamily="34" charset="0"/>
+              </a:rPr>
+              <a:t>PSCustomObject</a:t>
+            </a:r>
+            <a:r>
+              <a:rPr lang="en-US" sz="3600" dirty="0">
+                <a:solidFill>
+                  <a:srgbClr val="002060"/>
+                </a:solidFill>
+                <a:latin typeface="Arial" panose="020B0604020202020204" pitchFamily="34" charset="0"/>
+                <a:cs typeface="Arial" panose="020B0604020202020204" pitchFamily="34" charset="0"/>
+              </a:rPr>
+              <a:t>] ($</a:t>
+            </a:r>
+            <a:r>
+              <a:rPr lang="en-US" sz="3600" dirty="0" err="1">
+                <a:solidFill>
+                  <a:srgbClr val="002060"/>
+                </a:solidFill>
+                <a:latin typeface="Arial" panose="020B0604020202020204" pitchFamily="34" charset="0"/>
+                <a:cs typeface="Arial" panose="020B0604020202020204" pitchFamily="34" charset="0"/>
+              </a:rPr>
+              <a:t>PSVersion</a:t>
+            </a:r>
+            <a:r>
+              <a:rPr lang="en-US" sz="3600" dirty="0">
+                <a:solidFill>
+                  <a:srgbClr val="002060"/>
+                </a:solidFill>
+                <a:latin typeface="Arial" panose="020B0604020202020204" pitchFamily="34" charset="0"/>
+                <a:cs typeface="Arial" panose="020B0604020202020204" pitchFamily="34" charset="0"/>
+              </a:rPr>
+              <a:t> 3+)</a:t>
+            </a:r>
           </a:p>
           <a:p>
             <a:pPr>
@@ -9492,46 +9699,10 @@
           </a:p>
         </p:txBody>
       </p:sp>
-      <p:pic>
-        <p:nvPicPr>
-          <p:cNvPr id="2" name="Picture 1">
-            <a:extLst>
-              <a:ext uri="{FF2B5EF4-FFF2-40B4-BE49-F238E27FC236}">
-                <a16:creationId xmlns:a16="http://schemas.microsoft.com/office/drawing/2014/main" id="{E17693D9-54BB-4DD7-A131-8A53474CF9CB}"/>
-              </a:ext>
-            </a:extLst>
-          </p:cNvPr>
-          <p:cNvPicPr>
-            <a:picLocks noChangeAspect="1"/>
-          </p:cNvPicPr>
-          <p:nvPr/>
-        </p:nvPicPr>
-        <p:blipFill>
-          <a:blip r:embed="rId4" cstate="email">
-            <a:extLst>
-              <a:ext uri="{28A0092B-C50C-407E-A947-70E740481C1C}">
-                <a14:useLocalDpi xmlns:a14="http://schemas.microsoft.com/office/drawing/2010/main"/>
-              </a:ext>
-            </a:extLst>
-          </a:blip>
-          <a:stretch>
-            <a:fillRect/>
-          </a:stretch>
-        </p:blipFill>
-        <p:spPr>
-          <a:xfrm>
-            <a:off x="3525430" y="3126053"/>
-            <a:ext cx="5798110" cy="3142948"/>
-          </a:xfrm>
-          <a:prstGeom prst="rect">
-            <a:avLst/>
-          </a:prstGeom>
-        </p:spPr>
-      </p:pic>
     </p:spTree>
     <p:extLst>
       <p:ext uri="{BB962C8B-B14F-4D97-AF65-F5344CB8AC3E}">
-        <p14:creationId xmlns:p14="http://schemas.microsoft.com/office/powerpoint/2010/main" val="4185917428"/>
+        <p14:creationId xmlns:p14="http://schemas.microsoft.com/office/powerpoint/2010/main" val="3254823427"/>
       </p:ext>
     </p:extLst>
   </p:cSld>
@@ -9560,10 +9731,10 @@
       </p:grpSpPr>
       <p:pic>
         <p:nvPicPr>
-          <p:cNvPr id="3" name="Picture 2">
+          <p:cNvPr id="4" name="Picture 3">
             <a:extLst>
               <a:ext uri="{FF2B5EF4-FFF2-40B4-BE49-F238E27FC236}">
-                <a16:creationId xmlns:a16="http://schemas.microsoft.com/office/drawing/2014/main" id="{0DEE1E8C-7F57-B340-8F84-A93FB317C544}"/>
+                <a16:creationId xmlns:a16="http://schemas.microsoft.com/office/drawing/2014/main" id="{2EEAB116-0DBF-A241-95B4-1844D615F3C4}"/>
               </a:ext>
             </a:extLst>
           </p:cNvPr>
@@ -9587,7 +9758,7 @@
         <p:spPr>
           <a:xfrm>
             <a:off x="0" y="0"/>
-            <a:ext cx="12180232" cy="6858000"/>
+            <a:ext cx="12192000" cy="6864626"/>
           </a:xfrm>
           <a:prstGeom prst="rect">
             <a:avLst/>
@@ -9610,8 +9781,8 @@
         </p:nvSpPr>
         <p:spPr>
           <a:xfrm>
-            <a:off x="4872624" y="644391"/>
-            <a:ext cx="6849728" cy="1325563"/>
+            <a:off x="2009320" y="2499443"/>
+            <a:ext cx="7665031" cy="1325563"/>
           </a:xfrm>
           <a:prstGeom prst="rect">
             <a:avLst/>
@@ -9639,25 +9810,16 @@
             </a:lvl1pPr>
           </a:lstStyle>
           <a:p>
-            <a:r>
-              <a:rPr lang="en-US" b="1" dirty="0" err="1">
+            <a:pPr algn="r"/>
+            <a:r>
+              <a:rPr lang="en-US" sz="8800" b="1" dirty="0">
                 <a:solidFill>
                   <a:srgbClr val="0070C0"/>
                 </a:solidFill>
                 <a:latin typeface="Arial" panose="020B0604020202020204" pitchFamily="34" charset="0"/>
                 <a:cs typeface="Arial" panose="020B0604020202020204" pitchFamily="34" charset="0"/>
               </a:rPr>
-              <a:t>PSObject</a:t>
-            </a:r>
-            <a:r>
-              <a:rPr lang="en-US" b="1" dirty="0">
-                <a:solidFill>
-                  <a:srgbClr val="0070C0"/>
-                </a:solidFill>
-                <a:latin typeface="Arial" panose="020B0604020202020204" pitchFamily="34" charset="0"/>
-                <a:cs typeface="Arial" panose="020B0604020202020204" pitchFamily="34" charset="0"/>
-              </a:rPr>
-              <a:t> Flavors:</a:t>
+              <a:t>Why….</a:t>
             </a:r>
           </a:p>
         </p:txBody>
@@ -9678,8 +9840,8 @@
         </p:nvSpPr>
         <p:spPr>
           <a:xfrm>
-            <a:off x="3757807" y="1973322"/>
-            <a:ext cx="8708519" cy="4736075"/>
+            <a:off x="5630564" y="1731960"/>
+            <a:ext cx="5746273" cy="4736075"/>
           </a:xfrm>
           <a:prstGeom prst="rect">
             <a:avLst/>
@@ -9707,140 +9869,12 @@
             </a:lvl1pPr>
           </a:lstStyle>
           <a:p>
-            <a:pPr marL="571500" indent="-571500">
-              <a:lnSpc>
-                <a:spcPct val="150000"/>
-              </a:lnSpc>
-              <a:buFont typeface="Arial" panose="020B0604020202020204" pitchFamily="34" charset="0"/>
-              <a:buChar char="•"/>
-            </a:pPr>
-            <a:r>
-              <a:rPr lang="en-US" sz="3600" dirty="0">
-                <a:solidFill>
-                  <a:srgbClr val="002060"/>
-                </a:solidFill>
-                <a:latin typeface="Arial" panose="020B0604020202020204" pitchFamily="34" charset="0"/>
-                <a:cs typeface="Arial" panose="020B0604020202020204" pitchFamily="34" charset="0"/>
-              </a:rPr>
-              <a:t>[</a:t>
-            </a:r>
-            <a:r>
-              <a:rPr lang="en-US" sz="3600" dirty="0" err="1">
-                <a:solidFill>
-                  <a:srgbClr val="002060"/>
-                </a:solidFill>
-                <a:latin typeface="Arial" panose="020B0604020202020204" pitchFamily="34" charset="0"/>
-                <a:cs typeface="Arial" panose="020B0604020202020204" pitchFamily="34" charset="0"/>
-              </a:rPr>
-              <a:t>PSObject</a:t>
-            </a:r>
-            <a:r>
-              <a:rPr lang="en-US" sz="3600" dirty="0">
-                <a:solidFill>
-                  <a:srgbClr val="002060"/>
-                </a:solidFill>
-                <a:latin typeface="Arial" panose="020B0604020202020204" pitchFamily="34" charset="0"/>
-                <a:cs typeface="Arial" panose="020B0604020202020204" pitchFamily="34" charset="0"/>
-              </a:rPr>
-              <a:t>] </a:t>
-            </a:r>
-            <a:r>
-              <a:rPr lang="en-US" sz="3600" i="1" dirty="0">
-                <a:solidFill>
-                  <a:srgbClr val="002060"/>
-                </a:solidFill>
-                <a:latin typeface="Arial" panose="020B0604020202020204" pitchFamily="34" charset="0"/>
-                <a:cs typeface="Arial" panose="020B0604020202020204" pitchFamily="34" charset="0"/>
-              </a:rPr>
-              <a:t>(</a:t>
-            </a:r>
-            <a:r>
-              <a:rPr lang="en-US" sz="3600" i="1" dirty="0" err="1">
-                <a:solidFill>
-                  <a:srgbClr val="002060"/>
-                </a:solidFill>
-                <a:latin typeface="Arial" panose="020B0604020202020204" pitchFamily="34" charset="0"/>
-                <a:cs typeface="Arial" panose="020B0604020202020204" pitchFamily="34" charset="0"/>
-              </a:rPr>
-              <a:t>PSVersion</a:t>
-            </a:r>
-            <a:r>
-              <a:rPr lang="en-US" sz="3600" i="1" dirty="0">
-                <a:solidFill>
-                  <a:srgbClr val="002060"/>
-                </a:solidFill>
-                <a:latin typeface="Arial" panose="020B0604020202020204" pitchFamily="34" charset="0"/>
-                <a:cs typeface="Arial" panose="020B0604020202020204" pitchFamily="34" charset="0"/>
-              </a:rPr>
-              <a:t> 1 &amp; 2)</a:t>
-            </a:r>
-          </a:p>
-          <a:p>
-            <a:pPr marL="571500" indent="-571500">
-              <a:lnSpc>
-                <a:spcPct val="150000"/>
-              </a:lnSpc>
-              <a:buFont typeface="Arial" panose="020B0604020202020204" pitchFamily="34" charset="0"/>
-              <a:buChar char="•"/>
-            </a:pPr>
-            <a:r>
-              <a:rPr lang="en-US" sz="3600" dirty="0">
-                <a:solidFill>
-                  <a:srgbClr val="002060"/>
-                </a:solidFill>
-                <a:latin typeface="Arial" panose="020B0604020202020204" pitchFamily="34" charset="0"/>
-                <a:cs typeface="Arial" panose="020B0604020202020204" pitchFamily="34" charset="0"/>
-              </a:rPr>
-              <a:t>[</a:t>
-            </a:r>
-            <a:r>
-              <a:rPr lang="en-US" sz="3600" dirty="0" err="1">
-                <a:solidFill>
-                  <a:srgbClr val="002060"/>
-                </a:solidFill>
-                <a:latin typeface="Arial" panose="020B0604020202020204" pitchFamily="34" charset="0"/>
-                <a:cs typeface="Arial" panose="020B0604020202020204" pitchFamily="34" charset="0"/>
-              </a:rPr>
-              <a:t>PSCustomObject</a:t>
-            </a:r>
-            <a:r>
-              <a:rPr lang="en-US" sz="3600" dirty="0">
-                <a:solidFill>
-                  <a:srgbClr val="002060"/>
-                </a:solidFill>
-                <a:latin typeface="Arial" panose="020B0604020202020204" pitchFamily="34" charset="0"/>
-                <a:cs typeface="Arial" panose="020B0604020202020204" pitchFamily="34" charset="0"/>
-              </a:rPr>
-              <a:t>] ($</a:t>
-            </a:r>
-            <a:r>
-              <a:rPr lang="en-US" sz="3600" dirty="0" err="1">
-                <a:solidFill>
-                  <a:srgbClr val="002060"/>
-                </a:solidFill>
-                <a:latin typeface="Arial" panose="020B0604020202020204" pitchFamily="34" charset="0"/>
-                <a:cs typeface="Arial" panose="020B0604020202020204" pitchFamily="34" charset="0"/>
-              </a:rPr>
-              <a:t>PSVersion</a:t>
-            </a:r>
-            <a:r>
-              <a:rPr lang="en-US" sz="3600" dirty="0">
-                <a:solidFill>
-                  <a:srgbClr val="002060"/>
-                </a:solidFill>
-                <a:latin typeface="Arial" panose="020B0604020202020204" pitchFamily="34" charset="0"/>
-                <a:cs typeface="Arial" panose="020B0604020202020204" pitchFamily="34" charset="0"/>
-              </a:rPr>
-              <a:t> 3+)</a:t>
-            </a:r>
-          </a:p>
-          <a:p>
-            <a:pPr>
+            <a:pPr algn="r">
               <a:lnSpc>
                 <a:spcPct val="150000"/>
               </a:lnSpc>
             </a:pPr>
-            <a:endParaRPr lang="en-US" sz="3600" dirty="0">
+            <a:endParaRPr lang="en-US" sz="3600">
               <a:solidFill>
                 <a:srgbClr val="002060"/>
               </a:solidFill>
@@ -9853,7 +9887,7 @@
     </p:spTree>
     <p:extLst>
       <p:ext uri="{BB962C8B-B14F-4D97-AF65-F5344CB8AC3E}">
-        <p14:creationId xmlns:p14="http://schemas.microsoft.com/office/powerpoint/2010/main" val="3254823427"/>
+        <p14:creationId xmlns:p14="http://schemas.microsoft.com/office/powerpoint/2010/main" val="1619472961"/>
       </p:ext>
     </p:extLst>
   </p:cSld>
@@ -9970,7 +10004,7 @@
                 <a:latin typeface="Arial" panose="020B0604020202020204" pitchFamily="34" charset="0"/>
                 <a:cs typeface="Arial" panose="020B0604020202020204" pitchFamily="34" charset="0"/>
               </a:rPr>
-              <a:t>Why….</a:t>
+              <a:t>How….</a:t>
             </a:r>
           </a:p>
         </p:txBody>
@@ -10038,7 +10072,7 @@
     </p:spTree>
     <p:extLst>
       <p:ext uri="{BB962C8B-B14F-4D97-AF65-F5344CB8AC3E}">
-        <p14:creationId xmlns:p14="http://schemas.microsoft.com/office/powerpoint/2010/main" val="1619472961"/>
+        <p14:creationId xmlns:p14="http://schemas.microsoft.com/office/powerpoint/2010/main" val="2454630941"/>
       </p:ext>
     </p:extLst>
   </p:cSld>
@@ -10080,7 +10114,7 @@
           <p:nvPr/>
         </p:nvPicPr>
         <p:blipFill>
-          <a:blip r:embed="rId3" cstate="email">
+          <a:blip r:embed="rId2" cstate="email">
             <a:extLst>
               <a:ext uri="{28A0092B-C50C-407E-A947-70E740481C1C}">
                 <a14:useLocalDpi xmlns:a14="http://schemas.microsoft.com/office/drawing/2010/main"/>
@@ -10148,14 +10182,14 @@
           <a:p>
             <a:pPr algn="r"/>
             <a:r>
-              <a:rPr lang="en-US" sz="8800" b="1" dirty="0">
+              <a:rPr lang="en-US" sz="8800" b="1">
                 <a:solidFill>
                   <a:srgbClr val="0070C0"/>
                 </a:solidFill>
                 <a:latin typeface="Arial" panose="020B0604020202020204" pitchFamily="34" charset="0"/>
                 <a:cs typeface="Arial" panose="020B0604020202020204" pitchFamily="34" charset="0"/>
               </a:rPr>
-              <a:t>How….</a:t>
+              <a:t>Questions?</a:t>
             </a:r>
           </a:p>
         </p:txBody>
@@ -10220,10 +10254,81 @@
           </a:p>
         </p:txBody>
       </p:sp>
+      <p:sp>
+        <p:nvSpPr>
+          <p:cNvPr id="5" name="TextBox 4">
+            <a:extLst>
+              <a:ext uri="{FF2B5EF4-FFF2-40B4-BE49-F238E27FC236}">
+                <a16:creationId xmlns:a16="http://schemas.microsoft.com/office/drawing/2014/main" id="{106264D5-BE3B-4B18-A8B4-056018249D9E}"/>
+              </a:ext>
+            </a:extLst>
+          </p:cNvPr>
+          <p:cNvSpPr txBox="1"/>
+          <p:nvPr/>
+        </p:nvSpPr>
+        <p:spPr>
+          <a:xfrm>
+            <a:off x="4371583" y="5881501"/>
+            <a:ext cx="8085634" cy="523220"/>
+          </a:xfrm>
+          <a:prstGeom prst="rect">
+            <a:avLst/>
+          </a:prstGeom>
+          <a:noFill/>
+        </p:spPr>
+        <p:txBody>
+          <a:bodyPr wrap="square" rtlCol="0">
+            <a:spAutoFit/>
+          </a:bodyPr>
+          <a:lstStyle/>
+          <a:p>
+            <a:r>
+              <a:rPr lang="en-AU" sz="2800" b="1" dirty="0"/>
+              <a:t>Slides: https://github.com/ZanattaMichael/BrisPug </a:t>
+            </a:r>
+          </a:p>
+        </p:txBody>
+      </p:sp>
+      <p:sp>
+        <p:nvSpPr>
+          <p:cNvPr id="8" name="TextBox 7">
+            <a:extLst>
+              <a:ext uri="{FF2B5EF4-FFF2-40B4-BE49-F238E27FC236}">
+                <a16:creationId xmlns:a16="http://schemas.microsoft.com/office/drawing/2014/main" id="{03A8AB15-267C-4C20-B63B-E623BE84EB1D}"/>
+              </a:ext>
+            </a:extLst>
+          </p:cNvPr>
+          <p:cNvSpPr txBox="1"/>
+          <p:nvPr/>
+        </p:nvSpPr>
+        <p:spPr>
+          <a:xfrm>
+            <a:off x="10033348" y="6488668"/>
+            <a:ext cx="2087671" cy="369332"/>
+          </a:xfrm>
+          <a:prstGeom prst="rect">
+            <a:avLst/>
+          </a:prstGeom>
+          <a:noFill/>
+        </p:spPr>
+        <p:txBody>
+          <a:bodyPr wrap="square" rtlCol="0">
+            <a:spAutoFit/>
+          </a:bodyPr>
+          <a:lstStyle/>
+          <a:p>
+            <a:pPr algn="r"/>
+            <a:r>
+              <a:rPr lang="en-AU" b="1" i="1" dirty="0"/>
+              <a:t>@PowerShellMich1</a:t>
+            </a:r>
+          </a:p>
+        </p:txBody>
+      </p:sp>
     </p:spTree>
     <p:extLst>
       <p:ext uri="{BB962C8B-B14F-4D97-AF65-F5344CB8AC3E}">
-        <p14:creationId xmlns:p14="http://schemas.microsoft.com/office/powerpoint/2010/main" val="2454630941"/>
+        <p14:creationId xmlns:p14="http://schemas.microsoft.com/office/powerpoint/2010/main" val="4202404379"/>
       </p:ext>
     </p:extLst>
   </p:cSld>
@@ -10252,10 +10357,10 @@
       </p:grpSpPr>
       <p:pic>
         <p:nvPicPr>
-          <p:cNvPr id="4" name="Picture 3">
+          <p:cNvPr id="9" name="Picture 8">
             <a:extLst>
               <a:ext uri="{FF2B5EF4-FFF2-40B4-BE49-F238E27FC236}">
-                <a16:creationId xmlns:a16="http://schemas.microsoft.com/office/drawing/2014/main" id="{2EEAB116-0DBF-A241-95B4-1844D615F3C4}"/>
+                <a16:creationId xmlns:a16="http://schemas.microsoft.com/office/drawing/2014/main" id="{E2D847F2-D09B-8D41-B1D4-163E4470AECF}"/>
               </a:ext>
             </a:extLst>
           </p:cNvPr>
@@ -10266,6 +10371,7 @@
         </p:nvPicPr>
         <p:blipFill>
           <a:blip r:embed="rId2" cstate="email">
+            <a:alphaModFix amt="85000"/>
             <a:extLst>
               <a:ext uri="{28A0092B-C50C-407E-A947-70E740481C1C}">
                 <a14:useLocalDpi xmlns:a14="http://schemas.microsoft.com/office/drawing/2010/main"/>
@@ -10278,208 +10384,166 @@
         </p:blipFill>
         <p:spPr>
           <a:xfrm>
-            <a:off x="0" y="0"/>
-            <a:ext cx="12192000" cy="6864626"/>
+            <a:off x="-6914" y="-235669"/>
+            <a:ext cx="12198913" cy="7348194"/>
           </a:xfrm>
           <a:prstGeom prst="rect">
             <a:avLst/>
           </a:prstGeom>
         </p:spPr>
       </p:pic>
-      <p:sp>
-        <p:nvSpPr>
-          <p:cNvPr id="6" name="Title 1">
+      <p:pic>
+        <p:nvPicPr>
+          <p:cNvPr id="4" name="Picture 3">
             <a:extLst>
               <a:ext uri="{FF2B5EF4-FFF2-40B4-BE49-F238E27FC236}">
-                <a16:creationId xmlns:a16="http://schemas.microsoft.com/office/drawing/2014/main" id="{EEFA8E91-7245-A04A-8978-722DA0C5AB70}"/>
+                <a16:creationId xmlns:a16="http://schemas.microsoft.com/office/drawing/2014/main" id="{1615341E-51D7-9241-95D9-C45B212F0609}"/>
               </a:ext>
             </a:extLst>
           </p:cNvPr>
-          <p:cNvSpPr txBox="1">
-            <a:spLocks/>
-          </p:cNvSpPr>
+          <p:cNvPicPr>
+            <a:picLocks noChangeAspect="1"/>
+          </p:cNvPicPr>
           <p:nvPr/>
-        </p:nvSpPr>
+        </p:nvPicPr>
+        <p:blipFill>
+          <a:blip r:embed="rId3" cstate="email">
+            <a:extLst>
+              <a:ext uri="{28A0092B-C50C-407E-A947-70E740481C1C}">
+                <a14:useLocalDpi xmlns:a14="http://schemas.microsoft.com/office/drawing/2010/main"/>
+              </a:ext>
+            </a:extLst>
+          </a:blip>
+          <a:stretch>
+            <a:fillRect/>
+          </a:stretch>
+        </p:blipFill>
         <p:spPr>
           <a:xfrm>
-            <a:off x="2009320" y="2499443"/>
-            <a:ext cx="7665031" cy="1325563"/>
+            <a:off x="-20074" y="452486"/>
+            <a:ext cx="12225521" cy="6883500"/>
           </a:xfrm>
           <a:prstGeom prst="rect">
             <a:avLst/>
           </a:prstGeom>
         </p:spPr>
+      </p:pic>
+      <p:sp>
+        <p:nvSpPr>
+          <p:cNvPr id="2" name="Title 1">
+            <a:extLst>
+              <a:ext uri="{FF2B5EF4-FFF2-40B4-BE49-F238E27FC236}">
+                <a16:creationId xmlns:a16="http://schemas.microsoft.com/office/drawing/2014/main" id="{401EF716-9205-9E48-ACC5-94F826DC72E7}"/>
+              </a:ext>
+            </a:extLst>
+          </p:cNvPr>
+          <p:cNvSpPr>
+            <a:spLocks noGrp="1"/>
+          </p:cNvSpPr>
+          <p:nvPr>
+            <p:ph type="title"/>
+          </p:nvPr>
+        </p:nvSpPr>
+        <p:spPr>
+          <a:xfrm>
+            <a:off x="4908176" y="4237878"/>
+            <a:ext cx="7019365" cy="1325563"/>
+          </a:xfrm>
+        </p:spPr>
         <p:txBody>
           <a:bodyPr/>
-          <a:lstStyle>
-            <a:lvl1pPr algn="l" defTabSz="914400" rtl="0" eaLnBrk="1" latinLnBrk="0" hangingPunct="1">
-              <a:lnSpc>
-                <a:spcPct val="90000"/>
-              </a:lnSpc>
-              <a:spcBef>
-                <a:spcPct val="0"/>
-              </a:spcBef>
-              <a:buNone/>
-              <a:defRPr sz="4400" kern="1200">
-                <a:solidFill>
-                  <a:schemeClr val="tx1"/>
-                </a:solidFill>
-                <a:latin typeface="+mj-lt"/>
-                <a:ea typeface="+mj-ea"/>
-                <a:cs typeface="+mj-cs"/>
-              </a:defRPr>
-            </a:lvl1pPr>
-          </a:lstStyle>
-          <a:p>
-            <a:pPr algn="r"/>
-            <a:r>
-              <a:rPr lang="en-US" sz="8800" b="1">
-                <a:solidFill>
-                  <a:srgbClr val="0070C0"/>
+          <a:lstStyle/>
+          <a:p>
+            <a:pPr algn="ctr"/>
+            <a:r>
+              <a:rPr lang="en-US" b="1">
+                <a:solidFill>
+                  <a:schemeClr val="bg1"/>
                 </a:solidFill>
                 <a:latin typeface="Arial" panose="020B0604020202020204" pitchFamily="34" charset="0"/>
                 <a:cs typeface="Arial" panose="020B0604020202020204" pitchFamily="34" charset="0"/>
               </a:rPr>
-              <a:t>Questions?</a:t>
+              <a:t>Sponsored by</a:t>
             </a:r>
           </a:p>
         </p:txBody>
       </p:sp>
-      <p:sp>
-        <p:nvSpPr>
-          <p:cNvPr id="7" name="Title 1">
+      <p:pic>
+        <p:nvPicPr>
+          <p:cNvPr id="10" name="Picture 9">
             <a:extLst>
               <a:ext uri="{FF2B5EF4-FFF2-40B4-BE49-F238E27FC236}">
-                <a16:creationId xmlns:a16="http://schemas.microsoft.com/office/drawing/2014/main" id="{ED5ADC38-5201-974D-A30A-DE8429F18478}"/>
+                <a16:creationId xmlns:a16="http://schemas.microsoft.com/office/drawing/2014/main" id="{D9D961AB-FE3A-1F4E-BD52-AD5EEDFB3C6A}"/>
               </a:ext>
             </a:extLst>
           </p:cNvPr>
-          <p:cNvSpPr txBox="1">
-            <a:spLocks/>
-          </p:cNvSpPr>
+          <p:cNvPicPr>
+            <a:picLocks noChangeAspect="1"/>
+          </p:cNvPicPr>
           <p:nvPr/>
-        </p:nvSpPr>
+        </p:nvPicPr>
+        <p:blipFill>
+          <a:blip r:embed="rId4" cstate="email">
+            <a:extLst>
+              <a:ext uri="{28A0092B-C50C-407E-A947-70E740481C1C}">
+                <a14:useLocalDpi xmlns:a14="http://schemas.microsoft.com/office/drawing/2010/main"/>
+              </a:ext>
+            </a:extLst>
+          </a:blip>
+          <a:stretch>
+            <a:fillRect/>
+          </a:stretch>
+        </p:blipFill>
         <p:spPr>
           <a:xfrm>
-            <a:off x="5630564" y="1731960"/>
-            <a:ext cx="5746273" cy="4736075"/>
+            <a:off x="6960605" y="5265729"/>
+            <a:ext cx="1172971" cy="877733"/>
           </a:xfrm>
           <a:prstGeom prst="rect">
             <a:avLst/>
           </a:prstGeom>
         </p:spPr>
-        <p:txBody>
-          <a:bodyPr/>
-          <a:lstStyle>
-            <a:lvl1pPr algn="l" defTabSz="914400" rtl="0" eaLnBrk="1" latinLnBrk="0" hangingPunct="1">
-              <a:lnSpc>
-                <a:spcPct val="90000"/>
-              </a:lnSpc>
-              <a:spcBef>
-                <a:spcPct val="0"/>
-              </a:spcBef>
-              <a:buNone/>
-              <a:defRPr sz="4400" kern="1200">
-                <a:solidFill>
-                  <a:schemeClr val="tx1"/>
-                </a:solidFill>
-                <a:latin typeface="+mj-lt"/>
-                <a:ea typeface="+mj-ea"/>
-                <a:cs typeface="+mj-cs"/>
-              </a:defRPr>
-            </a:lvl1pPr>
-          </a:lstStyle>
-          <a:p>
-            <a:pPr algn="r">
-              <a:lnSpc>
-                <a:spcPct val="150000"/>
-              </a:lnSpc>
-            </a:pPr>
-            <a:endParaRPr lang="en-US" sz="3600">
-              <a:solidFill>
-                <a:srgbClr val="002060"/>
-              </a:solidFill>
-              <a:latin typeface="Arial" panose="020B0604020202020204" pitchFamily="34" charset="0"/>
-              <a:cs typeface="Arial" panose="020B0604020202020204" pitchFamily="34" charset="0"/>
-            </a:endParaRPr>
-          </a:p>
-        </p:txBody>
-      </p:sp>
-      <p:sp>
-        <p:nvSpPr>
-          <p:cNvPr id="5" name="TextBox 4">
+      </p:pic>
+      <p:pic>
+        <p:nvPicPr>
+          <p:cNvPr id="12" name="Picture 11">
             <a:extLst>
               <a:ext uri="{FF2B5EF4-FFF2-40B4-BE49-F238E27FC236}">
-                <a16:creationId xmlns:a16="http://schemas.microsoft.com/office/drawing/2014/main" id="{106264D5-BE3B-4B18-A8B4-056018249D9E}"/>
+                <a16:creationId xmlns:a16="http://schemas.microsoft.com/office/drawing/2014/main" id="{0DA43544-D671-A04C-B64F-A2A2FA2BF782}"/>
               </a:ext>
             </a:extLst>
           </p:cNvPr>
-          <p:cNvSpPr txBox="1"/>
+          <p:cNvPicPr>
+            <a:picLocks noChangeAspect="1"/>
+          </p:cNvPicPr>
           <p:nvPr/>
-        </p:nvSpPr>
+        </p:nvPicPr>
+        <p:blipFill>
+          <a:blip r:embed="rId5" cstate="email">
+            <a:extLst>
+              <a:ext uri="{28A0092B-C50C-407E-A947-70E740481C1C}">
+                <a14:useLocalDpi xmlns:a14="http://schemas.microsoft.com/office/drawing/2010/main"/>
+              </a:ext>
+            </a:extLst>
+          </a:blip>
+          <a:stretch>
+            <a:fillRect/>
+          </a:stretch>
+        </p:blipFill>
         <p:spPr>
           <a:xfrm>
-            <a:off x="4371583" y="5881501"/>
-            <a:ext cx="8085634" cy="523220"/>
+            <a:off x="8165475" y="5428720"/>
+            <a:ext cx="2013095" cy="746641"/>
           </a:xfrm>
           <a:prstGeom prst="rect">
             <a:avLst/>
           </a:prstGeom>
-          <a:noFill/>
         </p:spPr>
-        <p:txBody>
-          <a:bodyPr wrap="square" rtlCol="0">
-            <a:spAutoFit/>
-          </a:bodyPr>
-          <a:lstStyle/>
-          <a:p>
-            <a:r>
-              <a:rPr lang="en-AU" sz="2800" b="1" dirty="0"/>
-              <a:t>Slides: https://github.com/ZanattaMichael/BrisPug </a:t>
-            </a:r>
-          </a:p>
-        </p:txBody>
-      </p:sp>
-      <p:sp>
-        <p:nvSpPr>
-          <p:cNvPr id="8" name="TextBox 7">
-            <a:extLst>
-              <a:ext uri="{FF2B5EF4-FFF2-40B4-BE49-F238E27FC236}">
-                <a16:creationId xmlns:a16="http://schemas.microsoft.com/office/drawing/2014/main" id="{03A8AB15-267C-4C20-B63B-E623BE84EB1D}"/>
-              </a:ext>
-            </a:extLst>
-          </p:cNvPr>
-          <p:cNvSpPr txBox="1"/>
-          <p:nvPr/>
-        </p:nvSpPr>
-        <p:spPr>
-          <a:xfrm>
-            <a:off x="10033348" y="6488668"/>
-            <a:ext cx="2087671" cy="369332"/>
-          </a:xfrm>
-          <a:prstGeom prst="rect">
-            <a:avLst/>
-          </a:prstGeom>
-          <a:noFill/>
-        </p:spPr>
-        <p:txBody>
-          <a:bodyPr wrap="square" rtlCol="0">
-            <a:spAutoFit/>
-          </a:bodyPr>
-          <a:lstStyle/>
-          <a:p>
-            <a:pPr algn="r"/>
-            <a:r>
-              <a:rPr lang="en-AU" b="1" i="1" dirty="0"/>
-              <a:t>@PowerShellMich1</a:t>
-            </a:r>
-          </a:p>
-        </p:txBody>
-      </p:sp>
+      </p:pic>
     </p:spTree>
     <p:extLst>
       <p:ext uri="{BB962C8B-B14F-4D97-AF65-F5344CB8AC3E}">
-        <p14:creationId xmlns:p14="http://schemas.microsoft.com/office/powerpoint/2010/main" val="4202404379"/>
+        <p14:creationId xmlns:p14="http://schemas.microsoft.com/office/powerpoint/2010/main" val="3950004283"/>
       </p:ext>
     </p:extLst>
   </p:cSld>
@@ -10508,10 +10572,10 @@
       </p:grpSpPr>
       <p:pic>
         <p:nvPicPr>
-          <p:cNvPr id="9" name="Picture 8">
+          <p:cNvPr id="7" name="Picture 6">
             <a:extLst>
               <a:ext uri="{FF2B5EF4-FFF2-40B4-BE49-F238E27FC236}">
-                <a16:creationId xmlns:a16="http://schemas.microsoft.com/office/drawing/2014/main" id="{E2D847F2-D09B-8D41-B1D4-163E4470AECF}"/>
+                <a16:creationId xmlns:a16="http://schemas.microsoft.com/office/drawing/2014/main" id="{12449127-C0EB-BF4C-B499-9BA72166F052}"/>
               </a:ext>
             </a:extLst>
           </p:cNvPr>
@@ -10522,7 +10586,7 @@
         </p:nvPicPr>
         <p:blipFill>
           <a:blip r:embed="rId2" cstate="email">
-            <a:alphaModFix amt="85000"/>
+            <a:alphaModFix amt="70000"/>
             <a:extLst>
               <a:ext uri="{28A0092B-C50C-407E-A947-70E740481C1C}">
                 <a14:useLocalDpi xmlns:a14="http://schemas.microsoft.com/office/drawing/2010/main"/>
@@ -10535,8 +10599,8 @@
         </p:blipFill>
         <p:spPr>
           <a:xfrm>
-            <a:off x="-6914" y="-235669"/>
-            <a:ext cx="12198913" cy="7348194"/>
+            <a:off x="0" y="-1143485"/>
+            <a:ext cx="12192000" cy="8001485"/>
           </a:xfrm>
           <a:prstGeom prst="rect">
             <a:avLst/>
@@ -10545,10 +10609,10 @@
       </p:pic>
       <p:pic>
         <p:nvPicPr>
-          <p:cNvPr id="4" name="Picture 3">
+          <p:cNvPr id="3" name="Picture 2">
             <a:extLst>
               <a:ext uri="{FF2B5EF4-FFF2-40B4-BE49-F238E27FC236}">
-                <a16:creationId xmlns:a16="http://schemas.microsoft.com/office/drawing/2014/main" id="{1615341E-51D7-9241-95D9-C45B212F0609}"/>
+                <a16:creationId xmlns:a16="http://schemas.microsoft.com/office/drawing/2014/main" id="{5E792BE3-4977-654C-8B66-4F6CDD127264}"/>
               </a:ext>
             </a:extLst>
           </p:cNvPr>
@@ -10571,8 +10635,8 @@
         </p:blipFill>
         <p:spPr>
           <a:xfrm>
-            <a:off x="-20074" y="452486"/>
-            <a:ext cx="12225521" cy="6883500"/>
+            <a:off x="0" y="-6626"/>
+            <a:ext cx="12192000" cy="6864626"/>
           </a:xfrm>
           <a:prstGeom prst="rect">
             <a:avLst/>
@@ -10581,120 +10645,74 @@
       </p:pic>
       <p:sp>
         <p:nvSpPr>
-          <p:cNvPr id="2" name="Title 1">
+          <p:cNvPr id="4" name="Title 1">
             <a:extLst>
               <a:ext uri="{FF2B5EF4-FFF2-40B4-BE49-F238E27FC236}">
-                <a16:creationId xmlns:a16="http://schemas.microsoft.com/office/drawing/2014/main" id="{401EF716-9205-9E48-ACC5-94F826DC72E7}"/>
+                <a16:creationId xmlns:a16="http://schemas.microsoft.com/office/drawing/2014/main" id="{997A6405-457E-8141-95D5-217B9C742D1C}"/>
               </a:ext>
             </a:extLst>
           </p:cNvPr>
-          <p:cNvSpPr>
-            <a:spLocks noGrp="1"/>
+          <p:cNvSpPr txBox="1">
+            <a:spLocks/>
           </p:cNvSpPr>
-          <p:nvPr>
-            <p:ph type="title"/>
-          </p:nvPr>
+          <p:nvPr/>
         </p:nvSpPr>
         <p:spPr>
           <a:xfrm>
-            <a:off x="4908176" y="4237878"/>
-            <a:ext cx="7019365" cy="1325563"/>
-          </a:xfrm>
-        </p:spPr>
-        <p:txBody>
-          <a:bodyPr/>
-          <a:lstStyle/>
-          <a:p>
-            <a:pPr algn="ctr"/>
-            <a:r>
-              <a:rPr lang="en-US" b="1">
-                <a:solidFill>
-                  <a:schemeClr val="bg1"/>
-                </a:solidFill>
-                <a:latin typeface="Arial" panose="020B0604020202020204" pitchFamily="34" charset="0"/>
-                <a:cs typeface="Arial" panose="020B0604020202020204" pitchFamily="34" charset="0"/>
-              </a:rPr>
-              <a:t>Sponsored by</a:t>
-            </a:r>
-          </a:p>
-        </p:txBody>
-      </p:sp>
-      <p:pic>
-        <p:nvPicPr>
-          <p:cNvPr id="10" name="Picture 9">
-            <a:extLst>
-              <a:ext uri="{FF2B5EF4-FFF2-40B4-BE49-F238E27FC236}">
-                <a16:creationId xmlns:a16="http://schemas.microsoft.com/office/drawing/2014/main" id="{D9D961AB-FE3A-1F4E-BD52-AD5EEDFB3C6A}"/>
-              </a:ext>
-            </a:extLst>
-          </p:cNvPr>
-          <p:cNvPicPr>
-            <a:picLocks noChangeAspect="1"/>
-          </p:cNvPicPr>
-          <p:nvPr/>
-        </p:nvPicPr>
-        <p:blipFill>
-          <a:blip r:embed="rId4" cstate="email">
-            <a:extLst>
-              <a:ext uri="{28A0092B-C50C-407E-A947-70E740481C1C}">
-                <a14:useLocalDpi xmlns:a14="http://schemas.microsoft.com/office/drawing/2010/main"/>
-              </a:ext>
-            </a:extLst>
-          </a:blip>
-          <a:stretch>
-            <a:fillRect/>
-          </a:stretch>
-        </p:blipFill>
-        <p:spPr>
-          <a:xfrm>
-            <a:off x="6960605" y="5265729"/>
-            <a:ext cx="1172971" cy="877733"/>
+            <a:off x="3857953" y="206974"/>
+            <a:ext cx="8083289" cy="1325563"/>
           </a:xfrm>
           <a:prstGeom prst="rect">
             <a:avLst/>
           </a:prstGeom>
         </p:spPr>
-      </p:pic>
-      <p:pic>
-        <p:nvPicPr>
-          <p:cNvPr id="12" name="Picture 11">
-            <a:extLst>
-              <a:ext uri="{FF2B5EF4-FFF2-40B4-BE49-F238E27FC236}">
-                <a16:creationId xmlns:a16="http://schemas.microsoft.com/office/drawing/2014/main" id="{0DA43544-D671-A04C-B64F-A2A2FA2BF782}"/>
-              </a:ext>
-            </a:extLst>
-          </p:cNvPr>
-          <p:cNvPicPr>
-            <a:picLocks noChangeAspect="1"/>
-          </p:cNvPicPr>
-          <p:nvPr/>
-        </p:nvPicPr>
-        <p:blipFill>
-          <a:blip r:embed="rId5" cstate="email">
-            <a:extLst>
-              <a:ext uri="{28A0092B-C50C-407E-A947-70E740481C1C}">
-                <a14:useLocalDpi xmlns:a14="http://schemas.microsoft.com/office/drawing/2010/main"/>
-              </a:ext>
-            </a:extLst>
-          </a:blip>
-          <a:stretch>
-            <a:fillRect/>
-          </a:stretch>
-        </p:blipFill>
-        <p:spPr>
-          <a:xfrm>
-            <a:off x="8165475" y="5428720"/>
-            <a:ext cx="2013095" cy="746641"/>
-          </a:xfrm>
-          <a:prstGeom prst="rect">
-            <a:avLst/>
-          </a:prstGeom>
-        </p:spPr>
-      </p:pic>
+        <p:txBody>
+          <a:bodyPr anchor="t"/>
+          <a:lstStyle>
+            <a:lvl1pPr algn="l" defTabSz="914400" rtl="0" eaLnBrk="1" latinLnBrk="0" hangingPunct="1">
+              <a:lnSpc>
+                <a:spcPct val="90000"/>
+              </a:lnSpc>
+              <a:spcBef>
+                <a:spcPct val="0"/>
+              </a:spcBef>
+              <a:buNone/>
+              <a:defRPr sz="4400" kern="1200">
+                <a:solidFill>
+                  <a:schemeClr val="tx1"/>
+                </a:solidFill>
+                <a:latin typeface="+mj-lt"/>
+                <a:ea typeface="+mj-ea"/>
+                <a:cs typeface="+mj-cs"/>
+              </a:defRPr>
+            </a:lvl1pPr>
+          </a:lstStyle>
+          <a:p>
+            <a:pPr algn="r"/>
+            <a:r>
+              <a:rPr lang="en-US" b="1">
+                <a:solidFill>
+                  <a:schemeClr val="bg1"/>
+                </a:solidFill>
+                <a:latin typeface="Arial"/>
+                <a:cs typeface="Arial"/>
+              </a:rPr>
+              <a:t>PowerShell News April - May</a:t>
+            </a:r>
+            <a:endParaRPr lang="en-US" b="1">
+              <a:solidFill>
+                <a:schemeClr val="bg1"/>
+              </a:solidFill>
+              <a:latin typeface="Arial" panose="020B0604020202020204" pitchFamily="34" charset="0"/>
+              <a:cs typeface="Arial" panose="020B0604020202020204" pitchFamily="34" charset="0"/>
+            </a:endParaRPr>
+          </a:p>
+        </p:txBody>
+      </p:sp>
     </p:spTree>
     <p:extLst>
       <p:ext uri="{BB962C8B-B14F-4D97-AF65-F5344CB8AC3E}">
-        <p14:creationId xmlns:p14="http://schemas.microsoft.com/office/powerpoint/2010/main" val="3950004283"/>
+        <p14:creationId xmlns:p14="http://schemas.microsoft.com/office/powerpoint/2010/main" val="1790007942"/>
       </p:ext>
     </p:extLst>
   </p:cSld>
@@ -10723,10 +10741,10 @@
       </p:grpSpPr>
       <p:pic>
         <p:nvPicPr>
-          <p:cNvPr id="7" name="Picture 6">
+          <p:cNvPr id="3" name="Picture 2">
             <a:extLst>
               <a:ext uri="{FF2B5EF4-FFF2-40B4-BE49-F238E27FC236}">
-                <a16:creationId xmlns:a16="http://schemas.microsoft.com/office/drawing/2014/main" id="{12449127-C0EB-BF4C-B499-9BA72166F052}"/>
+                <a16:creationId xmlns:a16="http://schemas.microsoft.com/office/drawing/2014/main" id="{0DEE1E8C-7F57-B340-8F84-A93FB317C544}"/>
               </a:ext>
             </a:extLst>
           </p:cNvPr>
@@ -10737,7 +10755,6 @@
         </p:nvPicPr>
         <p:blipFill>
           <a:blip r:embed="rId2" cstate="email">
-            <a:alphaModFix amt="70000"/>
             <a:extLst>
               <a:ext uri="{28A0092B-C50C-407E-A947-70E740481C1C}">
                 <a14:useLocalDpi xmlns:a14="http://schemas.microsoft.com/office/drawing/2010/main"/>
@@ -10750,56 +10767,20 @@
         </p:blipFill>
         <p:spPr>
           <a:xfrm>
-            <a:off x="0" y="-1143485"/>
-            <a:ext cx="12192000" cy="8001485"/>
+            <a:off x="0" y="0"/>
+            <a:ext cx="12180232" cy="6858000"/>
           </a:xfrm>
           <a:prstGeom prst="rect">
             <a:avLst/>
           </a:prstGeom>
         </p:spPr>
       </p:pic>
-      <p:pic>
-        <p:nvPicPr>
-          <p:cNvPr id="3" name="Picture 2">
+      <p:sp>
+        <p:nvSpPr>
+          <p:cNvPr id="6" name="Title 1">
             <a:extLst>
               <a:ext uri="{FF2B5EF4-FFF2-40B4-BE49-F238E27FC236}">
-                <a16:creationId xmlns:a16="http://schemas.microsoft.com/office/drawing/2014/main" id="{5E792BE3-4977-654C-8B66-4F6CDD127264}"/>
-              </a:ext>
-            </a:extLst>
-          </p:cNvPr>
-          <p:cNvPicPr>
-            <a:picLocks noChangeAspect="1"/>
-          </p:cNvPicPr>
-          <p:nvPr/>
-        </p:nvPicPr>
-        <p:blipFill>
-          <a:blip r:embed="rId3" cstate="email">
-            <a:extLst>
-              <a:ext uri="{28A0092B-C50C-407E-A947-70E740481C1C}">
-                <a14:useLocalDpi xmlns:a14="http://schemas.microsoft.com/office/drawing/2010/main"/>
-              </a:ext>
-            </a:extLst>
-          </a:blip>
-          <a:stretch>
-            <a:fillRect/>
-          </a:stretch>
-        </p:blipFill>
-        <p:spPr>
-          <a:xfrm>
-            <a:off x="0" y="-6626"/>
-            <a:ext cx="12192000" cy="6864626"/>
-          </a:xfrm>
-          <a:prstGeom prst="rect">
-            <a:avLst/>
-          </a:prstGeom>
-        </p:spPr>
-      </p:pic>
-      <p:sp>
-        <p:nvSpPr>
-          <p:cNvPr id="4" name="Title 1">
-            <a:extLst>
-              <a:ext uri="{FF2B5EF4-FFF2-40B4-BE49-F238E27FC236}">
-                <a16:creationId xmlns:a16="http://schemas.microsoft.com/office/drawing/2014/main" id="{997A6405-457E-8141-95D5-217B9C742D1C}"/>
+                <a16:creationId xmlns:a16="http://schemas.microsoft.com/office/drawing/2014/main" id="{EEFA8E91-7245-A04A-8978-722DA0C5AB70}"/>
               </a:ext>
             </a:extLst>
           </p:cNvPr>
@@ -10810,15 +10791,15 @@
         </p:nvSpPr>
         <p:spPr>
           <a:xfrm>
-            <a:off x="3857953" y="206974"/>
-            <a:ext cx="8083289" cy="1325563"/>
+            <a:off x="5162732" y="862667"/>
+            <a:ext cx="6414247" cy="1325563"/>
           </a:xfrm>
           <a:prstGeom prst="rect">
             <a:avLst/>
           </a:prstGeom>
         </p:spPr>
         <p:txBody>
-          <a:bodyPr anchor="t"/>
+          <a:bodyPr/>
           <a:lstStyle>
             <a:lvl1pPr algn="l" defTabSz="914400" rtl="0" eaLnBrk="1" latinLnBrk="0" hangingPunct="1">
               <a:lnSpc>
@@ -10839,20 +10820,207 @@
             </a:lvl1pPr>
           </a:lstStyle>
           <a:p>
-            <a:pPr algn="r"/>
             <a:r>
               <a:rPr lang="en-US" b="1">
                 <a:solidFill>
-                  <a:schemeClr val="bg1"/>
-                </a:solidFill>
-                <a:latin typeface="Arial"/>
-                <a:cs typeface="Arial"/>
-              </a:rPr>
-              <a:t>PowerShell News April - May</a:t>
-            </a:r>
-            <a:endParaRPr lang="en-US" b="1">
+                  <a:srgbClr val="0070C0"/>
+                </a:solidFill>
+                <a:latin typeface="Arial" panose="020B0604020202020204" pitchFamily="34" charset="0"/>
+                <a:cs typeface="Arial" panose="020B0604020202020204" pitchFamily="34" charset="0"/>
+              </a:rPr>
+              <a:t>Insert Title Here</a:t>
+            </a:r>
+          </a:p>
+        </p:txBody>
+      </p:sp>
+      <p:sp>
+        <p:nvSpPr>
+          <p:cNvPr id="7" name="Title 1">
+            <a:extLst>
+              <a:ext uri="{FF2B5EF4-FFF2-40B4-BE49-F238E27FC236}">
+                <a16:creationId xmlns:a16="http://schemas.microsoft.com/office/drawing/2014/main" id="{ED5ADC38-5201-974D-A30A-DE8429F18478}"/>
+              </a:ext>
+            </a:extLst>
+          </p:cNvPr>
+          <p:cNvSpPr txBox="1">
+            <a:spLocks/>
+          </p:cNvSpPr>
+          <p:nvPr/>
+        </p:nvSpPr>
+        <p:spPr>
+          <a:xfrm>
+            <a:off x="5162732" y="1731960"/>
+            <a:ext cx="6414247" cy="4736075"/>
+          </a:xfrm>
+          <a:prstGeom prst="rect">
+            <a:avLst/>
+          </a:prstGeom>
+        </p:spPr>
+        <p:txBody>
+          <a:bodyPr/>
+          <a:lstStyle>
+            <a:lvl1pPr algn="l" defTabSz="914400" rtl="0" eaLnBrk="1" latinLnBrk="0" hangingPunct="1">
+              <a:lnSpc>
+                <a:spcPct val="90000"/>
+              </a:lnSpc>
+              <a:spcBef>
+                <a:spcPct val="0"/>
+              </a:spcBef>
+              <a:buNone/>
+              <a:defRPr sz="4400" kern="1200">
+                <a:solidFill>
+                  <a:schemeClr val="tx1"/>
+                </a:solidFill>
+                <a:latin typeface="+mj-lt"/>
+                <a:ea typeface="+mj-ea"/>
+                <a:cs typeface="+mj-cs"/>
+              </a:defRPr>
+            </a:lvl1pPr>
+          </a:lstStyle>
+          <a:p>
+            <a:pPr>
+              <a:lnSpc>
+                <a:spcPct val="150000"/>
+              </a:lnSpc>
+            </a:pPr>
+            <a:r>
+              <a:rPr lang="en-US" sz="3600">
+                <a:solidFill>
+                  <a:srgbClr val="002060"/>
+                </a:solidFill>
+                <a:latin typeface="Arial" panose="020B0604020202020204" pitchFamily="34" charset="0"/>
+                <a:cs typeface="Arial" panose="020B0604020202020204" pitchFamily="34" charset="0"/>
+              </a:rPr>
+              <a:t>• Bullet </a:t>
+            </a:r>
+            <a:r>
+              <a:rPr lang="en-US" sz="3600" dirty="0">
+                <a:solidFill>
+                  <a:srgbClr val="002060"/>
+                </a:solidFill>
+                <a:latin typeface="Arial" panose="020B0604020202020204" pitchFamily="34" charset="0"/>
+                <a:cs typeface="Arial" panose="020B0604020202020204" pitchFamily="34" charset="0"/>
+              </a:rPr>
+              <a:t>Point 1</a:t>
+            </a:r>
+          </a:p>
+          <a:p>
+            <a:pPr>
+              <a:lnSpc>
+                <a:spcPct val="150000"/>
+              </a:lnSpc>
+            </a:pPr>
+            <a:r>
+              <a:rPr lang="en-US" sz="3600">
+                <a:solidFill>
+                  <a:srgbClr val="002060"/>
+                </a:solidFill>
+                <a:latin typeface="Arial" panose="020B0604020202020204" pitchFamily="34" charset="0"/>
+                <a:cs typeface="Arial" panose="020B0604020202020204" pitchFamily="34" charset="0"/>
+              </a:rPr>
+              <a:t>• Bullet </a:t>
+            </a:r>
+            <a:r>
+              <a:rPr lang="en-US" sz="3600" dirty="0">
+                <a:solidFill>
+                  <a:srgbClr val="002060"/>
+                </a:solidFill>
+                <a:latin typeface="Arial" panose="020B0604020202020204" pitchFamily="34" charset="0"/>
+                <a:cs typeface="Arial" panose="020B0604020202020204" pitchFamily="34" charset="0"/>
+              </a:rPr>
+              <a:t>Point 2</a:t>
+            </a:r>
+          </a:p>
+          <a:p>
+            <a:pPr>
+              <a:lnSpc>
+                <a:spcPct val="150000"/>
+              </a:lnSpc>
+            </a:pPr>
+            <a:r>
+              <a:rPr lang="en-US" sz="3600">
+                <a:solidFill>
+                  <a:srgbClr val="002060"/>
+                </a:solidFill>
+                <a:latin typeface="Arial" panose="020B0604020202020204" pitchFamily="34" charset="0"/>
+                <a:cs typeface="Arial" panose="020B0604020202020204" pitchFamily="34" charset="0"/>
+              </a:rPr>
+              <a:t>• Bullet </a:t>
+            </a:r>
+            <a:r>
+              <a:rPr lang="en-US" sz="3600" dirty="0">
+                <a:solidFill>
+                  <a:srgbClr val="002060"/>
+                </a:solidFill>
+                <a:latin typeface="Arial" panose="020B0604020202020204" pitchFamily="34" charset="0"/>
+                <a:cs typeface="Arial" panose="020B0604020202020204" pitchFamily="34" charset="0"/>
+              </a:rPr>
+              <a:t>Point 3</a:t>
+            </a:r>
+          </a:p>
+          <a:p>
+            <a:pPr>
+              <a:lnSpc>
+                <a:spcPct val="150000"/>
+              </a:lnSpc>
+            </a:pPr>
+            <a:r>
+              <a:rPr lang="en-US" sz="3600">
+                <a:solidFill>
+                  <a:srgbClr val="002060"/>
+                </a:solidFill>
+                <a:latin typeface="Arial" panose="020B0604020202020204" pitchFamily="34" charset="0"/>
+                <a:cs typeface="Arial" panose="020B0604020202020204" pitchFamily="34" charset="0"/>
+              </a:rPr>
+              <a:t>• Bullet </a:t>
+            </a:r>
+            <a:r>
+              <a:rPr lang="en-US" sz="3600" dirty="0">
+                <a:solidFill>
+                  <a:srgbClr val="002060"/>
+                </a:solidFill>
+                <a:latin typeface="Arial" panose="020B0604020202020204" pitchFamily="34" charset="0"/>
+                <a:cs typeface="Arial" panose="020B0604020202020204" pitchFamily="34" charset="0"/>
+              </a:rPr>
+              <a:t>Point 4</a:t>
+            </a:r>
+          </a:p>
+          <a:p>
+            <a:pPr>
+              <a:lnSpc>
+                <a:spcPct val="150000"/>
+              </a:lnSpc>
+            </a:pPr>
+            <a:r>
+              <a:rPr lang="en-US" sz="3600">
+                <a:solidFill>
+                  <a:srgbClr val="002060"/>
+                </a:solidFill>
+                <a:latin typeface="Arial" panose="020B0604020202020204" pitchFamily="34" charset="0"/>
+                <a:cs typeface="Arial" panose="020B0604020202020204" pitchFamily="34" charset="0"/>
+              </a:rPr>
+              <a:t>• Bullet </a:t>
+            </a:r>
+            <a:r>
+              <a:rPr lang="en-US" sz="3600" dirty="0">
+                <a:solidFill>
+                  <a:srgbClr val="002060"/>
+                </a:solidFill>
+                <a:latin typeface="Arial" panose="020B0604020202020204" pitchFamily="34" charset="0"/>
+                <a:cs typeface="Arial" panose="020B0604020202020204" pitchFamily="34" charset="0"/>
+              </a:rPr>
+              <a:t>Point 5</a:t>
+            </a:r>
+          </a:p>
+          <a:p>
+            <a:pPr>
+              <a:lnSpc>
+                <a:spcPct val="150000"/>
+              </a:lnSpc>
+            </a:pPr>
+            <a:endParaRPr lang="en-US" sz="3600" dirty="0">
               <a:solidFill>
-                <a:schemeClr val="bg1"/>
+                <a:srgbClr val="002060"/>
               </a:solidFill>
               <a:latin typeface="Arial" panose="020B0604020202020204" pitchFamily="34" charset="0"/>
               <a:cs typeface="Arial" panose="020B0604020202020204" pitchFamily="34" charset="0"/>
@@ -10863,7 +11031,7 @@
     </p:spTree>
     <p:extLst>
       <p:ext uri="{BB962C8B-B14F-4D97-AF65-F5344CB8AC3E}">
-        <p14:creationId xmlns:p14="http://schemas.microsoft.com/office/powerpoint/2010/main" val="1790007942"/>
+        <p14:creationId xmlns:p14="http://schemas.microsoft.com/office/powerpoint/2010/main" val="3970095486"/>
       </p:ext>
     </p:extLst>
   </p:cSld>
@@ -11113,10 +11281,10 @@
       </p:grpSpPr>
       <p:pic>
         <p:nvPicPr>
-          <p:cNvPr id="3" name="Picture 2">
+          <p:cNvPr id="10" name="Picture 9">
             <a:extLst>
               <a:ext uri="{FF2B5EF4-FFF2-40B4-BE49-F238E27FC236}">
-                <a16:creationId xmlns:a16="http://schemas.microsoft.com/office/drawing/2014/main" id="{0DEE1E8C-7F57-B340-8F84-A93FB317C544}"/>
+                <a16:creationId xmlns:a16="http://schemas.microsoft.com/office/drawing/2014/main" id="{A8F61E12-44BB-8A4C-9D9B-749853EC81FE}"/>
               </a:ext>
             </a:extLst>
           </p:cNvPr>
@@ -11140,19 +11308,56 @@
         <p:spPr>
           <a:xfrm>
             <a:off x="0" y="0"/>
-            <a:ext cx="12180232" cy="6858000"/>
+            <a:ext cx="12192000" cy="6858000"/>
           </a:xfrm>
           <a:prstGeom prst="rect">
             <a:avLst/>
           </a:prstGeom>
         </p:spPr>
       </p:pic>
-      <p:sp>
-        <p:nvSpPr>
-          <p:cNvPr id="6" name="Title 1">
+      <p:pic>
+        <p:nvPicPr>
+          <p:cNvPr id="3" name="Picture 2">
             <a:extLst>
               <a:ext uri="{FF2B5EF4-FFF2-40B4-BE49-F238E27FC236}">
-                <a16:creationId xmlns:a16="http://schemas.microsoft.com/office/drawing/2014/main" id="{EEFA8E91-7245-A04A-8978-722DA0C5AB70}"/>
+                <a16:creationId xmlns:a16="http://schemas.microsoft.com/office/drawing/2014/main" id="{18859F08-F8B1-8644-993B-928DED201BD0}"/>
+              </a:ext>
+            </a:extLst>
+          </p:cNvPr>
+          <p:cNvPicPr>
+            <a:picLocks noChangeAspect="1"/>
+          </p:cNvPicPr>
+          <p:nvPr/>
+        </p:nvPicPr>
+        <p:blipFill>
+          <a:blip r:embed="rId3" cstate="email">
+            <a:alphaModFix amt="85000"/>
+            <a:extLst>
+              <a:ext uri="{28A0092B-C50C-407E-A947-70E740481C1C}">
+                <a14:useLocalDpi xmlns:a14="http://schemas.microsoft.com/office/drawing/2010/main"/>
+              </a:ext>
+            </a:extLst>
+          </a:blip>
+          <a:stretch>
+            <a:fillRect/>
+          </a:stretch>
+        </p:blipFill>
+        <p:spPr>
+          <a:xfrm>
+            <a:off x="0" y="0"/>
+            <a:ext cx="12192000" cy="6864626"/>
+          </a:xfrm>
+          <a:prstGeom prst="rect">
+            <a:avLst/>
+          </a:prstGeom>
+        </p:spPr>
+      </p:pic>
+      <p:sp>
+        <p:nvSpPr>
+          <p:cNvPr id="4" name="Title 1">
+            <a:extLst>
+              <a:ext uri="{FF2B5EF4-FFF2-40B4-BE49-F238E27FC236}">
+                <a16:creationId xmlns:a16="http://schemas.microsoft.com/office/drawing/2014/main" id="{9FF57B7B-BF06-644F-AE6A-DB11B6C683B4}"/>
               </a:ext>
             </a:extLst>
           </p:cNvPr>
@@ -11163,8 +11368,8 @@
         </p:nvSpPr>
         <p:spPr>
           <a:xfrm>
-            <a:off x="5162732" y="862667"/>
-            <a:ext cx="6414247" cy="1325563"/>
+            <a:off x="3148546" y="303064"/>
+            <a:ext cx="8496300" cy="1325563"/>
           </a:xfrm>
           <a:prstGeom prst="rect">
             <a:avLst/>
@@ -11192,25 +11397,29 @@
             </a:lvl1pPr>
           </a:lstStyle>
           <a:p>
+            <a:pPr algn="r"/>
             <a:r>
               <a:rPr lang="en-US" b="1">
                 <a:solidFill>
-                  <a:srgbClr val="0070C0"/>
+                  <a:schemeClr val="accent1">
+                    <a:lumMod val="40000"/>
+                    <a:lumOff val="60000"/>
+                  </a:schemeClr>
                 </a:solidFill>
                 <a:latin typeface="Arial" panose="020B0604020202020204" pitchFamily="34" charset="0"/>
                 <a:cs typeface="Arial" panose="020B0604020202020204" pitchFamily="34" charset="0"/>
               </a:rPr>
-              <a:t>Insert Title Here</a:t>
+              <a:t>GitHub Repo of the Month</a:t>
             </a:r>
           </a:p>
         </p:txBody>
       </p:sp>
       <p:sp>
         <p:nvSpPr>
-          <p:cNvPr id="7" name="Title 1">
+          <p:cNvPr id="5" name="Title 1">
             <a:extLst>
               <a:ext uri="{FF2B5EF4-FFF2-40B4-BE49-F238E27FC236}">
-                <a16:creationId xmlns:a16="http://schemas.microsoft.com/office/drawing/2014/main" id="{ED5ADC38-5201-974D-A30A-DE8429F18478}"/>
+                <a16:creationId xmlns:a16="http://schemas.microsoft.com/office/drawing/2014/main" id="{F85D271E-C10E-3441-BE32-01F6DF5A0052}"/>
               </a:ext>
             </a:extLst>
           </p:cNvPr>
@@ -11221,8 +11430,8 @@
         </p:nvSpPr>
         <p:spPr>
           <a:xfrm>
-            <a:off x="5162732" y="1731960"/>
-            <a:ext cx="6414247" cy="4736075"/>
+            <a:off x="324256" y="1180290"/>
+            <a:ext cx="11595370" cy="5287746"/>
           </a:xfrm>
           <a:prstGeom prst="rect">
             <a:avLst/>
@@ -11258,7 +11467,7 @@
             <a:r>
               <a:rPr lang="en-US" sz="3600">
                 <a:solidFill>
-                  <a:srgbClr val="002060"/>
+                  <a:schemeClr val="bg1"/>
                 </a:solidFill>
                 <a:latin typeface="Arial" panose="020B0604020202020204" pitchFamily="34" charset="0"/>
                 <a:cs typeface="Arial" panose="020B0604020202020204" pitchFamily="34" charset="0"/>
@@ -11268,7 +11477,7 @@
             <a:r>
               <a:rPr lang="en-US" sz="3600" dirty="0">
                 <a:solidFill>
-                  <a:srgbClr val="002060"/>
+                  <a:schemeClr val="bg1"/>
                 </a:solidFill>
                 <a:latin typeface="Arial" panose="020B0604020202020204" pitchFamily="34" charset="0"/>
                 <a:cs typeface="Arial" panose="020B0604020202020204" pitchFamily="34" charset="0"/>
@@ -11285,7 +11494,7 @@
             <a:r>
               <a:rPr lang="en-US" sz="3600">
                 <a:solidFill>
-                  <a:srgbClr val="002060"/>
+                  <a:schemeClr val="bg1"/>
                 </a:solidFill>
                 <a:latin typeface="Arial" panose="020B0604020202020204" pitchFamily="34" charset="0"/>
                 <a:cs typeface="Arial" panose="020B0604020202020204" pitchFamily="34" charset="0"/>
@@ -11295,7 +11504,7 @@
             <a:r>
               <a:rPr lang="en-US" sz="3600" dirty="0">
                 <a:solidFill>
-                  <a:srgbClr val="002060"/>
+                  <a:schemeClr val="bg1"/>
                 </a:solidFill>
                 <a:latin typeface="Arial" panose="020B0604020202020204" pitchFamily="34" charset="0"/>
                 <a:cs typeface="Arial" panose="020B0604020202020204" pitchFamily="34" charset="0"/>
@@ -11312,7 +11521,7 @@
             <a:r>
               <a:rPr lang="en-US" sz="3600">
                 <a:solidFill>
-                  <a:srgbClr val="002060"/>
+                  <a:schemeClr val="bg1"/>
                 </a:solidFill>
                 <a:latin typeface="Arial" panose="020B0604020202020204" pitchFamily="34" charset="0"/>
                 <a:cs typeface="Arial" panose="020B0604020202020204" pitchFamily="34" charset="0"/>
@@ -11322,7 +11531,7 @@
             <a:r>
               <a:rPr lang="en-US" sz="3600" dirty="0">
                 <a:solidFill>
-                  <a:srgbClr val="002060"/>
+                  <a:schemeClr val="bg1"/>
                 </a:solidFill>
                 <a:latin typeface="Arial" panose="020B0604020202020204" pitchFamily="34" charset="0"/>
                 <a:cs typeface="Arial" panose="020B0604020202020204" pitchFamily="34" charset="0"/>
@@ -11339,7 +11548,7 @@
             <a:r>
               <a:rPr lang="en-US" sz="3600">
                 <a:solidFill>
-                  <a:srgbClr val="002060"/>
+                  <a:schemeClr val="bg1"/>
                 </a:solidFill>
                 <a:latin typeface="Arial" panose="020B0604020202020204" pitchFamily="34" charset="0"/>
                 <a:cs typeface="Arial" panose="020B0604020202020204" pitchFamily="34" charset="0"/>
@@ -11349,7 +11558,7 @@
             <a:r>
               <a:rPr lang="en-US" sz="3600" dirty="0">
                 <a:solidFill>
-                  <a:srgbClr val="002060"/>
+                  <a:schemeClr val="bg1"/>
                 </a:solidFill>
                 <a:latin typeface="Arial" panose="020B0604020202020204" pitchFamily="34" charset="0"/>
                 <a:cs typeface="Arial" panose="020B0604020202020204" pitchFamily="34" charset="0"/>
@@ -11366,7 +11575,7 @@
             <a:r>
               <a:rPr lang="en-US" sz="3600">
                 <a:solidFill>
-                  <a:srgbClr val="002060"/>
+                  <a:schemeClr val="bg1"/>
                 </a:solidFill>
                 <a:latin typeface="Arial" panose="020B0604020202020204" pitchFamily="34" charset="0"/>
                 <a:cs typeface="Arial" panose="020B0604020202020204" pitchFamily="34" charset="0"/>
@@ -11376,7 +11585,7 @@
             <a:r>
               <a:rPr lang="en-US" sz="3600" dirty="0">
                 <a:solidFill>
-                  <a:srgbClr val="002060"/>
+                  <a:schemeClr val="bg1"/>
                 </a:solidFill>
                 <a:latin typeface="Arial" panose="020B0604020202020204" pitchFamily="34" charset="0"/>
                 <a:cs typeface="Arial" panose="020B0604020202020204" pitchFamily="34" charset="0"/>
@@ -11385,14 +11594,14 @@
             </a:r>
           </a:p>
           <a:p>
-            <a:pPr>
+            <a:pPr algn="r">
               <a:lnSpc>
                 <a:spcPct val="150000"/>
               </a:lnSpc>
             </a:pPr>
             <a:endParaRPr lang="en-US" sz="3600" dirty="0">
               <a:solidFill>
-                <a:srgbClr val="002060"/>
+                <a:schemeClr val="bg1"/>
               </a:solidFill>
               <a:latin typeface="Arial" panose="020B0604020202020204" pitchFamily="34" charset="0"/>
               <a:cs typeface="Arial" panose="020B0604020202020204" pitchFamily="34" charset="0"/>
@@ -11403,7 +11612,7 @@
     </p:spTree>
     <p:extLst>
       <p:ext uri="{BB962C8B-B14F-4D97-AF65-F5344CB8AC3E}">
-        <p14:creationId xmlns:p14="http://schemas.microsoft.com/office/powerpoint/2010/main" val="3970095486"/>
+        <p14:creationId xmlns:p14="http://schemas.microsoft.com/office/powerpoint/2010/main" val="2444615494"/>
       </p:ext>
     </p:extLst>
   </p:cSld>
@@ -11432,10 +11641,10 @@
       </p:grpSpPr>
       <p:pic>
         <p:nvPicPr>
-          <p:cNvPr id="10" name="Picture 9">
+          <p:cNvPr id="4" name="Picture 3">
             <a:extLst>
               <a:ext uri="{FF2B5EF4-FFF2-40B4-BE49-F238E27FC236}">
-                <a16:creationId xmlns:a16="http://schemas.microsoft.com/office/drawing/2014/main" id="{A8F61E12-44BB-8A4C-9D9B-749853EC81FE}"/>
+                <a16:creationId xmlns:a16="http://schemas.microsoft.com/office/drawing/2014/main" id="{E09195F0-48B8-F148-8049-1E870D405370}"/>
               </a:ext>
             </a:extLst>
           </p:cNvPr>
@@ -11446,43 +11655,6 @@
         </p:nvPicPr>
         <p:blipFill>
           <a:blip r:embed="rId2" cstate="email">
-            <a:extLst>
-              <a:ext uri="{28A0092B-C50C-407E-A947-70E740481C1C}">
-                <a14:useLocalDpi xmlns:a14="http://schemas.microsoft.com/office/drawing/2010/main"/>
-              </a:ext>
-            </a:extLst>
-          </a:blip>
-          <a:stretch>
-            <a:fillRect/>
-          </a:stretch>
-        </p:blipFill>
-        <p:spPr>
-          <a:xfrm>
-            <a:off x="0" y="0"/>
-            <a:ext cx="12192000" cy="6858000"/>
-          </a:xfrm>
-          <a:prstGeom prst="rect">
-            <a:avLst/>
-          </a:prstGeom>
-        </p:spPr>
-      </p:pic>
-      <p:pic>
-        <p:nvPicPr>
-          <p:cNvPr id="3" name="Picture 2">
-            <a:extLst>
-              <a:ext uri="{FF2B5EF4-FFF2-40B4-BE49-F238E27FC236}">
-                <a16:creationId xmlns:a16="http://schemas.microsoft.com/office/drawing/2014/main" id="{18859F08-F8B1-8644-993B-928DED201BD0}"/>
-              </a:ext>
-            </a:extLst>
-          </p:cNvPr>
-          <p:cNvPicPr>
-            <a:picLocks noChangeAspect="1"/>
-          </p:cNvPicPr>
-          <p:nvPr/>
-        </p:nvPicPr>
-        <p:blipFill>
-          <a:blip r:embed="rId3" cstate="email">
-            <a:alphaModFix amt="85000"/>
             <a:extLst>
               <a:ext uri="{28A0092B-C50C-407E-A947-70E740481C1C}">
                 <a14:useLocalDpi xmlns:a14="http://schemas.microsoft.com/office/drawing/2010/main"/>
@@ -11505,10 +11677,10 @@
       </p:pic>
       <p:sp>
         <p:nvSpPr>
-          <p:cNvPr id="4" name="Title 1">
+          <p:cNvPr id="6" name="Title 1">
             <a:extLst>
               <a:ext uri="{FF2B5EF4-FFF2-40B4-BE49-F238E27FC236}">
-                <a16:creationId xmlns:a16="http://schemas.microsoft.com/office/drawing/2014/main" id="{9FF57B7B-BF06-644F-AE6A-DB11B6C683B4}"/>
+                <a16:creationId xmlns:a16="http://schemas.microsoft.com/office/drawing/2014/main" id="{EEFA8E91-7245-A04A-8978-722DA0C5AB70}"/>
               </a:ext>
             </a:extLst>
           </p:cNvPr>
@@ -11519,8 +11691,8 @@
         </p:nvSpPr>
         <p:spPr>
           <a:xfrm>
-            <a:off x="3148546" y="303064"/>
-            <a:ext cx="8496300" cy="1325563"/>
+            <a:off x="750220" y="862667"/>
+            <a:ext cx="6414247" cy="1325563"/>
           </a:xfrm>
           <a:prstGeom prst="rect">
             <a:avLst/>
@@ -11548,29 +11720,25 @@
             </a:lvl1pPr>
           </a:lstStyle>
           <a:p>
-            <a:pPr algn="r"/>
             <a:r>
               <a:rPr lang="en-US" b="1">
                 <a:solidFill>
-                  <a:schemeClr val="accent1">
-                    <a:lumMod val="40000"/>
-                    <a:lumOff val="60000"/>
-                  </a:schemeClr>
+                  <a:srgbClr val="0070C0"/>
                 </a:solidFill>
                 <a:latin typeface="Arial" panose="020B0604020202020204" pitchFamily="34" charset="0"/>
                 <a:cs typeface="Arial" panose="020B0604020202020204" pitchFamily="34" charset="0"/>
               </a:rPr>
-              <a:t>GitHub Repo of the Month</a:t>
+              <a:t>Insert Title Here</a:t>
             </a:r>
           </a:p>
         </p:txBody>
       </p:sp>
       <p:sp>
         <p:nvSpPr>
-          <p:cNvPr id="5" name="Title 1">
+          <p:cNvPr id="7" name="Title 1">
             <a:extLst>
               <a:ext uri="{FF2B5EF4-FFF2-40B4-BE49-F238E27FC236}">
-                <a16:creationId xmlns:a16="http://schemas.microsoft.com/office/drawing/2014/main" id="{F85D271E-C10E-3441-BE32-01F6DF5A0052}"/>
+                <a16:creationId xmlns:a16="http://schemas.microsoft.com/office/drawing/2014/main" id="{ED5ADC38-5201-974D-A30A-DE8429F18478}"/>
               </a:ext>
             </a:extLst>
           </p:cNvPr>
@@ -11581,8 +11749,8 @@
         </p:nvSpPr>
         <p:spPr>
           <a:xfrm>
-            <a:off x="324256" y="1180290"/>
-            <a:ext cx="11595370" cy="5287746"/>
+            <a:off x="750220" y="1731960"/>
+            <a:ext cx="6414247" cy="4736075"/>
           </a:xfrm>
           <a:prstGeom prst="rect">
             <a:avLst/>
@@ -11618,7 +11786,7 @@
             <a:r>
               <a:rPr lang="en-US" sz="3600">
                 <a:solidFill>
-                  <a:schemeClr val="bg1"/>
+                  <a:srgbClr val="002060"/>
                 </a:solidFill>
                 <a:latin typeface="Arial" panose="020B0604020202020204" pitchFamily="34" charset="0"/>
                 <a:cs typeface="Arial" panose="020B0604020202020204" pitchFamily="34" charset="0"/>
@@ -11628,7 +11796,7 @@
             <a:r>
               <a:rPr lang="en-US" sz="3600" dirty="0">
                 <a:solidFill>
-                  <a:schemeClr val="bg1"/>
+                  <a:srgbClr val="002060"/>
                 </a:solidFill>
                 <a:latin typeface="Arial" panose="020B0604020202020204" pitchFamily="34" charset="0"/>
                 <a:cs typeface="Arial" panose="020B0604020202020204" pitchFamily="34" charset="0"/>
@@ -11645,7 +11813,7 @@
             <a:r>
               <a:rPr lang="en-US" sz="3600">
                 <a:solidFill>
-                  <a:schemeClr val="bg1"/>
+                  <a:srgbClr val="002060"/>
                 </a:solidFill>
                 <a:latin typeface="Arial" panose="020B0604020202020204" pitchFamily="34" charset="0"/>
                 <a:cs typeface="Arial" panose="020B0604020202020204" pitchFamily="34" charset="0"/>
@@ -11655,7 +11823,7 @@
             <a:r>
               <a:rPr lang="en-US" sz="3600" dirty="0">
                 <a:solidFill>
-                  <a:schemeClr val="bg1"/>
+                  <a:srgbClr val="002060"/>
                 </a:solidFill>
                 <a:latin typeface="Arial" panose="020B0604020202020204" pitchFamily="34" charset="0"/>
                 <a:cs typeface="Arial" panose="020B0604020202020204" pitchFamily="34" charset="0"/>
@@ -11672,7 +11840,7 @@
             <a:r>
               <a:rPr lang="en-US" sz="3600">
                 <a:solidFill>
-                  <a:schemeClr val="bg1"/>
+                  <a:srgbClr val="002060"/>
                 </a:solidFill>
                 <a:latin typeface="Arial" panose="020B0604020202020204" pitchFamily="34" charset="0"/>
                 <a:cs typeface="Arial" panose="020B0604020202020204" pitchFamily="34" charset="0"/>
@@ -11682,7 +11850,7 @@
             <a:r>
               <a:rPr lang="en-US" sz="3600" dirty="0">
                 <a:solidFill>
-                  <a:schemeClr val="bg1"/>
+                  <a:srgbClr val="002060"/>
                 </a:solidFill>
                 <a:latin typeface="Arial" panose="020B0604020202020204" pitchFamily="34" charset="0"/>
                 <a:cs typeface="Arial" panose="020B0604020202020204" pitchFamily="34" charset="0"/>
@@ -11699,7 +11867,7 @@
             <a:r>
               <a:rPr lang="en-US" sz="3600">
                 <a:solidFill>
-                  <a:schemeClr val="bg1"/>
+                  <a:srgbClr val="002060"/>
                 </a:solidFill>
                 <a:latin typeface="Arial" panose="020B0604020202020204" pitchFamily="34" charset="0"/>
                 <a:cs typeface="Arial" panose="020B0604020202020204" pitchFamily="34" charset="0"/>
@@ -11709,7 +11877,7 @@
             <a:r>
               <a:rPr lang="en-US" sz="3600" dirty="0">
                 <a:solidFill>
-                  <a:schemeClr val="bg1"/>
+                  <a:srgbClr val="002060"/>
                 </a:solidFill>
                 <a:latin typeface="Arial" panose="020B0604020202020204" pitchFamily="34" charset="0"/>
                 <a:cs typeface="Arial" panose="020B0604020202020204" pitchFamily="34" charset="0"/>
@@ -11726,7 +11894,7 @@
             <a:r>
               <a:rPr lang="en-US" sz="3600">
                 <a:solidFill>
-                  <a:schemeClr val="bg1"/>
+                  <a:srgbClr val="002060"/>
                 </a:solidFill>
                 <a:latin typeface="Arial" panose="020B0604020202020204" pitchFamily="34" charset="0"/>
                 <a:cs typeface="Arial" panose="020B0604020202020204" pitchFamily="34" charset="0"/>
@@ -11736,7 +11904,7 @@
             <a:r>
               <a:rPr lang="en-US" sz="3600" dirty="0">
                 <a:solidFill>
-                  <a:schemeClr val="bg1"/>
+                  <a:srgbClr val="002060"/>
                 </a:solidFill>
                 <a:latin typeface="Arial" panose="020B0604020202020204" pitchFamily="34" charset="0"/>
                 <a:cs typeface="Arial" panose="020B0604020202020204" pitchFamily="34" charset="0"/>
@@ -11745,14 +11913,14 @@
             </a:r>
           </a:p>
           <a:p>
-            <a:pPr algn="r">
+            <a:pPr>
               <a:lnSpc>
                 <a:spcPct val="150000"/>
               </a:lnSpc>
             </a:pPr>
             <a:endParaRPr lang="en-US" sz="3600" dirty="0">
               <a:solidFill>
-                <a:schemeClr val="bg1"/>
+                <a:srgbClr val="002060"/>
               </a:solidFill>
               <a:latin typeface="Arial" panose="020B0604020202020204" pitchFamily="34" charset="0"/>
               <a:cs typeface="Arial" panose="020B0604020202020204" pitchFamily="34" charset="0"/>
@@ -11763,7 +11931,7 @@
     </p:spTree>
     <p:extLst>
       <p:ext uri="{BB962C8B-B14F-4D97-AF65-F5344CB8AC3E}">
-        <p14:creationId xmlns:p14="http://schemas.microsoft.com/office/powerpoint/2010/main" val="2444615494"/>
+        <p14:creationId xmlns:p14="http://schemas.microsoft.com/office/powerpoint/2010/main" val="1545818797"/>
       </p:ext>
     </p:extLst>
   </p:cSld>
@@ -11795,7 +11963,7 @@
           <p:cNvPr id="4" name="Picture 3">
             <a:extLst>
               <a:ext uri="{FF2B5EF4-FFF2-40B4-BE49-F238E27FC236}">
-                <a16:creationId xmlns:a16="http://schemas.microsoft.com/office/drawing/2014/main" id="{E09195F0-48B8-F148-8049-1E870D405370}"/>
+                <a16:creationId xmlns:a16="http://schemas.microsoft.com/office/drawing/2014/main" id="{B75940B7-255B-1E4E-87CF-F0741841660C}"/>
               </a:ext>
             </a:extLst>
           </p:cNvPr>
@@ -11828,10 +11996,10 @@
       </p:pic>
       <p:sp>
         <p:nvSpPr>
-          <p:cNvPr id="6" name="Title 1">
+          <p:cNvPr id="12" name="Title 1">
             <a:extLst>
               <a:ext uri="{FF2B5EF4-FFF2-40B4-BE49-F238E27FC236}">
-                <a16:creationId xmlns:a16="http://schemas.microsoft.com/office/drawing/2014/main" id="{EEFA8E91-7245-A04A-8978-722DA0C5AB70}"/>
+                <a16:creationId xmlns:a16="http://schemas.microsoft.com/office/drawing/2014/main" id="{F0877A5A-10A0-D145-88E8-F3FD05D6DFBB}"/>
               </a:ext>
             </a:extLst>
           </p:cNvPr>
@@ -11842,8 +12010,8 @@
         </p:nvSpPr>
         <p:spPr>
           <a:xfrm>
-            <a:off x="750220" y="862667"/>
-            <a:ext cx="6414247" cy="1325563"/>
+            <a:off x="5630565" y="862667"/>
+            <a:ext cx="5852598" cy="1325563"/>
           </a:xfrm>
           <a:prstGeom prst="rect">
             <a:avLst/>
@@ -11871,6 +12039,7 @@
             </a:lvl1pPr>
           </a:lstStyle>
           <a:p>
+            <a:pPr algn="r"/>
             <a:r>
               <a:rPr lang="en-US" b="1">
                 <a:solidFill>
@@ -11886,10 +12055,10 @@
       </p:sp>
       <p:sp>
         <p:nvSpPr>
-          <p:cNvPr id="7" name="Title 1">
+          <p:cNvPr id="13" name="Title 1">
             <a:extLst>
               <a:ext uri="{FF2B5EF4-FFF2-40B4-BE49-F238E27FC236}">
-                <a16:creationId xmlns:a16="http://schemas.microsoft.com/office/drawing/2014/main" id="{ED5ADC38-5201-974D-A30A-DE8429F18478}"/>
+                <a16:creationId xmlns:a16="http://schemas.microsoft.com/office/drawing/2014/main" id="{D3537BCE-EE05-4041-B2A5-FD1504E5475E}"/>
               </a:ext>
             </a:extLst>
           </p:cNvPr>
@@ -11900,8 +12069,8 @@
         </p:nvSpPr>
         <p:spPr>
           <a:xfrm>
-            <a:off x="750220" y="1731960"/>
-            <a:ext cx="6414247" cy="4736075"/>
+            <a:off x="5630564" y="1731960"/>
+            <a:ext cx="5746273" cy="4736075"/>
           </a:xfrm>
           <a:prstGeom prst="rect">
             <a:avLst/>
@@ -11929,7 +12098,7 @@
             </a:lvl1pPr>
           </a:lstStyle>
           <a:p>
-            <a:pPr>
+            <a:pPr algn="r">
               <a:lnSpc>
                 <a:spcPct val="150000"/>
               </a:lnSpc>
@@ -11956,7 +12125,7 @@
             </a:r>
           </a:p>
           <a:p>
-            <a:pPr>
+            <a:pPr algn="r">
               <a:lnSpc>
                 <a:spcPct val="150000"/>
               </a:lnSpc>
@@ -11983,7 +12152,7 @@
             </a:r>
           </a:p>
           <a:p>
-            <a:pPr>
+            <a:pPr algn="r">
               <a:lnSpc>
                 <a:spcPct val="150000"/>
               </a:lnSpc>
@@ -12010,7 +12179,7 @@
             </a:r>
           </a:p>
           <a:p>
-            <a:pPr>
+            <a:pPr algn="r">
               <a:lnSpc>
                 <a:spcPct val="150000"/>
               </a:lnSpc>
@@ -12037,7 +12206,7 @@
             </a:r>
           </a:p>
           <a:p>
-            <a:pPr>
+            <a:pPr algn="r">
               <a:lnSpc>
                 <a:spcPct val="150000"/>
               </a:lnSpc>
@@ -12064,7 +12233,7 @@
             </a:r>
           </a:p>
           <a:p>
-            <a:pPr>
+            <a:pPr algn="r">
               <a:lnSpc>
                 <a:spcPct val="150000"/>
               </a:lnSpc>
@@ -12082,7 +12251,7 @@
     </p:spTree>
     <p:extLst>
       <p:ext uri="{BB962C8B-B14F-4D97-AF65-F5344CB8AC3E}">
-        <p14:creationId xmlns:p14="http://schemas.microsoft.com/office/powerpoint/2010/main" val="1545818797"/>
+        <p14:creationId xmlns:p14="http://schemas.microsoft.com/office/powerpoint/2010/main" val="3571568711"/>
       </p:ext>
     </p:extLst>
   </p:cSld>
@@ -12111,10 +12280,10 @@
       </p:grpSpPr>
       <p:pic>
         <p:nvPicPr>
-          <p:cNvPr id="4" name="Picture 3">
+          <p:cNvPr id="8" name="Picture 7">
             <a:extLst>
               <a:ext uri="{FF2B5EF4-FFF2-40B4-BE49-F238E27FC236}">
-                <a16:creationId xmlns:a16="http://schemas.microsoft.com/office/drawing/2014/main" id="{B75940B7-255B-1E4E-87CF-F0741841660C}"/>
+                <a16:creationId xmlns:a16="http://schemas.microsoft.com/office/drawing/2014/main" id="{5C2A31F3-6EB9-7A4D-BA2B-F44A4974E386}"/>
               </a:ext>
             </a:extLst>
           </p:cNvPr>
@@ -12137,7 +12306,44 @@
         </p:blipFill>
         <p:spPr>
           <a:xfrm>
-            <a:off x="0" y="0"/>
+            <a:off x="0" y="-5243512"/>
+            <a:ext cx="12192000" cy="12101512"/>
+          </a:xfrm>
+          <a:prstGeom prst="rect">
+            <a:avLst/>
+          </a:prstGeom>
+        </p:spPr>
+      </p:pic>
+      <p:pic>
+        <p:nvPicPr>
+          <p:cNvPr id="5" name="Picture 4">
+            <a:extLst>
+              <a:ext uri="{FF2B5EF4-FFF2-40B4-BE49-F238E27FC236}">
+                <a16:creationId xmlns:a16="http://schemas.microsoft.com/office/drawing/2014/main" id="{87D623B1-CAF0-9345-9F80-1FE43D2F2FC5}"/>
+              </a:ext>
+            </a:extLst>
+          </p:cNvPr>
+          <p:cNvPicPr>
+            <a:picLocks noChangeAspect="1"/>
+          </p:cNvPicPr>
+          <p:nvPr/>
+        </p:nvPicPr>
+        <p:blipFill>
+          <a:blip r:embed="rId3" cstate="email">
+            <a:alphaModFix amt="85000"/>
+            <a:extLst>
+              <a:ext uri="{28A0092B-C50C-407E-A947-70E740481C1C}">
+                <a14:useLocalDpi xmlns:a14="http://schemas.microsoft.com/office/drawing/2010/main"/>
+              </a:ext>
+            </a:extLst>
+          </a:blip>
+          <a:stretch>
+            <a:fillRect/>
+          </a:stretch>
+        </p:blipFill>
+        <p:spPr>
+          <a:xfrm>
+            <a:off x="0" y="-6626"/>
             <a:ext cx="12192000" cy="6864626"/>
           </a:xfrm>
           <a:prstGeom prst="rect">
@@ -12147,10 +12353,10 @@
       </p:pic>
       <p:sp>
         <p:nvSpPr>
-          <p:cNvPr id="12" name="Title 1">
+          <p:cNvPr id="6" name="Title 1">
             <a:extLst>
               <a:ext uri="{FF2B5EF4-FFF2-40B4-BE49-F238E27FC236}">
-                <a16:creationId xmlns:a16="http://schemas.microsoft.com/office/drawing/2014/main" id="{F0877A5A-10A0-D145-88E8-F3FD05D6DFBB}"/>
+                <a16:creationId xmlns:a16="http://schemas.microsoft.com/office/drawing/2014/main" id="{EEFA8E91-7245-A04A-8978-722DA0C5AB70}"/>
               </a:ext>
             </a:extLst>
           </p:cNvPr>
@@ -12161,8 +12367,8 @@
         </p:nvSpPr>
         <p:spPr>
           <a:xfrm>
-            <a:off x="5630565" y="862667"/>
-            <a:ext cx="5852598" cy="1325563"/>
+            <a:off x="728955" y="862667"/>
+            <a:ext cx="6414247" cy="1325563"/>
           </a:xfrm>
           <a:prstGeom prst="rect">
             <a:avLst/>
@@ -12190,11 +12396,13 @@
             </a:lvl1pPr>
           </a:lstStyle>
           <a:p>
-            <a:pPr algn="r"/>
             <a:r>
               <a:rPr lang="en-US" b="1">
                 <a:solidFill>
-                  <a:srgbClr val="0070C0"/>
+                  <a:schemeClr val="accent1">
+                    <a:lumMod val="40000"/>
+                    <a:lumOff val="60000"/>
+                  </a:schemeClr>
                 </a:solidFill>
                 <a:latin typeface="Arial" panose="020B0604020202020204" pitchFamily="34" charset="0"/>
                 <a:cs typeface="Arial" panose="020B0604020202020204" pitchFamily="34" charset="0"/>
@@ -12206,10 +12414,10 @@
       </p:sp>
       <p:sp>
         <p:nvSpPr>
-          <p:cNvPr id="13" name="Title 1">
+          <p:cNvPr id="7" name="Title 1">
             <a:extLst>
               <a:ext uri="{FF2B5EF4-FFF2-40B4-BE49-F238E27FC236}">
-                <a16:creationId xmlns:a16="http://schemas.microsoft.com/office/drawing/2014/main" id="{D3537BCE-EE05-4041-B2A5-FD1504E5475E}"/>
+                <a16:creationId xmlns:a16="http://schemas.microsoft.com/office/drawing/2014/main" id="{ED5ADC38-5201-974D-A30A-DE8429F18478}"/>
               </a:ext>
             </a:extLst>
           </p:cNvPr>
@@ -12220,8 +12428,8 @@
         </p:nvSpPr>
         <p:spPr>
           <a:xfrm>
-            <a:off x="5630564" y="1731960"/>
-            <a:ext cx="5746273" cy="4736075"/>
+            <a:off x="728955" y="1731960"/>
+            <a:ext cx="6414247" cy="4736075"/>
           </a:xfrm>
           <a:prstGeom prst="rect">
             <a:avLst/>
@@ -12249,7 +12457,7 @@
             </a:lvl1pPr>
           </a:lstStyle>
           <a:p>
-            <a:pPr algn="r">
+            <a:pPr>
               <a:lnSpc>
                 <a:spcPct val="150000"/>
               </a:lnSpc>
@@ -12257,7 +12465,7 @@
             <a:r>
               <a:rPr lang="en-US" sz="3600">
                 <a:solidFill>
-                  <a:srgbClr val="002060"/>
+                  <a:schemeClr val="bg1"/>
                 </a:solidFill>
                 <a:latin typeface="Arial" panose="020B0604020202020204" pitchFamily="34" charset="0"/>
                 <a:cs typeface="Arial" panose="020B0604020202020204" pitchFamily="34" charset="0"/>
@@ -12267,7 +12475,7 @@
             <a:r>
               <a:rPr lang="en-US" sz="3600" dirty="0">
                 <a:solidFill>
-                  <a:srgbClr val="002060"/>
+                  <a:schemeClr val="bg1"/>
                 </a:solidFill>
                 <a:latin typeface="Arial" panose="020B0604020202020204" pitchFamily="34" charset="0"/>
                 <a:cs typeface="Arial" panose="020B0604020202020204" pitchFamily="34" charset="0"/>
@@ -12276,7 +12484,7 @@
             </a:r>
           </a:p>
           <a:p>
-            <a:pPr algn="r">
+            <a:pPr>
               <a:lnSpc>
                 <a:spcPct val="150000"/>
               </a:lnSpc>
@@ -12284,7 +12492,7 @@
             <a:r>
               <a:rPr lang="en-US" sz="3600">
                 <a:solidFill>
-                  <a:srgbClr val="002060"/>
+                  <a:schemeClr val="bg1"/>
                 </a:solidFill>
                 <a:latin typeface="Arial" panose="020B0604020202020204" pitchFamily="34" charset="0"/>
                 <a:cs typeface="Arial" panose="020B0604020202020204" pitchFamily="34" charset="0"/>
@@ -12294,7 +12502,7 @@
             <a:r>
               <a:rPr lang="en-US" sz="3600" dirty="0">
                 <a:solidFill>
-                  <a:srgbClr val="002060"/>
+                  <a:schemeClr val="bg1"/>
                 </a:solidFill>
                 <a:latin typeface="Arial" panose="020B0604020202020204" pitchFamily="34" charset="0"/>
                 <a:cs typeface="Arial" panose="020B0604020202020204" pitchFamily="34" charset="0"/>
@@ -12303,7 +12511,7 @@
             </a:r>
           </a:p>
           <a:p>
-            <a:pPr algn="r">
+            <a:pPr>
               <a:lnSpc>
                 <a:spcPct val="150000"/>
               </a:lnSpc>
@@ -12311,7 +12519,7 @@
             <a:r>
               <a:rPr lang="en-US" sz="3600">
                 <a:solidFill>
-                  <a:srgbClr val="002060"/>
+                  <a:schemeClr val="bg1"/>
                 </a:solidFill>
                 <a:latin typeface="Arial" panose="020B0604020202020204" pitchFamily="34" charset="0"/>
                 <a:cs typeface="Arial" panose="020B0604020202020204" pitchFamily="34" charset="0"/>
@@ -12321,7 +12529,7 @@
             <a:r>
               <a:rPr lang="en-US" sz="3600" dirty="0">
                 <a:solidFill>
-                  <a:srgbClr val="002060"/>
+                  <a:schemeClr val="bg1"/>
                 </a:solidFill>
                 <a:latin typeface="Arial" panose="020B0604020202020204" pitchFamily="34" charset="0"/>
                 <a:cs typeface="Arial" panose="020B0604020202020204" pitchFamily="34" charset="0"/>
@@ -12330,7 +12538,7 @@
             </a:r>
           </a:p>
           <a:p>
-            <a:pPr algn="r">
+            <a:pPr>
               <a:lnSpc>
                 <a:spcPct val="150000"/>
               </a:lnSpc>
@@ -12338,7 +12546,7 @@
             <a:r>
               <a:rPr lang="en-US" sz="3600">
                 <a:solidFill>
-                  <a:srgbClr val="002060"/>
+                  <a:schemeClr val="bg1"/>
                 </a:solidFill>
                 <a:latin typeface="Arial" panose="020B0604020202020204" pitchFamily="34" charset="0"/>
                 <a:cs typeface="Arial" panose="020B0604020202020204" pitchFamily="34" charset="0"/>
@@ -12348,7 +12556,7 @@
             <a:r>
               <a:rPr lang="en-US" sz="3600" dirty="0">
                 <a:solidFill>
-                  <a:srgbClr val="002060"/>
+                  <a:schemeClr val="bg1"/>
                 </a:solidFill>
                 <a:latin typeface="Arial" panose="020B0604020202020204" pitchFamily="34" charset="0"/>
                 <a:cs typeface="Arial" panose="020B0604020202020204" pitchFamily="34" charset="0"/>
@@ -12357,7 +12565,7 @@
             </a:r>
           </a:p>
           <a:p>
-            <a:pPr algn="r">
+            <a:pPr>
               <a:lnSpc>
                 <a:spcPct val="150000"/>
               </a:lnSpc>
@@ -12365,7 +12573,7 @@
             <a:r>
               <a:rPr lang="en-US" sz="3600">
                 <a:solidFill>
-                  <a:srgbClr val="002060"/>
+                  <a:schemeClr val="bg1"/>
                 </a:solidFill>
                 <a:latin typeface="Arial" panose="020B0604020202020204" pitchFamily="34" charset="0"/>
                 <a:cs typeface="Arial" panose="020B0604020202020204" pitchFamily="34" charset="0"/>
@@ -12375,7 +12583,7 @@
             <a:r>
               <a:rPr lang="en-US" sz="3600" dirty="0">
                 <a:solidFill>
-                  <a:srgbClr val="002060"/>
+                  <a:schemeClr val="bg1"/>
                 </a:solidFill>
                 <a:latin typeface="Arial" panose="020B0604020202020204" pitchFamily="34" charset="0"/>
                 <a:cs typeface="Arial" panose="020B0604020202020204" pitchFamily="34" charset="0"/>
@@ -12384,14 +12592,14 @@
             </a:r>
           </a:p>
           <a:p>
-            <a:pPr algn="r">
+            <a:pPr>
               <a:lnSpc>
                 <a:spcPct val="150000"/>
               </a:lnSpc>
             </a:pPr>
             <a:endParaRPr lang="en-US" sz="3600" dirty="0">
               <a:solidFill>
-                <a:srgbClr val="002060"/>
+                <a:schemeClr val="bg1"/>
               </a:solidFill>
               <a:latin typeface="Arial" panose="020B0604020202020204" pitchFamily="34" charset="0"/>
               <a:cs typeface="Arial" panose="020B0604020202020204" pitchFamily="34" charset="0"/>
@@ -12399,10 +12607,82 @@
           </a:p>
         </p:txBody>
       </p:sp>
+      <p:pic>
+        <p:nvPicPr>
+          <p:cNvPr id="9" name="Picture 8">
+            <a:extLst>
+              <a:ext uri="{FF2B5EF4-FFF2-40B4-BE49-F238E27FC236}">
+                <a16:creationId xmlns:a16="http://schemas.microsoft.com/office/drawing/2014/main" id="{E44D747F-D664-574E-A01C-CB66ECC6B5FE}"/>
+              </a:ext>
+            </a:extLst>
+          </p:cNvPr>
+          <p:cNvPicPr>
+            <a:picLocks noChangeAspect="1"/>
+          </p:cNvPicPr>
+          <p:nvPr/>
+        </p:nvPicPr>
+        <p:blipFill>
+          <a:blip r:embed="rId4" cstate="email">
+            <a:extLst>
+              <a:ext uri="{28A0092B-C50C-407E-A947-70E740481C1C}">
+                <a14:useLocalDpi xmlns:a14="http://schemas.microsoft.com/office/drawing/2010/main"/>
+              </a:ext>
+            </a:extLst>
+          </a:blip>
+          <a:stretch>
+            <a:fillRect/>
+          </a:stretch>
+        </p:blipFill>
+        <p:spPr>
+          <a:xfrm>
+            <a:off x="5077569" y="2225751"/>
+            <a:ext cx="4366749" cy="3267635"/>
+          </a:xfrm>
+          <a:prstGeom prst="rect">
+            <a:avLst/>
+          </a:prstGeom>
+        </p:spPr>
+      </p:pic>
+      <p:pic>
+        <p:nvPicPr>
+          <p:cNvPr id="11" name="Picture 10">
+            <a:extLst>
+              <a:ext uri="{FF2B5EF4-FFF2-40B4-BE49-F238E27FC236}">
+                <a16:creationId xmlns:a16="http://schemas.microsoft.com/office/drawing/2014/main" id="{254222C9-85CB-AA4E-84C4-3EFDA36B9DAE}"/>
+              </a:ext>
+            </a:extLst>
+          </p:cNvPr>
+          <p:cNvPicPr>
+            <a:picLocks noChangeAspect="1"/>
+          </p:cNvPicPr>
+          <p:nvPr/>
+        </p:nvPicPr>
+        <p:blipFill>
+          <a:blip r:embed="rId5" cstate="email">
+            <a:extLst>
+              <a:ext uri="{28A0092B-C50C-407E-A947-70E740481C1C}">
+                <a14:useLocalDpi xmlns:a14="http://schemas.microsoft.com/office/drawing/2010/main"/>
+              </a:ext>
+            </a:extLst>
+          </a:blip>
+          <a:stretch>
+            <a:fillRect/>
+          </a:stretch>
+        </p:blipFill>
+        <p:spPr>
+          <a:xfrm>
+            <a:off x="5150757" y="2252028"/>
+            <a:ext cx="4217821" cy="3201330"/>
+          </a:xfrm>
+          <a:prstGeom prst="rect">
+            <a:avLst/>
+          </a:prstGeom>
+        </p:spPr>
+      </p:pic>
     </p:spTree>
     <p:extLst>
       <p:ext uri="{BB962C8B-B14F-4D97-AF65-F5344CB8AC3E}">
-        <p14:creationId xmlns:p14="http://schemas.microsoft.com/office/powerpoint/2010/main" val="3571568711"/>
+        <p14:creationId xmlns:p14="http://schemas.microsoft.com/office/powerpoint/2010/main" val="313999386"/>
       </p:ext>
     </p:extLst>
   </p:cSld>
@@ -12431,437 +12711,6 @@
       </p:grpSpPr>
       <p:pic>
         <p:nvPicPr>
-          <p:cNvPr id="8" name="Picture 7">
-            <a:extLst>
-              <a:ext uri="{FF2B5EF4-FFF2-40B4-BE49-F238E27FC236}">
-                <a16:creationId xmlns:a16="http://schemas.microsoft.com/office/drawing/2014/main" id="{5C2A31F3-6EB9-7A4D-BA2B-F44A4974E386}"/>
-              </a:ext>
-            </a:extLst>
-          </p:cNvPr>
-          <p:cNvPicPr>
-            <a:picLocks noChangeAspect="1"/>
-          </p:cNvPicPr>
-          <p:nvPr/>
-        </p:nvPicPr>
-        <p:blipFill>
-          <a:blip r:embed="rId2" cstate="email">
-            <a:extLst>
-              <a:ext uri="{28A0092B-C50C-407E-A947-70E740481C1C}">
-                <a14:useLocalDpi xmlns:a14="http://schemas.microsoft.com/office/drawing/2010/main"/>
-              </a:ext>
-            </a:extLst>
-          </a:blip>
-          <a:stretch>
-            <a:fillRect/>
-          </a:stretch>
-        </p:blipFill>
-        <p:spPr>
-          <a:xfrm>
-            <a:off x="0" y="-5243512"/>
-            <a:ext cx="12192000" cy="12101512"/>
-          </a:xfrm>
-          <a:prstGeom prst="rect">
-            <a:avLst/>
-          </a:prstGeom>
-        </p:spPr>
-      </p:pic>
-      <p:pic>
-        <p:nvPicPr>
-          <p:cNvPr id="5" name="Picture 4">
-            <a:extLst>
-              <a:ext uri="{FF2B5EF4-FFF2-40B4-BE49-F238E27FC236}">
-                <a16:creationId xmlns:a16="http://schemas.microsoft.com/office/drawing/2014/main" id="{87D623B1-CAF0-9345-9F80-1FE43D2F2FC5}"/>
-              </a:ext>
-            </a:extLst>
-          </p:cNvPr>
-          <p:cNvPicPr>
-            <a:picLocks noChangeAspect="1"/>
-          </p:cNvPicPr>
-          <p:nvPr/>
-        </p:nvPicPr>
-        <p:blipFill>
-          <a:blip r:embed="rId3" cstate="email">
-            <a:alphaModFix amt="85000"/>
-            <a:extLst>
-              <a:ext uri="{28A0092B-C50C-407E-A947-70E740481C1C}">
-                <a14:useLocalDpi xmlns:a14="http://schemas.microsoft.com/office/drawing/2010/main"/>
-              </a:ext>
-            </a:extLst>
-          </a:blip>
-          <a:stretch>
-            <a:fillRect/>
-          </a:stretch>
-        </p:blipFill>
-        <p:spPr>
-          <a:xfrm>
-            <a:off x="0" y="-6626"/>
-            <a:ext cx="12192000" cy="6864626"/>
-          </a:xfrm>
-          <a:prstGeom prst="rect">
-            <a:avLst/>
-          </a:prstGeom>
-        </p:spPr>
-      </p:pic>
-      <p:sp>
-        <p:nvSpPr>
-          <p:cNvPr id="6" name="Title 1">
-            <a:extLst>
-              <a:ext uri="{FF2B5EF4-FFF2-40B4-BE49-F238E27FC236}">
-                <a16:creationId xmlns:a16="http://schemas.microsoft.com/office/drawing/2014/main" id="{EEFA8E91-7245-A04A-8978-722DA0C5AB70}"/>
-              </a:ext>
-            </a:extLst>
-          </p:cNvPr>
-          <p:cNvSpPr txBox="1">
-            <a:spLocks/>
-          </p:cNvSpPr>
-          <p:nvPr/>
-        </p:nvSpPr>
-        <p:spPr>
-          <a:xfrm>
-            <a:off x="728955" y="862667"/>
-            <a:ext cx="6414247" cy="1325563"/>
-          </a:xfrm>
-          <a:prstGeom prst="rect">
-            <a:avLst/>
-          </a:prstGeom>
-        </p:spPr>
-        <p:txBody>
-          <a:bodyPr/>
-          <a:lstStyle>
-            <a:lvl1pPr algn="l" defTabSz="914400" rtl="0" eaLnBrk="1" latinLnBrk="0" hangingPunct="1">
-              <a:lnSpc>
-                <a:spcPct val="90000"/>
-              </a:lnSpc>
-              <a:spcBef>
-                <a:spcPct val="0"/>
-              </a:spcBef>
-              <a:buNone/>
-              <a:defRPr sz="4400" kern="1200">
-                <a:solidFill>
-                  <a:schemeClr val="tx1"/>
-                </a:solidFill>
-                <a:latin typeface="+mj-lt"/>
-                <a:ea typeface="+mj-ea"/>
-                <a:cs typeface="+mj-cs"/>
-              </a:defRPr>
-            </a:lvl1pPr>
-          </a:lstStyle>
-          <a:p>
-            <a:r>
-              <a:rPr lang="en-US" b="1">
-                <a:solidFill>
-                  <a:schemeClr val="accent1">
-                    <a:lumMod val="40000"/>
-                    <a:lumOff val="60000"/>
-                  </a:schemeClr>
-                </a:solidFill>
-                <a:latin typeface="Arial" panose="020B0604020202020204" pitchFamily="34" charset="0"/>
-                <a:cs typeface="Arial" panose="020B0604020202020204" pitchFamily="34" charset="0"/>
-              </a:rPr>
-              <a:t>Insert Title Here</a:t>
-            </a:r>
-          </a:p>
-        </p:txBody>
-      </p:sp>
-      <p:sp>
-        <p:nvSpPr>
-          <p:cNvPr id="7" name="Title 1">
-            <a:extLst>
-              <a:ext uri="{FF2B5EF4-FFF2-40B4-BE49-F238E27FC236}">
-                <a16:creationId xmlns:a16="http://schemas.microsoft.com/office/drawing/2014/main" id="{ED5ADC38-5201-974D-A30A-DE8429F18478}"/>
-              </a:ext>
-            </a:extLst>
-          </p:cNvPr>
-          <p:cNvSpPr txBox="1">
-            <a:spLocks/>
-          </p:cNvSpPr>
-          <p:nvPr/>
-        </p:nvSpPr>
-        <p:spPr>
-          <a:xfrm>
-            <a:off x="728955" y="1731960"/>
-            <a:ext cx="6414247" cy="4736075"/>
-          </a:xfrm>
-          <a:prstGeom prst="rect">
-            <a:avLst/>
-          </a:prstGeom>
-        </p:spPr>
-        <p:txBody>
-          <a:bodyPr/>
-          <a:lstStyle>
-            <a:lvl1pPr algn="l" defTabSz="914400" rtl="0" eaLnBrk="1" latinLnBrk="0" hangingPunct="1">
-              <a:lnSpc>
-                <a:spcPct val="90000"/>
-              </a:lnSpc>
-              <a:spcBef>
-                <a:spcPct val="0"/>
-              </a:spcBef>
-              <a:buNone/>
-              <a:defRPr sz="4400" kern="1200">
-                <a:solidFill>
-                  <a:schemeClr val="tx1"/>
-                </a:solidFill>
-                <a:latin typeface="+mj-lt"/>
-                <a:ea typeface="+mj-ea"/>
-                <a:cs typeface="+mj-cs"/>
-              </a:defRPr>
-            </a:lvl1pPr>
-          </a:lstStyle>
-          <a:p>
-            <a:pPr>
-              <a:lnSpc>
-                <a:spcPct val="150000"/>
-              </a:lnSpc>
-            </a:pPr>
-            <a:r>
-              <a:rPr lang="en-US" sz="3600">
-                <a:solidFill>
-                  <a:schemeClr val="bg1"/>
-                </a:solidFill>
-                <a:latin typeface="Arial" panose="020B0604020202020204" pitchFamily="34" charset="0"/>
-                <a:cs typeface="Arial" panose="020B0604020202020204" pitchFamily="34" charset="0"/>
-              </a:rPr>
-              <a:t>• Bullet </a:t>
-            </a:r>
-            <a:r>
-              <a:rPr lang="en-US" sz="3600" dirty="0">
-                <a:solidFill>
-                  <a:schemeClr val="bg1"/>
-                </a:solidFill>
-                <a:latin typeface="Arial" panose="020B0604020202020204" pitchFamily="34" charset="0"/>
-                <a:cs typeface="Arial" panose="020B0604020202020204" pitchFamily="34" charset="0"/>
-              </a:rPr>
-              <a:t>Point 1</a:t>
-            </a:r>
-          </a:p>
-          <a:p>
-            <a:pPr>
-              <a:lnSpc>
-                <a:spcPct val="150000"/>
-              </a:lnSpc>
-            </a:pPr>
-            <a:r>
-              <a:rPr lang="en-US" sz="3600">
-                <a:solidFill>
-                  <a:schemeClr val="bg1"/>
-                </a:solidFill>
-                <a:latin typeface="Arial" panose="020B0604020202020204" pitchFamily="34" charset="0"/>
-                <a:cs typeface="Arial" panose="020B0604020202020204" pitchFamily="34" charset="0"/>
-              </a:rPr>
-              <a:t>• Bullet </a:t>
-            </a:r>
-            <a:r>
-              <a:rPr lang="en-US" sz="3600" dirty="0">
-                <a:solidFill>
-                  <a:schemeClr val="bg1"/>
-                </a:solidFill>
-                <a:latin typeface="Arial" panose="020B0604020202020204" pitchFamily="34" charset="0"/>
-                <a:cs typeface="Arial" panose="020B0604020202020204" pitchFamily="34" charset="0"/>
-              </a:rPr>
-              <a:t>Point 2</a:t>
-            </a:r>
-          </a:p>
-          <a:p>
-            <a:pPr>
-              <a:lnSpc>
-                <a:spcPct val="150000"/>
-              </a:lnSpc>
-            </a:pPr>
-            <a:r>
-              <a:rPr lang="en-US" sz="3600">
-                <a:solidFill>
-                  <a:schemeClr val="bg1"/>
-                </a:solidFill>
-                <a:latin typeface="Arial" panose="020B0604020202020204" pitchFamily="34" charset="0"/>
-                <a:cs typeface="Arial" panose="020B0604020202020204" pitchFamily="34" charset="0"/>
-              </a:rPr>
-              <a:t>• Bullet </a:t>
-            </a:r>
-            <a:r>
-              <a:rPr lang="en-US" sz="3600" dirty="0">
-                <a:solidFill>
-                  <a:schemeClr val="bg1"/>
-                </a:solidFill>
-                <a:latin typeface="Arial" panose="020B0604020202020204" pitchFamily="34" charset="0"/>
-                <a:cs typeface="Arial" panose="020B0604020202020204" pitchFamily="34" charset="0"/>
-              </a:rPr>
-              <a:t>Point 3</a:t>
-            </a:r>
-          </a:p>
-          <a:p>
-            <a:pPr>
-              <a:lnSpc>
-                <a:spcPct val="150000"/>
-              </a:lnSpc>
-            </a:pPr>
-            <a:r>
-              <a:rPr lang="en-US" sz="3600">
-                <a:solidFill>
-                  <a:schemeClr val="bg1"/>
-                </a:solidFill>
-                <a:latin typeface="Arial" panose="020B0604020202020204" pitchFamily="34" charset="0"/>
-                <a:cs typeface="Arial" panose="020B0604020202020204" pitchFamily="34" charset="0"/>
-              </a:rPr>
-              <a:t>• Bullet </a:t>
-            </a:r>
-            <a:r>
-              <a:rPr lang="en-US" sz="3600" dirty="0">
-                <a:solidFill>
-                  <a:schemeClr val="bg1"/>
-                </a:solidFill>
-                <a:latin typeface="Arial" panose="020B0604020202020204" pitchFamily="34" charset="0"/>
-                <a:cs typeface="Arial" panose="020B0604020202020204" pitchFamily="34" charset="0"/>
-              </a:rPr>
-              <a:t>Point 4</a:t>
-            </a:r>
-          </a:p>
-          <a:p>
-            <a:pPr>
-              <a:lnSpc>
-                <a:spcPct val="150000"/>
-              </a:lnSpc>
-            </a:pPr>
-            <a:r>
-              <a:rPr lang="en-US" sz="3600">
-                <a:solidFill>
-                  <a:schemeClr val="bg1"/>
-                </a:solidFill>
-                <a:latin typeface="Arial" panose="020B0604020202020204" pitchFamily="34" charset="0"/>
-                <a:cs typeface="Arial" panose="020B0604020202020204" pitchFamily="34" charset="0"/>
-              </a:rPr>
-              <a:t>• Bullet </a:t>
-            </a:r>
-            <a:r>
-              <a:rPr lang="en-US" sz="3600" dirty="0">
-                <a:solidFill>
-                  <a:schemeClr val="bg1"/>
-                </a:solidFill>
-                <a:latin typeface="Arial" panose="020B0604020202020204" pitchFamily="34" charset="0"/>
-                <a:cs typeface="Arial" panose="020B0604020202020204" pitchFamily="34" charset="0"/>
-              </a:rPr>
-              <a:t>Point 5</a:t>
-            </a:r>
-          </a:p>
-          <a:p>
-            <a:pPr>
-              <a:lnSpc>
-                <a:spcPct val="150000"/>
-              </a:lnSpc>
-            </a:pPr>
-            <a:endParaRPr lang="en-US" sz="3600" dirty="0">
-              <a:solidFill>
-                <a:schemeClr val="bg1"/>
-              </a:solidFill>
-              <a:latin typeface="Arial" panose="020B0604020202020204" pitchFamily="34" charset="0"/>
-              <a:cs typeface="Arial" panose="020B0604020202020204" pitchFamily="34" charset="0"/>
-            </a:endParaRPr>
-          </a:p>
-        </p:txBody>
-      </p:sp>
-      <p:pic>
-        <p:nvPicPr>
-          <p:cNvPr id="9" name="Picture 8">
-            <a:extLst>
-              <a:ext uri="{FF2B5EF4-FFF2-40B4-BE49-F238E27FC236}">
-                <a16:creationId xmlns:a16="http://schemas.microsoft.com/office/drawing/2014/main" id="{E44D747F-D664-574E-A01C-CB66ECC6B5FE}"/>
-              </a:ext>
-            </a:extLst>
-          </p:cNvPr>
-          <p:cNvPicPr>
-            <a:picLocks noChangeAspect="1"/>
-          </p:cNvPicPr>
-          <p:nvPr/>
-        </p:nvPicPr>
-        <p:blipFill>
-          <a:blip r:embed="rId4" cstate="email">
-            <a:extLst>
-              <a:ext uri="{28A0092B-C50C-407E-A947-70E740481C1C}">
-                <a14:useLocalDpi xmlns:a14="http://schemas.microsoft.com/office/drawing/2010/main"/>
-              </a:ext>
-            </a:extLst>
-          </a:blip>
-          <a:stretch>
-            <a:fillRect/>
-          </a:stretch>
-        </p:blipFill>
-        <p:spPr>
-          <a:xfrm>
-            <a:off x="5077569" y="2225751"/>
-            <a:ext cx="4366749" cy="3267635"/>
-          </a:xfrm>
-          <a:prstGeom prst="rect">
-            <a:avLst/>
-          </a:prstGeom>
-        </p:spPr>
-      </p:pic>
-      <p:pic>
-        <p:nvPicPr>
-          <p:cNvPr id="11" name="Picture 10">
-            <a:extLst>
-              <a:ext uri="{FF2B5EF4-FFF2-40B4-BE49-F238E27FC236}">
-                <a16:creationId xmlns:a16="http://schemas.microsoft.com/office/drawing/2014/main" id="{254222C9-85CB-AA4E-84C4-3EFDA36B9DAE}"/>
-              </a:ext>
-            </a:extLst>
-          </p:cNvPr>
-          <p:cNvPicPr>
-            <a:picLocks noChangeAspect="1"/>
-          </p:cNvPicPr>
-          <p:nvPr/>
-        </p:nvPicPr>
-        <p:blipFill>
-          <a:blip r:embed="rId5" cstate="email">
-            <a:extLst>
-              <a:ext uri="{28A0092B-C50C-407E-A947-70E740481C1C}">
-                <a14:useLocalDpi xmlns:a14="http://schemas.microsoft.com/office/drawing/2010/main"/>
-              </a:ext>
-            </a:extLst>
-          </a:blip>
-          <a:stretch>
-            <a:fillRect/>
-          </a:stretch>
-        </p:blipFill>
-        <p:spPr>
-          <a:xfrm>
-            <a:off x="5150757" y="2252028"/>
-            <a:ext cx="4217821" cy="3201330"/>
-          </a:xfrm>
-          <a:prstGeom prst="rect">
-            <a:avLst/>
-          </a:prstGeom>
-        </p:spPr>
-      </p:pic>
-    </p:spTree>
-    <p:extLst>
-      <p:ext uri="{BB962C8B-B14F-4D97-AF65-F5344CB8AC3E}">
-        <p14:creationId xmlns:p14="http://schemas.microsoft.com/office/powerpoint/2010/main" val="313999386"/>
-      </p:ext>
-    </p:extLst>
-  </p:cSld>
-  <p:clrMapOvr>
-    <a:masterClrMapping/>
-  </p:clrMapOvr>
-</p:sld>
-</file>
-
-<file path=ppt/slides/slide25.xml><?xml version="1.0" encoding="utf-8"?>
-<p:sld xmlns:a="http://schemas.openxmlformats.org/drawingml/2006/main" xmlns:r="http://schemas.openxmlformats.org/officeDocument/2006/relationships" xmlns:p="http://schemas.openxmlformats.org/presentationml/2006/main">
-  <p:cSld>
-    <p:spTree>
-      <p:nvGrpSpPr>
-        <p:cNvPr id="1" name=""/>
-        <p:cNvGrpSpPr/>
-        <p:nvPr/>
-      </p:nvGrpSpPr>
-      <p:grpSpPr>
-        <a:xfrm>
-          <a:off x="0" y="0"/>
-          <a:ext cx="0" cy="0"/>
-          <a:chOff x="0" y="0"/>
-          <a:chExt cx="0" cy="0"/>
-        </a:xfrm>
-      </p:grpSpPr>
-      <p:pic>
-        <p:nvPicPr>
           <p:cNvPr id="10" name="Picture 9">
             <a:extLst>
               <a:ext uri="{FF2B5EF4-FFF2-40B4-BE49-F238E27FC236}">
@@ -13040,7 +12889,7 @@
 </p:sld>
 </file>
 
-<file path=ppt/slides/slide26.xml><?xml version="1.0" encoding="utf-8"?>
+<file path=ppt/slides/slide25.xml><?xml version="1.0" encoding="utf-8"?>
 <p:sld xmlns:a="http://schemas.openxmlformats.org/drawingml/2006/main" xmlns:r="http://schemas.openxmlformats.org/officeDocument/2006/relationships" xmlns:p="http://schemas.openxmlformats.org/presentationml/2006/main">
   <p:cSld>
     <p:spTree>
@@ -13740,7 +13589,7 @@
                 <a:ea typeface="+mj-ea"/>
                 <a:cs typeface="Arial" panose="020B0604020202020204" pitchFamily="34" charset="0"/>
               </a:rPr>
-              <a:t>Go Get your own Nacho’s!</a:t>
+              <a:t>PowerShell RC2 Released</a:t>
             </a:r>
           </a:p>
           <a:p>
@@ -13754,14 +13603,17 @@
               <a:buFont typeface="Arial" panose="020B0604020202020204" pitchFamily="34" charset="0"/>
               <a:buChar char="•"/>
             </a:pPr>
-            <a:endParaRPr lang="en-AU" sz="2800" dirty="0">
-              <a:solidFill>
-                <a:srgbClr val="002060"/>
-              </a:solidFill>
-              <a:latin typeface="Arial" panose="020B0604020202020204" pitchFamily="34" charset="0"/>
-              <a:ea typeface="+mj-ea"/>
-              <a:cs typeface="Arial" panose="020B0604020202020204" pitchFamily="34" charset="0"/>
-            </a:endParaRPr>
+            <a:r>
+              <a:rPr lang="en-AU" sz="2800" dirty="0">
+                <a:solidFill>
+                  <a:srgbClr val="002060"/>
+                </a:solidFill>
+                <a:latin typeface="Arial" panose="020B0604020202020204" pitchFamily="34" charset="0"/>
+                <a:ea typeface="+mj-ea"/>
+                <a:cs typeface="Arial" panose="020B0604020202020204" pitchFamily="34" charset="0"/>
+              </a:rPr>
+              <a:t>GA at the end of this month.</a:t>
+            </a:r>
           </a:p>
         </p:txBody>
       </p:sp>
@@ -14155,38 +14007,82 @@
             </a:endParaRPr>
           </a:p>
           <a:p>
-            <a:pPr>
+            <a:pPr marL="457200" indent="-457200">
               <a:lnSpc>
                 <a:spcPct val="150000"/>
               </a:lnSpc>
+              <a:buFont typeface="Arial" panose="020B0604020202020204" pitchFamily="34" charset="0"/>
+              <a:buChar char="•"/>
             </a:pPr>
             <a:r>
-              <a:rPr lang="en-US" sz="3200" dirty="0">
+              <a:rPr lang="en-US" sz="3200" b="1" dirty="0">
                 <a:solidFill>
                   <a:schemeClr val="bg1"/>
                 </a:solidFill>
                 <a:latin typeface="Arial" panose="020B0604020202020204" pitchFamily="34" charset="0"/>
                 <a:cs typeface="Arial" panose="020B0604020202020204" pitchFamily="34" charset="0"/>
               </a:rPr>
-              <a:t>•</a:t>
-            </a:r>
-            <a:r>
-              <a:rPr lang="en-US" sz="3200" dirty="0" err="1">
+              <a:t>-</a:t>
+            </a:r>
+            <a:r>
+              <a:rPr lang="en-US" sz="3200" b="1" dirty="0" err="1">
                 <a:solidFill>
                   <a:schemeClr val="bg1"/>
                 </a:solidFill>
                 <a:latin typeface="Arial" panose="020B0604020202020204" pitchFamily="34" charset="0"/>
                 <a:cs typeface="Arial" panose="020B0604020202020204" pitchFamily="34" charset="0"/>
               </a:rPr>
-              <a:t>asd</a:t>
-            </a:r>
-            <a:endParaRPr lang="en-US" sz="3200" b="1" dirty="0">
-              <a:solidFill>
-                <a:schemeClr val="bg1"/>
-              </a:solidFill>
-              <a:latin typeface="Arial" panose="020B0604020202020204" pitchFamily="34" charset="0"/>
-              <a:cs typeface="Arial" panose="020B0604020202020204" pitchFamily="34" charset="0"/>
-            </a:endParaRPr>
+              <a:t>LiteralPath</a:t>
+            </a:r>
+            <a:r>
+              <a:rPr lang="en-US" sz="3200" b="1" dirty="0">
+                <a:solidFill>
+                  <a:schemeClr val="bg1"/>
+                </a:solidFill>
+                <a:latin typeface="Arial" panose="020B0604020202020204" pitchFamily="34" charset="0"/>
+                <a:cs typeface="Arial" panose="020B0604020202020204" pitchFamily="34" charset="0"/>
+              </a:rPr>
+              <a:t> = </a:t>
+            </a:r>
+            <a:r>
+              <a:rPr lang="en-US" sz="3200" i="1" dirty="0">
+                <a:solidFill>
+                  <a:schemeClr val="bg1"/>
+                </a:solidFill>
+                <a:latin typeface="Arial" panose="020B0604020202020204" pitchFamily="34" charset="0"/>
+                <a:cs typeface="Arial" panose="020B0604020202020204" pitchFamily="34" charset="0"/>
+              </a:rPr>
+              <a:t>No characters are interpreted as wildcard characters.</a:t>
+            </a:r>
+          </a:p>
+          <a:p>
+            <a:pPr marL="457200" indent="-457200">
+              <a:lnSpc>
+                <a:spcPct val="150000"/>
+              </a:lnSpc>
+              <a:buFont typeface="Arial" panose="020B0604020202020204" pitchFamily="34" charset="0"/>
+              <a:buChar char="•"/>
+            </a:pPr>
+            <a:r>
+              <a:rPr lang="en-US" sz="3200" b="1" dirty="0">
+                <a:solidFill>
+                  <a:schemeClr val="bg1"/>
+                </a:solidFill>
+                <a:latin typeface="Arial" panose="020B0604020202020204" pitchFamily="34" charset="0"/>
+                <a:cs typeface="Arial" panose="020B0604020202020204" pitchFamily="34" charset="0"/>
+              </a:rPr>
+              <a:t>-Path = </a:t>
+            </a:r>
+            <a:r>
+              <a:rPr lang="en-US" sz="3200" i="1" dirty="0">
+                <a:solidFill>
+                  <a:schemeClr val="bg1"/>
+                </a:solidFill>
+                <a:latin typeface="Arial" panose="020B0604020202020204" pitchFamily="34" charset="0"/>
+                <a:cs typeface="Arial" panose="020B0604020202020204" pitchFamily="34" charset="0"/>
+              </a:rPr>
+              <a:t>Wildcard charterers are permitted. Also will lookup the current location in the directory.</a:t>
+            </a:r>
           </a:p>
           <a:p>
             <a:pPr>
@@ -14264,10 +14160,10 @@
       </p:grpSpPr>
       <p:pic>
         <p:nvPicPr>
-          <p:cNvPr id="4" name="Picture 3">
+          <p:cNvPr id="3" name="Picture 2">
             <a:extLst>
               <a:ext uri="{FF2B5EF4-FFF2-40B4-BE49-F238E27FC236}">
-                <a16:creationId xmlns:a16="http://schemas.microsoft.com/office/drawing/2014/main" id="{2EEAB116-0DBF-A241-95B4-1844D615F3C4}"/>
+                <a16:creationId xmlns:a16="http://schemas.microsoft.com/office/drawing/2014/main" id="{D5ABC5AC-DCD4-6F4A-B2DB-FF28E61B56CF}"/>
               </a:ext>
             </a:extLst>
           </p:cNvPr>
@@ -14277,7 +14173,7 @@
           <p:nvPr/>
         </p:nvPicPr>
         <p:blipFill>
-          <a:blip r:embed="rId2" cstate="email">
+          <a:blip r:embed="rId3" cstate="email">
             <a:extLst>
               <a:ext uri="{28A0092B-C50C-407E-A947-70E740481C1C}">
                 <a14:useLocalDpi xmlns:a14="http://schemas.microsoft.com/office/drawing/2010/main"/>
@@ -14291,19 +14187,55 @@
         <p:spPr>
           <a:xfrm>
             <a:off x="0" y="0"/>
-            <a:ext cx="12192000" cy="6864626"/>
+            <a:ext cx="12192000" cy="6858000"/>
           </a:xfrm>
           <a:prstGeom prst="rect">
             <a:avLst/>
           </a:prstGeom>
         </p:spPr>
       </p:pic>
-      <p:sp>
-        <p:nvSpPr>
-          <p:cNvPr id="6" name="Title 1">
+      <p:pic>
+        <p:nvPicPr>
+          <p:cNvPr id="2" name="Picture 1">
             <a:extLst>
               <a:ext uri="{FF2B5EF4-FFF2-40B4-BE49-F238E27FC236}">
-                <a16:creationId xmlns:a16="http://schemas.microsoft.com/office/drawing/2014/main" id="{EEFA8E91-7245-A04A-8978-722DA0C5AB70}"/>
+                <a16:creationId xmlns:a16="http://schemas.microsoft.com/office/drawing/2014/main" id="{6DE93A9B-B3F0-254E-B3B0-9F508C54D001}"/>
+              </a:ext>
+            </a:extLst>
+          </p:cNvPr>
+          <p:cNvPicPr>
+            <a:picLocks noChangeAspect="1"/>
+          </p:cNvPicPr>
+          <p:nvPr/>
+        </p:nvPicPr>
+        <p:blipFill>
+          <a:blip r:embed="rId4" cstate="email">
+            <a:extLst>
+              <a:ext uri="{28A0092B-C50C-407E-A947-70E740481C1C}">
+                <a14:useLocalDpi xmlns:a14="http://schemas.microsoft.com/office/drawing/2010/main"/>
+              </a:ext>
+            </a:extLst>
+          </a:blip>
+          <a:stretch>
+            <a:fillRect/>
+          </a:stretch>
+        </p:blipFill>
+        <p:spPr>
+          <a:xfrm>
+            <a:off x="0" y="0"/>
+            <a:ext cx="12180232" cy="6858000"/>
+          </a:xfrm>
+          <a:prstGeom prst="rect">
+            <a:avLst/>
+          </a:prstGeom>
+        </p:spPr>
+      </p:pic>
+      <p:sp>
+        <p:nvSpPr>
+          <p:cNvPr id="4" name="Title 1">
+            <a:extLst>
+              <a:ext uri="{FF2B5EF4-FFF2-40B4-BE49-F238E27FC236}">
+                <a16:creationId xmlns:a16="http://schemas.microsoft.com/office/drawing/2014/main" id="{8EC8A4FD-29F6-E846-AB32-2C2BADCA12D0}"/>
               </a:ext>
             </a:extLst>
           </p:cNvPr>
@@ -14314,70 +14246,8 @@
         </p:nvSpPr>
         <p:spPr>
           <a:xfrm>
-            <a:off x="2009320" y="2499443"/>
-            <a:ext cx="7665031" cy="1325563"/>
-          </a:xfrm>
-          <a:prstGeom prst="rect">
-            <a:avLst/>
-          </a:prstGeom>
-        </p:spPr>
-        <p:txBody>
-          <a:bodyPr anchor="t"/>
-          <a:lstStyle>
-            <a:lvl1pPr algn="l" defTabSz="914400" rtl="0" eaLnBrk="1" latinLnBrk="0" hangingPunct="1">
-              <a:lnSpc>
-                <a:spcPct val="90000"/>
-              </a:lnSpc>
-              <a:spcBef>
-                <a:spcPct val="0"/>
-              </a:spcBef>
-              <a:buNone/>
-              <a:defRPr sz="4400" kern="1200">
-                <a:solidFill>
-                  <a:schemeClr val="tx1"/>
-                </a:solidFill>
-                <a:latin typeface="+mj-lt"/>
-                <a:ea typeface="+mj-ea"/>
-                <a:cs typeface="+mj-cs"/>
-              </a:defRPr>
-            </a:lvl1pPr>
-          </a:lstStyle>
-          <a:p>
-            <a:pPr algn="ctr"/>
-            <a:r>
-              <a:rPr lang="en-US" sz="8800" b="1">
-                <a:solidFill>
-                  <a:srgbClr val="0070C0"/>
-                </a:solidFill>
-                <a:latin typeface="Arial"/>
-                <a:cs typeface="Arial"/>
-              </a:rPr>
-              <a:t>Demo</a:t>
-            </a:r>
-            <a:endParaRPr lang="en-US">
-              <a:cs typeface="Calibri Light" panose="020F0302020204030204"/>
-            </a:endParaRPr>
-          </a:p>
-        </p:txBody>
-      </p:sp>
-      <p:sp>
-        <p:nvSpPr>
-          <p:cNvPr id="7" name="Title 1">
-            <a:extLst>
-              <a:ext uri="{FF2B5EF4-FFF2-40B4-BE49-F238E27FC236}">
-                <a16:creationId xmlns:a16="http://schemas.microsoft.com/office/drawing/2014/main" id="{ED5ADC38-5201-974D-A30A-DE8429F18478}"/>
-              </a:ext>
-            </a:extLst>
-          </p:cNvPr>
-          <p:cNvSpPr txBox="1">
-            <a:spLocks/>
-          </p:cNvSpPr>
-          <p:nvPr/>
-        </p:nvSpPr>
-        <p:spPr>
-          <a:xfrm>
-            <a:off x="5630564" y="1731960"/>
-            <a:ext cx="5746273" cy="4736075"/>
+            <a:off x="772423" y="3987076"/>
+            <a:ext cx="9486393" cy="797576"/>
           </a:xfrm>
           <a:prstGeom prst="rect">
             <a:avLst/>
@@ -14405,25 +14275,164 @@
             </a:lvl1pPr>
           </a:lstStyle>
           <a:p>
-            <a:pPr algn="r">
+            <a:r>
+              <a:rPr lang="en-US" sz="7200" b="1" dirty="0">
+                <a:solidFill>
+                  <a:schemeClr val="bg1"/>
+                </a:solidFill>
+                <a:latin typeface="Arial" panose="020B0604020202020204" pitchFamily="34" charset="0"/>
+                <a:cs typeface="Arial" panose="020B0604020202020204" pitchFamily="34" charset="0"/>
+              </a:rPr>
+              <a:t>PowerShell</a:t>
+            </a:r>
+          </a:p>
+        </p:txBody>
+      </p:sp>
+      <p:sp>
+        <p:nvSpPr>
+          <p:cNvPr id="5" name="Title 1">
+            <a:extLst>
+              <a:ext uri="{FF2B5EF4-FFF2-40B4-BE49-F238E27FC236}">
+                <a16:creationId xmlns:a16="http://schemas.microsoft.com/office/drawing/2014/main" id="{E30C5A45-3460-6B4F-BC44-F5513C3BF261}"/>
+              </a:ext>
+            </a:extLst>
+          </p:cNvPr>
+          <p:cNvSpPr txBox="1">
+            <a:spLocks/>
+          </p:cNvSpPr>
+          <p:nvPr/>
+        </p:nvSpPr>
+        <p:spPr>
+          <a:xfrm>
+            <a:off x="772423" y="4964033"/>
+            <a:ext cx="9123139" cy="1325563"/>
+          </a:xfrm>
+          <a:prstGeom prst="rect">
+            <a:avLst/>
+          </a:prstGeom>
+        </p:spPr>
+        <p:txBody>
+          <a:bodyPr/>
+          <a:lstStyle>
+            <a:lvl1pPr algn="l" defTabSz="914400" rtl="0" eaLnBrk="1" latinLnBrk="0" hangingPunct="1">
               <a:lnSpc>
-                <a:spcPct val="150000"/>
+                <a:spcPct val="90000"/>
               </a:lnSpc>
-            </a:pPr>
-            <a:endParaRPr lang="en-US" sz="3600">
-              <a:solidFill>
-                <a:srgbClr val="002060"/>
-              </a:solidFill>
-              <a:latin typeface="Arial" panose="020B0604020202020204" pitchFamily="34" charset="0"/>
-              <a:cs typeface="Arial" panose="020B0604020202020204" pitchFamily="34" charset="0"/>
-            </a:endParaRPr>
+              <a:spcBef>
+                <a:spcPct val="0"/>
+              </a:spcBef>
+              <a:buNone/>
+              <a:defRPr sz="4400" kern="1200">
+                <a:solidFill>
+                  <a:schemeClr val="tx1"/>
+                </a:solidFill>
+                <a:latin typeface="+mj-lt"/>
+                <a:ea typeface="+mj-ea"/>
+                <a:cs typeface="+mj-cs"/>
+              </a:defRPr>
+            </a:lvl1pPr>
+          </a:lstStyle>
+          <a:p>
+            <a:r>
+              <a:rPr lang="en-US" sz="5400" b="1" dirty="0">
+                <a:solidFill>
+                  <a:schemeClr val="accent1">
+                    <a:lumMod val="40000"/>
+                    <a:lumOff val="60000"/>
+                  </a:schemeClr>
+                </a:solidFill>
+                <a:latin typeface="Arial" panose="020B0604020202020204" pitchFamily="34" charset="0"/>
+                <a:cs typeface="Arial" panose="020B0604020202020204" pitchFamily="34" charset="0"/>
+              </a:rPr>
+              <a:t>Objects Explained</a:t>
+            </a:r>
+          </a:p>
+        </p:txBody>
+      </p:sp>
+      <p:sp>
+        <p:nvSpPr>
+          <p:cNvPr id="6" name="TextBox 5">
+            <a:extLst>
+              <a:ext uri="{FF2B5EF4-FFF2-40B4-BE49-F238E27FC236}">
+                <a16:creationId xmlns:a16="http://schemas.microsoft.com/office/drawing/2014/main" id="{30B583B3-9096-4920-8D95-DA401DC5F0BD}"/>
+              </a:ext>
+            </a:extLst>
+          </p:cNvPr>
+          <p:cNvSpPr txBox="1"/>
+          <p:nvPr/>
+        </p:nvSpPr>
+        <p:spPr>
+          <a:xfrm>
+            <a:off x="10033348" y="6488668"/>
+            <a:ext cx="2087671" cy="369332"/>
+          </a:xfrm>
+          <a:prstGeom prst="rect">
+            <a:avLst/>
+          </a:prstGeom>
+          <a:noFill/>
+        </p:spPr>
+        <p:txBody>
+          <a:bodyPr wrap="square" rtlCol="0">
+            <a:spAutoFit/>
+          </a:bodyPr>
+          <a:lstStyle/>
+          <a:p>
+            <a:pPr algn="r"/>
+            <a:r>
+              <a:rPr lang="en-AU" dirty="0">
+                <a:solidFill>
+                  <a:schemeClr val="bg1"/>
+                </a:solidFill>
+              </a:rPr>
+              <a:t>@PowerShellMich1</a:t>
+            </a:r>
+          </a:p>
+        </p:txBody>
+      </p:sp>
+      <p:sp>
+        <p:nvSpPr>
+          <p:cNvPr id="7" name="TextBox 6">
+            <a:extLst>
+              <a:ext uri="{FF2B5EF4-FFF2-40B4-BE49-F238E27FC236}">
+                <a16:creationId xmlns:a16="http://schemas.microsoft.com/office/drawing/2014/main" id="{D1BB7E4A-90FE-466D-982A-6CB6002965EC}"/>
+              </a:ext>
+            </a:extLst>
+          </p:cNvPr>
+          <p:cNvSpPr txBox="1"/>
+          <p:nvPr/>
+        </p:nvSpPr>
+        <p:spPr>
+          <a:xfrm>
+            <a:off x="70981" y="6468977"/>
+            <a:ext cx="5215003" cy="369332"/>
+          </a:xfrm>
+          <a:prstGeom prst="rect">
+            <a:avLst/>
+          </a:prstGeom>
+          <a:noFill/>
+        </p:spPr>
+        <p:txBody>
+          <a:bodyPr wrap="square" rtlCol="0">
+            <a:spAutoFit/>
+          </a:bodyPr>
+          <a:lstStyle/>
+          <a:p>
+            <a:r>
+              <a:rPr lang="en-AU" dirty="0">
+                <a:solidFill>
+                  <a:schemeClr val="bg1"/>
+                </a:solidFill>
+              </a:rPr>
+              <a:t>Slides: https://github.com/ZanattaMichael/BrisPug </a:t>
+            </a:r>
+            <a:endParaRPr lang="en-AU" dirty="0"/>
           </a:p>
         </p:txBody>
       </p:sp>
     </p:spTree>
     <p:extLst>
       <p:ext uri="{BB962C8B-B14F-4D97-AF65-F5344CB8AC3E}">
-        <p14:creationId xmlns:p14="http://schemas.microsoft.com/office/powerpoint/2010/main" val="374070016"/>
+        <p14:creationId xmlns:p14="http://schemas.microsoft.com/office/powerpoint/2010/main" val="444379534"/>
       </p:ext>
     </p:extLst>
   </p:cSld>
@@ -14452,10 +14461,10 @@
       </p:grpSpPr>
       <p:pic>
         <p:nvPicPr>
-          <p:cNvPr id="3" name="Picture 2">
+          <p:cNvPr id="10" name="Picture 9">
             <a:extLst>
               <a:ext uri="{FF2B5EF4-FFF2-40B4-BE49-F238E27FC236}">
-                <a16:creationId xmlns:a16="http://schemas.microsoft.com/office/drawing/2014/main" id="{D5ABC5AC-DCD4-6F4A-B2DB-FF28E61B56CF}"/>
+                <a16:creationId xmlns:a16="http://schemas.microsoft.com/office/drawing/2014/main" id="{A8F61E12-44BB-8A4C-9D9B-749853EC81FE}"/>
               </a:ext>
             </a:extLst>
           </p:cNvPr>
@@ -14465,7 +14474,7 @@
           <p:nvPr/>
         </p:nvPicPr>
         <p:blipFill>
-          <a:blip r:embed="rId3" cstate="email">
+          <a:blip r:embed="rId2" cstate="email">
             <a:extLst>
               <a:ext uri="{28A0092B-C50C-407E-A947-70E740481C1C}">
                 <a14:useLocalDpi xmlns:a14="http://schemas.microsoft.com/office/drawing/2010/main"/>
@@ -14488,10 +14497,10 @@
       </p:pic>
       <p:pic>
         <p:nvPicPr>
-          <p:cNvPr id="2" name="Picture 1">
+          <p:cNvPr id="3" name="Picture 2">
             <a:extLst>
               <a:ext uri="{FF2B5EF4-FFF2-40B4-BE49-F238E27FC236}">
-                <a16:creationId xmlns:a16="http://schemas.microsoft.com/office/drawing/2014/main" id="{6DE93A9B-B3F0-254E-B3B0-9F508C54D001}"/>
+                <a16:creationId xmlns:a16="http://schemas.microsoft.com/office/drawing/2014/main" id="{18859F08-F8B1-8644-993B-928DED201BD0}"/>
               </a:ext>
             </a:extLst>
           </p:cNvPr>
@@ -14501,7 +14510,8 @@
           <p:nvPr/>
         </p:nvPicPr>
         <p:blipFill>
-          <a:blip r:embed="rId4" cstate="email">
+          <a:blip r:embed="rId3" cstate="email">
+            <a:alphaModFix amt="85000"/>
             <a:extLst>
               <a:ext uri="{28A0092B-C50C-407E-A947-70E740481C1C}">
                 <a14:useLocalDpi xmlns:a14="http://schemas.microsoft.com/office/drawing/2010/main"/>
@@ -14515,7 +14525,7 @@
         <p:spPr>
           <a:xfrm>
             <a:off x="0" y="0"/>
-            <a:ext cx="12180232" cy="6858000"/>
+            <a:ext cx="12192000" cy="6864626"/>
           </a:xfrm>
           <a:prstGeom prst="rect">
             <a:avLst/>
@@ -14527,7 +14537,7 @@
           <p:cNvPr id="4" name="Title 1">
             <a:extLst>
               <a:ext uri="{FF2B5EF4-FFF2-40B4-BE49-F238E27FC236}">
-                <a16:creationId xmlns:a16="http://schemas.microsoft.com/office/drawing/2014/main" id="{8EC8A4FD-29F6-E846-AB32-2C2BADCA12D0}"/>
+                <a16:creationId xmlns:a16="http://schemas.microsoft.com/office/drawing/2014/main" id="{9FF57B7B-BF06-644F-AE6A-DB11B6C683B4}"/>
               </a:ext>
             </a:extLst>
           </p:cNvPr>
@@ -14538,8 +14548,8 @@
         </p:nvSpPr>
         <p:spPr>
           <a:xfrm>
-            <a:off x="772423" y="3987076"/>
-            <a:ext cx="9486393" cy="797576"/>
+            <a:off x="3148546" y="303064"/>
+            <a:ext cx="8496300" cy="1325563"/>
           </a:xfrm>
           <a:prstGeom prst="rect">
             <a:avLst/>
@@ -14567,15 +14577,19 @@
             </a:lvl1pPr>
           </a:lstStyle>
           <a:p>
-            <a:r>
-              <a:rPr lang="en-US" sz="7200" b="1" dirty="0">
-                <a:solidFill>
-                  <a:schemeClr val="bg1"/>
+            <a:pPr algn="r"/>
+            <a:r>
+              <a:rPr lang="en-US" b="1" dirty="0">
+                <a:solidFill>
+                  <a:schemeClr val="accent1">
+                    <a:lumMod val="40000"/>
+                    <a:lumOff val="60000"/>
+                  </a:schemeClr>
                 </a:solidFill>
                 <a:latin typeface="Arial" panose="020B0604020202020204" pitchFamily="34" charset="0"/>
                 <a:cs typeface="Arial" panose="020B0604020202020204" pitchFamily="34" charset="0"/>
               </a:rPr>
-              <a:t>PowerShell</a:t>
+              <a:t>Breakdown Time:</a:t>
             </a:r>
           </a:p>
         </p:txBody>
@@ -14585,7 +14599,7 @@
           <p:cNvPr id="5" name="Title 1">
             <a:extLst>
               <a:ext uri="{FF2B5EF4-FFF2-40B4-BE49-F238E27FC236}">
-                <a16:creationId xmlns:a16="http://schemas.microsoft.com/office/drawing/2014/main" id="{E30C5A45-3460-6B4F-BC44-F5513C3BF261}"/>
+                <a16:creationId xmlns:a16="http://schemas.microsoft.com/office/drawing/2014/main" id="{F85D271E-C10E-3441-BE32-01F6DF5A0052}"/>
               </a:ext>
             </a:extLst>
           </p:cNvPr>
@@ -14596,12 +14610,13 @@
         </p:nvSpPr>
         <p:spPr>
           <a:xfrm>
-            <a:off x="772423" y="4964033"/>
-            <a:ext cx="9123139" cy="1325563"/>
+            <a:off x="324256" y="1180290"/>
+            <a:ext cx="11595370" cy="5287746"/>
           </a:xfrm>
           <a:prstGeom prst="rect">
             <a:avLst/>
           </a:prstGeom>
+          <a:noFill/>
         </p:spPr>
         <p:txBody>
           <a:bodyPr/>
@@ -14625,106 +14640,162 @@
             </a:lvl1pPr>
           </a:lstStyle>
           <a:p>
-            <a:r>
-              <a:rPr lang="en-US" sz="5400" b="1" dirty="0">
-                <a:solidFill>
-                  <a:schemeClr val="accent1">
-                    <a:lumMod val="40000"/>
-                    <a:lumOff val="60000"/>
-                  </a:schemeClr>
+            <a:pPr marL="571500" indent="-571500">
+              <a:lnSpc>
+                <a:spcPct val="150000"/>
+              </a:lnSpc>
+              <a:buFont typeface="Arial" panose="020B0604020202020204" pitchFamily="34" charset="0"/>
+              <a:buChar char="•"/>
+            </a:pPr>
+            <a:endParaRPr lang="en-US" sz="3600" dirty="0">
+              <a:solidFill>
+                <a:schemeClr val="bg1"/>
+              </a:solidFill>
+              <a:latin typeface="Arial" panose="020B0604020202020204" pitchFamily="34" charset="0"/>
+              <a:cs typeface="Arial" panose="020B0604020202020204" pitchFamily="34" charset="0"/>
+            </a:endParaRPr>
+          </a:p>
+          <a:p>
+            <a:pPr marL="571500" indent="-571500">
+              <a:lnSpc>
+                <a:spcPct val="150000"/>
+              </a:lnSpc>
+              <a:buFont typeface="Arial" panose="020B0604020202020204" pitchFamily="34" charset="0"/>
+              <a:buChar char="•"/>
+            </a:pPr>
+            <a:r>
+              <a:rPr lang="en-US" sz="3600" b="1" dirty="0">
+                <a:solidFill>
+                  <a:schemeClr val="accent4"/>
                 </a:solidFill>
                 <a:latin typeface="Arial" panose="020B0604020202020204" pitchFamily="34" charset="0"/>
                 <a:cs typeface="Arial" panose="020B0604020202020204" pitchFamily="34" charset="0"/>
               </a:rPr>
-              <a:t>Object’s Explained</a:t>
-            </a:r>
-          </a:p>
-        </p:txBody>
-      </p:sp>
-      <p:sp>
-        <p:nvSpPr>
-          <p:cNvPr id="6" name="TextBox 5">
-            <a:extLst>
-              <a:ext uri="{FF2B5EF4-FFF2-40B4-BE49-F238E27FC236}">
-                <a16:creationId xmlns:a16="http://schemas.microsoft.com/office/drawing/2014/main" id="{30B583B3-9096-4920-8D95-DA401DC5F0BD}"/>
-              </a:ext>
-            </a:extLst>
-          </p:cNvPr>
-          <p:cNvSpPr txBox="1"/>
-          <p:nvPr/>
-        </p:nvSpPr>
-        <p:spPr>
-          <a:xfrm>
-            <a:off x="10033348" y="6488668"/>
-            <a:ext cx="2087671" cy="369332"/>
-          </a:xfrm>
-          <a:prstGeom prst="rect">
-            <a:avLst/>
-          </a:prstGeom>
-          <a:noFill/>
-        </p:spPr>
-        <p:txBody>
-          <a:bodyPr wrap="square" rtlCol="0">
-            <a:spAutoFit/>
-          </a:bodyPr>
-          <a:lstStyle/>
-          <a:p>
-            <a:pPr algn="r"/>
-            <a:r>
-              <a:rPr lang="en-AU" dirty="0">
+              <a:t>What</a:t>
+            </a:r>
+            <a:r>
+              <a:rPr lang="en-US" sz="3600" dirty="0">
                 <a:solidFill>
                   <a:schemeClr val="bg1"/>
                 </a:solidFill>
-              </a:rPr>
-              <a:t>@PowerShellMich1</a:t>
-            </a:r>
-          </a:p>
-        </p:txBody>
-      </p:sp>
-      <p:sp>
-        <p:nvSpPr>
-          <p:cNvPr id="7" name="TextBox 6">
-            <a:extLst>
-              <a:ext uri="{FF2B5EF4-FFF2-40B4-BE49-F238E27FC236}">
-                <a16:creationId xmlns:a16="http://schemas.microsoft.com/office/drawing/2014/main" id="{D1BB7E4A-90FE-466D-982A-6CB6002965EC}"/>
-              </a:ext>
-            </a:extLst>
-          </p:cNvPr>
-          <p:cNvSpPr txBox="1"/>
-          <p:nvPr/>
-        </p:nvSpPr>
-        <p:spPr>
-          <a:xfrm>
-            <a:off x="70981" y="6468977"/>
-            <a:ext cx="5215003" cy="369332"/>
-          </a:xfrm>
-          <a:prstGeom prst="rect">
-            <a:avLst/>
-          </a:prstGeom>
-          <a:noFill/>
-        </p:spPr>
-        <p:txBody>
-          <a:bodyPr wrap="square" rtlCol="0">
-            <a:spAutoFit/>
-          </a:bodyPr>
-          <a:lstStyle/>
-          <a:p>
-            <a:r>
-              <a:rPr lang="en-AU" dirty="0">
+                <a:latin typeface="Arial" panose="020B0604020202020204" pitchFamily="34" charset="0"/>
+                <a:cs typeface="Arial" panose="020B0604020202020204" pitchFamily="34" charset="0"/>
+              </a:rPr>
+              <a:t> is a PowerShell Object?</a:t>
+            </a:r>
+          </a:p>
+          <a:p>
+            <a:pPr marL="571500" indent="-571500">
+              <a:lnSpc>
+                <a:spcPct val="150000"/>
+              </a:lnSpc>
+              <a:buFont typeface="Arial" panose="020B0604020202020204" pitchFamily="34" charset="0"/>
+              <a:buChar char="•"/>
+            </a:pPr>
+            <a:r>
+              <a:rPr lang="en-US" sz="3600" b="1" dirty="0">
+                <a:solidFill>
+                  <a:schemeClr val="accent4"/>
+                </a:solidFill>
+                <a:latin typeface="Arial" panose="020B0604020202020204" pitchFamily="34" charset="0"/>
+                <a:cs typeface="Arial" panose="020B0604020202020204" pitchFamily="34" charset="0"/>
+              </a:rPr>
+              <a:t>Why</a:t>
+            </a:r>
+            <a:r>
+              <a:rPr lang="en-US" sz="3600" dirty="0">
                 <a:solidFill>
                   <a:schemeClr val="bg1"/>
                 </a:solidFill>
-              </a:rPr>
-              <a:t>Slides: https://github.com/ZanattaMichael/BrisPug </a:t>
-            </a:r>
-            <a:endParaRPr lang="en-AU" dirty="0"/>
+                <a:latin typeface="Arial" panose="020B0604020202020204" pitchFamily="34" charset="0"/>
+                <a:cs typeface="Arial" panose="020B0604020202020204" pitchFamily="34" charset="0"/>
+              </a:rPr>
+              <a:t> is it Important?</a:t>
+            </a:r>
+          </a:p>
+          <a:p>
+            <a:pPr marL="571500" indent="-571500">
+              <a:lnSpc>
+                <a:spcPct val="150000"/>
+              </a:lnSpc>
+              <a:buFont typeface="Arial" panose="020B0604020202020204" pitchFamily="34" charset="0"/>
+              <a:buChar char="•"/>
+            </a:pPr>
+            <a:r>
+              <a:rPr lang="en-US" sz="3600" b="1" dirty="0">
+                <a:solidFill>
+                  <a:schemeClr val="accent4"/>
+                </a:solidFill>
+                <a:latin typeface="Arial" panose="020B0604020202020204" pitchFamily="34" charset="0"/>
+                <a:cs typeface="Arial" panose="020B0604020202020204" pitchFamily="34" charset="0"/>
+              </a:rPr>
+              <a:t>How</a:t>
+            </a:r>
+            <a:r>
+              <a:rPr lang="en-US" sz="3600" dirty="0">
+                <a:solidFill>
+                  <a:schemeClr val="bg1"/>
+                </a:solidFill>
+                <a:latin typeface="Arial" panose="020B0604020202020204" pitchFamily="34" charset="0"/>
+                <a:cs typeface="Arial" panose="020B0604020202020204" pitchFamily="34" charset="0"/>
+              </a:rPr>
+              <a:t> do we Use PowerShell Objects?</a:t>
+            </a:r>
+          </a:p>
+          <a:p>
+            <a:pPr marL="571500" indent="-571500">
+              <a:lnSpc>
+                <a:spcPct val="150000"/>
+              </a:lnSpc>
+              <a:buFont typeface="Arial" panose="020B0604020202020204" pitchFamily="34" charset="0"/>
+              <a:buChar char="•"/>
+            </a:pPr>
+            <a:endParaRPr lang="en-US" sz="3600" dirty="0">
+              <a:solidFill>
+                <a:schemeClr val="bg1"/>
+              </a:solidFill>
+              <a:latin typeface="Arial" panose="020B0604020202020204" pitchFamily="34" charset="0"/>
+              <a:cs typeface="Arial" panose="020B0604020202020204" pitchFamily="34" charset="0"/>
+            </a:endParaRPr>
+          </a:p>
+          <a:p>
+            <a:pPr marL="571500" indent="-571500">
+              <a:lnSpc>
+                <a:spcPct val="150000"/>
+              </a:lnSpc>
+              <a:buFont typeface="Arial" panose="020B0604020202020204" pitchFamily="34" charset="0"/>
+              <a:buChar char="•"/>
+            </a:pPr>
+            <a:endParaRPr lang="en-US" sz="3600" dirty="0">
+              <a:solidFill>
+                <a:schemeClr val="bg1"/>
+              </a:solidFill>
+              <a:latin typeface="Arial" panose="020B0604020202020204" pitchFamily="34" charset="0"/>
+              <a:cs typeface="Arial" panose="020B0604020202020204" pitchFamily="34" charset="0"/>
+            </a:endParaRPr>
+          </a:p>
+          <a:p>
+            <a:pPr marL="571500" indent="-571500" algn="r">
+              <a:lnSpc>
+                <a:spcPct val="150000"/>
+              </a:lnSpc>
+              <a:buFont typeface="Arial" panose="020B0604020202020204" pitchFamily="34" charset="0"/>
+              <a:buChar char="•"/>
+            </a:pPr>
+            <a:endParaRPr lang="en-US" sz="3600" dirty="0">
+              <a:solidFill>
+                <a:schemeClr val="bg1"/>
+              </a:solidFill>
+              <a:latin typeface="Arial" panose="020B0604020202020204" pitchFamily="34" charset="0"/>
+              <a:cs typeface="Arial" panose="020B0604020202020204" pitchFamily="34" charset="0"/>
+            </a:endParaRPr>
           </a:p>
         </p:txBody>
       </p:sp>
     </p:spTree>
     <p:extLst>
       <p:ext uri="{BB962C8B-B14F-4D97-AF65-F5344CB8AC3E}">
-        <p14:creationId xmlns:p14="http://schemas.microsoft.com/office/powerpoint/2010/main" val="444379534"/>
+        <p14:creationId xmlns:p14="http://schemas.microsoft.com/office/powerpoint/2010/main" val="2100677659"/>
       </p:ext>
     </p:extLst>
   </p:cSld>
@@ -14753,46 +14824,10 @@
       </p:grpSpPr>
       <p:pic>
         <p:nvPicPr>
-          <p:cNvPr id="10" name="Picture 9">
+          <p:cNvPr id="4" name="Picture 3">
             <a:extLst>
               <a:ext uri="{FF2B5EF4-FFF2-40B4-BE49-F238E27FC236}">
-                <a16:creationId xmlns:a16="http://schemas.microsoft.com/office/drawing/2014/main" id="{A8F61E12-44BB-8A4C-9D9B-749853EC81FE}"/>
-              </a:ext>
-            </a:extLst>
-          </p:cNvPr>
-          <p:cNvPicPr>
-            <a:picLocks noChangeAspect="1"/>
-          </p:cNvPicPr>
-          <p:nvPr/>
-        </p:nvPicPr>
-        <p:blipFill>
-          <a:blip r:embed="rId2" cstate="email">
-            <a:extLst>
-              <a:ext uri="{28A0092B-C50C-407E-A947-70E740481C1C}">
-                <a14:useLocalDpi xmlns:a14="http://schemas.microsoft.com/office/drawing/2010/main"/>
-              </a:ext>
-            </a:extLst>
-          </a:blip>
-          <a:stretch>
-            <a:fillRect/>
-          </a:stretch>
-        </p:blipFill>
-        <p:spPr>
-          <a:xfrm>
-            <a:off x="0" y="0"/>
-            <a:ext cx="12192000" cy="6858000"/>
-          </a:xfrm>
-          <a:prstGeom prst="rect">
-            <a:avLst/>
-          </a:prstGeom>
-        </p:spPr>
-      </p:pic>
-      <p:pic>
-        <p:nvPicPr>
-          <p:cNvPr id="3" name="Picture 2">
-            <a:extLst>
-              <a:ext uri="{FF2B5EF4-FFF2-40B4-BE49-F238E27FC236}">
-                <a16:creationId xmlns:a16="http://schemas.microsoft.com/office/drawing/2014/main" id="{18859F08-F8B1-8644-993B-928DED201BD0}"/>
+                <a16:creationId xmlns:a16="http://schemas.microsoft.com/office/drawing/2014/main" id="{2EEAB116-0DBF-A241-95B4-1844D615F3C4}"/>
               </a:ext>
             </a:extLst>
           </p:cNvPr>
@@ -14803,7 +14838,6 @@
         </p:nvPicPr>
         <p:blipFill>
           <a:blip r:embed="rId3" cstate="email">
-            <a:alphaModFix amt="85000"/>
             <a:extLst>
               <a:ext uri="{28A0092B-C50C-407E-A947-70E740481C1C}">
                 <a14:useLocalDpi xmlns:a14="http://schemas.microsoft.com/office/drawing/2010/main"/>
@@ -14826,10 +14860,10 @@
       </p:pic>
       <p:sp>
         <p:nvSpPr>
-          <p:cNvPr id="4" name="Title 1">
+          <p:cNvPr id="6" name="Title 1">
             <a:extLst>
               <a:ext uri="{FF2B5EF4-FFF2-40B4-BE49-F238E27FC236}">
-                <a16:creationId xmlns:a16="http://schemas.microsoft.com/office/drawing/2014/main" id="{9FF57B7B-BF06-644F-AE6A-DB11B6C683B4}"/>
+                <a16:creationId xmlns:a16="http://schemas.microsoft.com/office/drawing/2014/main" id="{EEFA8E91-7245-A04A-8978-722DA0C5AB70}"/>
               </a:ext>
             </a:extLst>
           </p:cNvPr>
@@ -14840,8 +14874,8 @@
         </p:nvSpPr>
         <p:spPr>
           <a:xfrm>
-            <a:off x="3148546" y="303064"/>
-            <a:ext cx="8496300" cy="1325563"/>
+            <a:off x="2009320" y="2499443"/>
+            <a:ext cx="7665031" cy="1325563"/>
           </a:xfrm>
           <a:prstGeom prst="rect">
             <a:avLst/>
@@ -14871,27 +14905,24 @@
           <a:p>
             <a:pPr algn="r"/>
             <a:r>
-              <a:rPr lang="en-US" b="1" dirty="0">
-                <a:solidFill>
-                  <a:schemeClr val="accent1">
-                    <a:lumMod val="40000"/>
-                    <a:lumOff val="60000"/>
-                  </a:schemeClr>
+              <a:rPr lang="en-US" sz="8800" b="1" dirty="0">
+                <a:solidFill>
+                  <a:srgbClr val="0070C0"/>
                 </a:solidFill>
                 <a:latin typeface="Arial" panose="020B0604020202020204" pitchFamily="34" charset="0"/>
                 <a:cs typeface="Arial" panose="020B0604020202020204" pitchFamily="34" charset="0"/>
               </a:rPr>
-              <a:t>Breakdown Time:</a:t>
+              <a:t>What….</a:t>
             </a:r>
           </a:p>
         </p:txBody>
       </p:sp>
       <p:sp>
         <p:nvSpPr>
-          <p:cNvPr id="5" name="Title 1">
+          <p:cNvPr id="7" name="Title 1">
             <a:extLst>
               <a:ext uri="{FF2B5EF4-FFF2-40B4-BE49-F238E27FC236}">
-                <a16:creationId xmlns:a16="http://schemas.microsoft.com/office/drawing/2014/main" id="{F85D271E-C10E-3441-BE32-01F6DF5A0052}"/>
+                <a16:creationId xmlns:a16="http://schemas.microsoft.com/office/drawing/2014/main" id="{ED5ADC38-5201-974D-A30A-DE8429F18478}"/>
               </a:ext>
             </a:extLst>
           </p:cNvPr>
@@ -14902,13 +14933,12 @@
         </p:nvSpPr>
         <p:spPr>
           <a:xfrm>
-            <a:off x="324256" y="1180290"/>
-            <a:ext cx="11595370" cy="5287746"/>
+            <a:off x="5630564" y="1731960"/>
+            <a:ext cx="5746273" cy="4736075"/>
           </a:xfrm>
           <a:prstGeom prst="rect">
             <a:avLst/>
           </a:prstGeom>
-          <a:noFill/>
         </p:spPr>
         <p:txBody>
           <a:bodyPr/>
@@ -14932,162 +14962,25 @@
             </a:lvl1pPr>
           </a:lstStyle>
           <a:p>
-            <a:pPr marL="571500" indent="-571500">
+            <a:pPr algn="r">
               <a:lnSpc>
                 <a:spcPct val="150000"/>
               </a:lnSpc>
-              <a:buFont typeface="Arial" panose="020B0604020202020204" pitchFamily="34" charset="0"/>
-              <a:buChar char="•"/>
             </a:pPr>
-            <a:endParaRPr lang="en-US" sz="3600" dirty="0">
+            <a:endParaRPr lang="en-US" sz="3600">
               <a:solidFill>
-                <a:schemeClr val="bg1"/>
+                <a:srgbClr val="002060"/>
               </a:solidFill>
               <a:latin typeface="Arial" panose="020B0604020202020204" pitchFamily="34" charset="0"/>
               <a:cs typeface="Arial" panose="020B0604020202020204" pitchFamily="34" charset="0"/>
             </a:endParaRPr>
           </a:p>
-          <a:p>
-            <a:pPr marL="571500" indent="-571500">
-              <a:lnSpc>
-                <a:spcPct val="150000"/>
-              </a:lnSpc>
-              <a:buFont typeface="Arial" panose="020B0604020202020204" pitchFamily="34" charset="0"/>
-              <a:buChar char="•"/>
-            </a:pPr>
-            <a:r>
-              <a:rPr lang="en-US" sz="3600" b="1" dirty="0">
-                <a:solidFill>
-                  <a:schemeClr val="accent4"/>
-                </a:solidFill>
-                <a:latin typeface="Arial" panose="020B0604020202020204" pitchFamily="34" charset="0"/>
-                <a:cs typeface="Arial" panose="020B0604020202020204" pitchFamily="34" charset="0"/>
-              </a:rPr>
-              <a:t>What</a:t>
-            </a:r>
-            <a:r>
-              <a:rPr lang="en-US" sz="3600" dirty="0">
-                <a:solidFill>
-                  <a:schemeClr val="bg1"/>
-                </a:solidFill>
-                <a:latin typeface="Arial" panose="020B0604020202020204" pitchFamily="34" charset="0"/>
-                <a:cs typeface="Arial" panose="020B0604020202020204" pitchFamily="34" charset="0"/>
-              </a:rPr>
-              <a:t> is a PowerShell Object?</a:t>
-            </a:r>
-          </a:p>
-          <a:p>
-            <a:pPr marL="571500" indent="-571500">
-              <a:lnSpc>
-                <a:spcPct val="150000"/>
-              </a:lnSpc>
-              <a:buFont typeface="Arial" panose="020B0604020202020204" pitchFamily="34" charset="0"/>
-              <a:buChar char="•"/>
-            </a:pPr>
-            <a:r>
-              <a:rPr lang="en-US" sz="3600" b="1" dirty="0">
-                <a:solidFill>
-                  <a:schemeClr val="accent4"/>
-                </a:solidFill>
-                <a:latin typeface="Arial" panose="020B0604020202020204" pitchFamily="34" charset="0"/>
-                <a:cs typeface="Arial" panose="020B0604020202020204" pitchFamily="34" charset="0"/>
-              </a:rPr>
-              <a:t>Why</a:t>
-            </a:r>
-            <a:r>
-              <a:rPr lang="en-US" sz="3600" dirty="0">
-                <a:solidFill>
-                  <a:schemeClr val="bg1"/>
-                </a:solidFill>
-                <a:latin typeface="Arial" panose="020B0604020202020204" pitchFamily="34" charset="0"/>
-                <a:cs typeface="Arial" panose="020B0604020202020204" pitchFamily="34" charset="0"/>
-              </a:rPr>
-              <a:t> is it Important?</a:t>
-            </a:r>
-          </a:p>
-          <a:p>
-            <a:pPr marL="571500" indent="-571500">
-              <a:lnSpc>
-                <a:spcPct val="150000"/>
-              </a:lnSpc>
-              <a:buFont typeface="Arial" panose="020B0604020202020204" pitchFamily="34" charset="0"/>
-              <a:buChar char="•"/>
-            </a:pPr>
-            <a:r>
-              <a:rPr lang="en-US" sz="3600" b="1" dirty="0">
-                <a:solidFill>
-                  <a:schemeClr val="accent4"/>
-                </a:solidFill>
-                <a:latin typeface="Arial" panose="020B0604020202020204" pitchFamily="34" charset="0"/>
-                <a:cs typeface="Arial" panose="020B0604020202020204" pitchFamily="34" charset="0"/>
-              </a:rPr>
-              <a:t>How</a:t>
-            </a:r>
-            <a:r>
-              <a:rPr lang="en-US" sz="3600" dirty="0">
-                <a:solidFill>
-                  <a:schemeClr val="bg1"/>
-                </a:solidFill>
-                <a:latin typeface="Arial" panose="020B0604020202020204" pitchFamily="34" charset="0"/>
-                <a:cs typeface="Arial" panose="020B0604020202020204" pitchFamily="34" charset="0"/>
-              </a:rPr>
-              <a:t> do we Use PowerShell Objects?</a:t>
-            </a:r>
-          </a:p>
-          <a:p>
-            <a:pPr marL="571500" indent="-571500">
-              <a:lnSpc>
-                <a:spcPct val="150000"/>
-              </a:lnSpc>
-              <a:buFont typeface="Arial" panose="020B0604020202020204" pitchFamily="34" charset="0"/>
-              <a:buChar char="•"/>
-            </a:pPr>
-            <a:endParaRPr lang="en-US" sz="3600" dirty="0">
-              <a:solidFill>
-                <a:schemeClr val="bg1"/>
-              </a:solidFill>
-              <a:latin typeface="Arial" panose="020B0604020202020204" pitchFamily="34" charset="0"/>
-              <a:cs typeface="Arial" panose="020B0604020202020204" pitchFamily="34" charset="0"/>
-            </a:endParaRPr>
-          </a:p>
-          <a:p>
-            <a:pPr marL="571500" indent="-571500">
-              <a:lnSpc>
-                <a:spcPct val="150000"/>
-              </a:lnSpc>
-              <a:buFont typeface="Arial" panose="020B0604020202020204" pitchFamily="34" charset="0"/>
-              <a:buChar char="•"/>
-            </a:pPr>
-            <a:endParaRPr lang="en-US" sz="3600" dirty="0">
-              <a:solidFill>
-                <a:schemeClr val="bg1"/>
-              </a:solidFill>
-              <a:latin typeface="Arial" panose="020B0604020202020204" pitchFamily="34" charset="0"/>
-              <a:cs typeface="Arial" panose="020B0604020202020204" pitchFamily="34" charset="0"/>
-            </a:endParaRPr>
-          </a:p>
-          <a:p>
-            <a:pPr marL="571500" indent="-571500" algn="r">
-              <a:lnSpc>
-                <a:spcPct val="150000"/>
-              </a:lnSpc>
-              <a:buFont typeface="Arial" panose="020B0604020202020204" pitchFamily="34" charset="0"/>
-              <a:buChar char="•"/>
-            </a:pPr>
-            <a:endParaRPr lang="en-US" sz="3600" dirty="0">
-              <a:solidFill>
-                <a:schemeClr val="bg1"/>
-              </a:solidFill>
-              <a:latin typeface="Arial" panose="020B0604020202020204" pitchFamily="34" charset="0"/>
-              <a:cs typeface="Arial" panose="020B0604020202020204" pitchFamily="34" charset="0"/>
-            </a:endParaRPr>
-          </a:p>
         </p:txBody>
       </p:sp>
     </p:spTree>
     <p:extLst>
       <p:ext uri="{BB962C8B-B14F-4D97-AF65-F5344CB8AC3E}">
-        <p14:creationId xmlns:p14="http://schemas.microsoft.com/office/powerpoint/2010/main" val="2100677659"/>
+        <p14:creationId xmlns:p14="http://schemas.microsoft.com/office/powerpoint/2010/main" val="4052682566"/>
       </p:ext>
     </p:extLst>
   </p:cSld>
